--- a/public/slides/array.pptx
+++ b/public/slides/array.pptx
@@ -1,11 +1,13 @@
 
 <file path=ppt/presentation.xml><?xml version="1.0" encoding="utf-8"?>
-<p:presentation xmlns:a="http://schemas.openxmlformats.org/drawingml/2006/main" xmlns:r="http://schemas.openxmlformats.org/officeDocument/2006/relationships" xmlns:p="http://schemas.openxmlformats.org/presentationml/2006/main" saveSubsetFonts="1">
+<p:presentation xmlns:a="http://schemas.openxmlformats.org/drawingml/2006/main" xmlns:r="http://schemas.openxmlformats.org/officeDocument/2006/relationships" xmlns:p="http://schemas.openxmlformats.org/presentationml/2006/main" saveSubsetFonts="1" autoCompressPictures="0">
   <p:sldMasterIdLst>
     <p:sldMasterId id="2147483648" r:id="rId1"/>
   </p:sldMasterIdLst>
   <p:sldIdLst>
     <p:sldId id="256" r:id="rId2"/>
+    <p:sldId id="257" r:id="rId3"/>
+    <p:sldId id="258" r:id="rId4"/>
   </p:sldIdLst>
   <p:sldSz cx="12192000" cy="6858000"/>
   <p:notesSz cx="6858000" cy="9144000"/>
@@ -126,7 +128,13 @@
       </p:grpSpPr>
       <p:sp>
         <p:nvSpPr>
-          <p:cNvPr id="2" name="Title 1"/>
+          <p:cNvPr id="2" name="Title 1">
+            <a:extLst>
+              <a:ext uri="{FF2B5EF4-FFF2-40B4-BE49-F238E27FC236}">
+                <a16:creationId xmlns:a16="http://schemas.microsoft.com/office/drawing/2014/main" id="{451BCCDC-DF58-3F44-B3DB-0517ADDA9CB0}"/>
+              </a:ext>
+            </a:extLst>
+          </p:cNvPr>
           <p:cNvSpPr>
             <a:spLocks noGrp="1"/>
           </p:cNvSpPr>
@@ -149,16 +157,21 @@
           </a:lstStyle>
           <a:p>
             <a:r>
-              <a:rPr lang="en-US" smtClean="0"/>
+              <a:rPr lang="en-US"/>
               <a:t>Click to edit Master title style</a:t>
             </a:r>
-            <a:endParaRPr lang="en-US"/>
           </a:p>
         </p:txBody>
       </p:sp>
       <p:sp>
         <p:nvSpPr>
-          <p:cNvPr id="3" name="Subtitle 2"/>
+          <p:cNvPr id="3" name="Subtitle 2">
+            <a:extLst>
+              <a:ext uri="{FF2B5EF4-FFF2-40B4-BE49-F238E27FC236}">
+                <a16:creationId xmlns:a16="http://schemas.microsoft.com/office/drawing/2014/main" id="{F6F22BA4-6042-7B4B-8BE4-1342D2BE92DC}"/>
+              </a:ext>
+            </a:extLst>
+          </p:cNvPr>
           <p:cNvSpPr>
             <a:spLocks noGrp="1"/>
           </p:cNvSpPr>
@@ -214,16 +227,21 @@
           </a:lstStyle>
           <a:p>
             <a:r>
-              <a:rPr lang="en-US" smtClean="0"/>
+              <a:rPr lang="en-US"/>
               <a:t>Click to edit Master subtitle style</a:t>
             </a:r>
-            <a:endParaRPr lang="en-US"/>
           </a:p>
         </p:txBody>
       </p:sp>
       <p:sp>
         <p:nvSpPr>
-          <p:cNvPr id="4" name="Date Placeholder 3"/>
+          <p:cNvPr id="4" name="Date Placeholder 3">
+            <a:extLst>
+              <a:ext uri="{FF2B5EF4-FFF2-40B4-BE49-F238E27FC236}">
+                <a16:creationId xmlns:a16="http://schemas.microsoft.com/office/drawing/2014/main" id="{5F216C06-212B-A341-B9FE-A964A85FD667}"/>
+              </a:ext>
+            </a:extLst>
+          </p:cNvPr>
           <p:cNvSpPr>
             <a:spLocks noGrp="1"/>
           </p:cNvSpPr>
@@ -236,9 +254,9 @@
           <a:bodyPr/>
           <a:lstStyle/>
           <a:p>
-            <a:fld id="{D86C60AC-21A9-4527-902F-2042C0F56A4A}" type="datetimeFigureOut">
+            <a:fld id="{C21429D7-DFEC-A042-BDA5-35FB8F2C63BE}" type="datetimeFigureOut">
               <a:rPr lang="en-US" smtClean="0"/>
-              <a:t>2/17/2020</a:t>
+              <a:t>7/8/21</a:t>
             </a:fld>
             <a:endParaRPr lang="en-US"/>
           </a:p>
@@ -246,7 +264,13 @@
       </p:sp>
       <p:sp>
         <p:nvSpPr>
-          <p:cNvPr id="5" name="Footer Placeholder 4"/>
+          <p:cNvPr id="5" name="Footer Placeholder 4">
+            <a:extLst>
+              <a:ext uri="{FF2B5EF4-FFF2-40B4-BE49-F238E27FC236}">
+                <a16:creationId xmlns:a16="http://schemas.microsoft.com/office/drawing/2014/main" id="{4606084E-9150-EC43-BADD-D6BAE0BA105C}"/>
+              </a:ext>
+            </a:extLst>
+          </p:cNvPr>
           <p:cNvSpPr>
             <a:spLocks noGrp="1"/>
           </p:cNvSpPr>
@@ -265,7 +289,13 @@
       </p:sp>
       <p:sp>
         <p:nvSpPr>
-          <p:cNvPr id="6" name="Slide Number Placeholder 5"/>
+          <p:cNvPr id="6" name="Slide Number Placeholder 5">
+            <a:extLst>
+              <a:ext uri="{FF2B5EF4-FFF2-40B4-BE49-F238E27FC236}">
+                <a16:creationId xmlns:a16="http://schemas.microsoft.com/office/drawing/2014/main" id="{2A919A9E-D776-9146-9441-FBA73480B49C}"/>
+              </a:ext>
+            </a:extLst>
+          </p:cNvPr>
           <p:cNvSpPr>
             <a:spLocks noGrp="1"/>
           </p:cNvSpPr>
@@ -278,7 +308,7 @@
           <a:bodyPr/>
           <a:lstStyle/>
           <a:p>
-            <a:fld id="{EE5C57A9-CEFB-45D9-A419-76E40BEA5A89}" type="slidenum">
+            <a:fld id="{DD3BC725-2A06-A04D-8570-6C09BB6D4197}" type="slidenum">
               <a:rPr lang="en-US" smtClean="0"/>
               <a:t>‹#›</a:t>
             </a:fld>
@@ -289,7 +319,7 @@
     </p:spTree>
     <p:extLst>
       <p:ext uri="{BB962C8B-B14F-4D97-AF65-F5344CB8AC3E}">
-        <p14:creationId xmlns:p14="http://schemas.microsoft.com/office/powerpoint/2010/main" val="1766952531"/>
+        <p14:creationId xmlns:p14="http://schemas.microsoft.com/office/powerpoint/2010/main" val="90958743"/>
       </p:ext>
     </p:extLst>
   </p:cSld>
@@ -318,7 +348,13 @@
       </p:grpSpPr>
       <p:sp>
         <p:nvSpPr>
-          <p:cNvPr id="2" name="Title 1"/>
+          <p:cNvPr id="2" name="Title 1">
+            <a:extLst>
+              <a:ext uri="{FF2B5EF4-FFF2-40B4-BE49-F238E27FC236}">
+                <a16:creationId xmlns:a16="http://schemas.microsoft.com/office/drawing/2014/main" id="{F3F4D780-21F2-D74F-843D-D861B991D277}"/>
+              </a:ext>
+            </a:extLst>
+          </p:cNvPr>
           <p:cNvSpPr>
             <a:spLocks noGrp="1"/>
           </p:cNvSpPr>
@@ -332,16 +368,21 @@
           <a:lstStyle/>
           <a:p>
             <a:r>
-              <a:rPr lang="en-US" smtClean="0"/>
+              <a:rPr lang="en-US"/>
               <a:t>Click to edit Master title style</a:t>
             </a:r>
-            <a:endParaRPr lang="en-US"/>
           </a:p>
         </p:txBody>
       </p:sp>
       <p:sp>
         <p:nvSpPr>
-          <p:cNvPr id="3" name="Vertical Text Placeholder 2"/>
+          <p:cNvPr id="3" name="Vertical Text Placeholder 2">
+            <a:extLst>
+              <a:ext uri="{FF2B5EF4-FFF2-40B4-BE49-F238E27FC236}">
+                <a16:creationId xmlns:a16="http://schemas.microsoft.com/office/drawing/2014/main" id="{7B81B531-16BF-F449-B792-C2E6A24F2287}"/>
+              </a:ext>
+            </a:extLst>
+          </p:cNvPr>
           <p:cNvSpPr>
             <a:spLocks noGrp="1"/>
           </p:cNvSpPr>
@@ -356,44 +397,49 @@
           <a:p>
             <a:pPr lvl="0"/>
             <a:r>
-              <a:rPr lang="en-US" smtClean="0"/>
+              <a:rPr lang="en-US"/>
               <a:t>Click to edit Master text styles</a:t>
             </a:r>
           </a:p>
           <a:p>
             <a:pPr lvl="1"/>
             <a:r>
-              <a:rPr lang="en-US" smtClean="0"/>
+              <a:rPr lang="en-US"/>
               <a:t>Second level</a:t>
             </a:r>
           </a:p>
           <a:p>
             <a:pPr lvl="2"/>
             <a:r>
-              <a:rPr lang="en-US" smtClean="0"/>
+              <a:rPr lang="en-US"/>
               <a:t>Third level</a:t>
             </a:r>
           </a:p>
           <a:p>
             <a:pPr lvl="3"/>
             <a:r>
-              <a:rPr lang="en-US" smtClean="0"/>
+              <a:rPr lang="en-US"/>
               <a:t>Fourth level</a:t>
             </a:r>
           </a:p>
           <a:p>
             <a:pPr lvl="4"/>
             <a:r>
-              <a:rPr lang="en-US" smtClean="0"/>
+              <a:rPr lang="en-US"/>
               <a:t>Fifth level</a:t>
             </a:r>
-            <a:endParaRPr lang="en-US"/>
           </a:p>
         </p:txBody>
       </p:sp>
       <p:sp>
         <p:nvSpPr>
-          <p:cNvPr id="4" name="Date Placeholder 3"/>
+          <p:cNvPr id="4" name="Date Placeholder 3">
+            <a:extLst>
+              <a:ext uri="{FF2B5EF4-FFF2-40B4-BE49-F238E27FC236}">
+                <a16:creationId xmlns:a16="http://schemas.microsoft.com/office/drawing/2014/main" id="{FE1C03E6-F699-0B4D-9531-85E6EA895833}"/>
+              </a:ext>
+            </a:extLst>
+          </p:cNvPr>
           <p:cNvSpPr>
             <a:spLocks noGrp="1"/>
           </p:cNvSpPr>
@@ -406,9 +452,9 @@
           <a:bodyPr/>
           <a:lstStyle/>
           <a:p>
-            <a:fld id="{D86C60AC-21A9-4527-902F-2042C0F56A4A}" type="datetimeFigureOut">
+            <a:fld id="{C21429D7-DFEC-A042-BDA5-35FB8F2C63BE}" type="datetimeFigureOut">
               <a:rPr lang="en-US" smtClean="0"/>
-              <a:t>2/17/2020</a:t>
+              <a:t>7/8/21</a:t>
             </a:fld>
             <a:endParaRPr lang="en-US"/>
           </a:p>
@@ -416,7 +462,13 @@
       </p:sp>
       <p:sp>
         <p:nvSpPr>
-          <p:cNvPr id="5" name="Footer Placeholder 4"/>
+          <p:cNvPr id="5" name="Footer Placeholder 4">
+            <a:extLst>
+              <a:ext uri="{FF2B5EF4-FFF2-40B4-BE49-F238E27FC236}">
+                <a16:creationId xmlns:a16="http://schemas.microsoft.com/office/drawing/2014/main" id="{1E6A941C-8FAC-514A-91FA-06C8C01327FE}"/>
+              </a:ext>
+            </a:extLst>
+          </p:cNvPr>
           <p:cNvSpPr>
             <a:spLocks noGrp="1"/>
           </p:cNvSpPr>
@@ -435,7 +487,13 @@
       </p:sp>
       <p:sp>
         <p:nvSpPr>
-          <p:cNvPr id="6" name="Slide Number Placeholder 5"/>
+          <p:cNvPr id="6" name="Slide Number Placeholder 5">
+            <a:extLst>
+              <a:ext uri="{FF2B5EF4-FFF2-40B4-BE49-F238E27FC236}">
+                <a16:creationId xmlns:a16="http://schemas.microsoft.com/office/drawing/2014/main" id="{19D01DCA-F615-DF42-88C6-DDA8848CC8C1}"/>
+              </a:ext>
+            </a:extLst>
+          </p:cNvPr>
           <p:cNvSpPr>
             <a:spLocks noGrp="1"/>
           </p:cNvSpPr>
@@ -448,7 +506,7 @@
           <a:bodyPr/>
           <a:lstStyle/>
           <a:p>
-            <a:fld id="{EE5C57A9-CEFB-45D9-A419-76E40BEA5A89}" type="slidenum">
+            <a:fld id="{DD3BC725-2A06-A04D-8570-6C09BB6D4197}" type="slidenum">
               <a:rPr lang="en-US" smtClean="0"/>
               <a:t>‹#›</a:t>
             </a:fld>
@@ -459,7 +517,7 @@
     </p:spTree>
     <p:extLst>
       <p:ext uri="{BB962C8B-B14F-4D97-AF65-F5344CB8AC3E}">
-        <p14:creationId xmlns:p14="http://schemas.microsoft.com/office/powerpoint/2010/main" val="2568960218"/>
+        <p14:creationId xmlns:p14="http://schemas.microsoft.com/office/powerpoint/2010/main" val="3538108268"/>
       </p:ext>
     </p:extLst>
   </p:cSld>
@@ -488,7 +546,13 @@
       </p:grpSpPr>
       <p:sp>
         <p:nvSpPr>
-          <p:cNvPr id="2" name="Vertical Title 1"/>
+          <p:cNvPr id="2" name="Vertical Title 1">
+            <a:extLst>
+              <a:ext uri="{FF2B5EF4-FFF2-40B4-BE49-F238E27FC236}">
+                <a16:creationId xmlns:a16="http://schemas.microsoft.com/office/drawing/2014/main" id="{042323CB-F1A1-7E4A-9076-AE7D655260D5}"/>
+              </a:ext>
+            </a:extLst>
+          </p:cNvPr>
           <p:cNvSpPr>
             <a:spLocks noGrp="1"/>
           </p:cNvSpPr>
@@ -507,16 +571,21 @@
           <a:lstStyle/>
           <a:p>
             <a:r>
-              <a:rPr lang="en-US" smtClean="0"/>
+              <a:rPr lang="en-US"/>
               <a:t>Click to edit Master title style</a:t>
             </a:r>
-            <a:endParaRPr lang="en-US"/>
           </a:p>
         </p:txBody>
       </p:sp>
       <p:sp>
         <p:nvSpPr>
-          <p:cNvPr id="3" name="Vertical Text Placeholder 2"/>
+          <p:cNvPr id="3" name="Vertical Text Placeholder 2">
+            <a:extLst>
+              <a:ext uri="{FF2B5EF4-FFF2-40B4-BE49-F238E27FC236}">
+                <a16:creationId xmlns:a16="http://schemas.microsoft.com/office/drawing/2014/main" id="{E89C28A4-848C-F543-8396-3FBBB496D6E1}"/>
+              </a:ext>
+            </a:extLst>
+          </p:cNvPr>
           <p:cNvSpPr>
             <a:spLocks noGrp="1"/>
           </p:cNvSpPr>
@@ -536,44 +605,49 @@
           <a:p>
             <a:pPr lvl="0"/>
             <a:r>
-              <a:rPr lang="en-US" smtClean="0"/>
+              <a:rPr lang="en-US"/>
               <a:t>Click to edit Master text styles</a:t>
             </a:r>
           </a:p>
           <a:p>
             <a:pPr lvl="1"/>
             <a:r>
-              <a:rPr lang="en-US" smtClean="0"/>
+              <a:rPr lang="en-US"/>
               <a:t>Second level</a:t>
             </a:r>
           </a:p>
           <a:p>
             <a:pPr lvl="2"/>
             <a:r>
-              <a:rPr lang="en-US" smtClean="0"/>
+              <a:rPr lang="en-US"/>
               <a:t>Third level</a:t>
             </a:r>
           </a:p>
           <a:p>
             <a:pPr lvl="3"/>
             <a:r>
-              <a:rPr lang="en-US" smtClean="0"/>
+              <a:rPr lang="en-US"/>
               <a:t>Fourth level</a:t>
             </a:r>
           </a:p>
           <a:p>
             <a:pPr lvl="4"/>
             <a:r>
-              <a:rPr lang="en-US" smtClean="0"/>
+              <a:rPr lang="en-US"/>
               <a:t>Fifth level</a:t>
             </a:r>
-            <a:endParaRPr lang="en-US"/>
           </a:p>
         </p:txBody>
       </p:sp>
       <p:sp>
         <p:nvSpPr>
-          <p:cNvPr id="4" name="Date Placeholder 3"/>
+          <p:cNvPr id="4" name="Date Placeholder 3">
+            <a:extLst>
+              <a:ext uri="{FF2B5EF4-FFF2-40B4-BE49-F238E27FC236}">
+                <a16:creationId xmlns:a16="http://schemas.microsoft.com/office/drawing/2014/main" id="{55BF9C10-3B2B-FC43-9C0A-7C3B546F4B75}"/>
+              </a:ext>
+            </a:extLst>
+          </p:cNvPr>
           <p:cNvSpPr>
             <a:spLocks noGrp="1"/>
           </p:cNvSpPr>
@@ -586,9 +660,9 @@
           <a:bodyPr/>
           <a:lstStyle/>
           <a:p>
-            <a:fld id="{D86C60AC-21A9-4527-902F-2042C0F56A4A}" type="datetimeFigureOut">
+            <a:fld id="{C21429D7-DFEC-A042-BDA5-35FB8F2C63BE}" type="datetimeFigureOut">
               <a:rPr lang="en-US" smtClean="0"/>
-              <a:t>2/17/2020</a:t>
+              <a:t>7/8/21</a:t>
             </a:fld>
             <a:endParaRPr lang="en-US"/>
           </a:p>
@@ -596,7 +670,13 @@
       </p:sp>
       <p:sp>
         <p:nvSpPr>
-          <p:cNvPr id="5" name="Footer Placeholder 4"/>
+          <p:cNvPr id="5" name="Footer Placeholder 4">
+            <a:extLst>
+              <a:ext uri="{FF2B5EF4-FFF2-40B4-BE49-F238E27FC236}">
+                <a16:creationId xmlns:a16="http://schemas.microsoft.com/office/drawing/2014/main" id="{B1D82CC6-C3FF-0948-9EED-1347BD6DA89A}"/>
+              </a:ext>
+            </a:extLst>
+          </p:cNvPr>
           <p:cNvSpPr>
             <a:spLocks noGrp="1"/>
           </p:cNvSpPr>
@@ -615,7 +695,13 @@
       </p:sp>
       <p:sp>
         <p:nvSpPr>
-          <p:cNvPr id="6" name="Slide Number Placeholder 5"/>
+          <p:cNvPr id="6" name="Slide Number Placeholder 5">
+            <a:extLst>
+              <a:ext uri="{FF2B5EF4-FFF2-40B4-BE49-F238E27FC236}">
+                <a16:creationId xmlns:a16="http://schemas.microsoft.com/office/drawing/2014/main" id="{D0C4BB71-370F-7D43-B8D8-F324971D0B40}"/>
+              </a:ext>
+            </a:extLst>
+          </p:cNvPr>
           <p:cNvSpPr>
             <a:spLocks noGrp="1"/>
           </p:cNvSpPr>
@@ -628,7 +714,7 @@
           <a:bodyPr/>
           <a:lstStyle/>
           <a:p>
-            <a:fld id="{EE5C57A9-CEFB-45D9-A419-76E40BEA5A89}" type="slidenum">
+            <a:fld id="{DD3BC725-2A06-A04D-8570-6C09BB6D4197}" type="slidenum">
               <a:rPr lang="en-US" smtClean="0"/>
               <a:t>‹#›</a:t>
             </a:fld>
@@ -639,7 +725,7 @@
     </p:spTree>
     <p:extLst>
       <p:ext uri="{BB962C8B-B14F-4D97-AF65-F5344CB8AC3E}">
-        <p14:creationId xmlns:p14="http://schemas.microsoft.com/office/powerpoint/2010/main" val="1572027327"/>
+        <p14:creationId xmlns:p14="http://schemas.microsoft.com/office/powerpoint/2010/main" val="2367844217"/>
       </p:ext>
     </p:extLst>
   </p:cSld>
@@ -668,7 +754,13 @@
       </p:grpSpPr>
       <p:sp>
         <p:nvSpPr>
-          <p:cNvPr id="2" name="Title 1"/>
+          <p:cNvPr id="2" name="Title 1">
+            <a:extLst>
+              <a:ext uri="{FF2B5EF4-FFF2-40B4-BE49-F238E27FC236}">
+                <a16:creationId xmlns:a16="http://schemas.microsoft.com/office/drawing/2014/main" id="{5C33033A-1E9D-D84B-A5C7-A9F20BF1A699}"/>
+              </a:ext>
+            </a:extLst>
+          </p:cNvPr>
           <p:cNvSpPr>
             <a:spLocks noGrp="1"/>
           </p:cNvSpPr>
@@ -682,16 +774,21 @@
           <a:lstStyle/>
           <a:p>
             <a:r>
-              <a:rPr lang="en-US" smtClean="0"/>
+              <a:rPr lang="en-US"/>
               <a:t>Click to edit Master title style</a:t>
             </a:r>
-            <a:endParaRPr lang="en-US"/>
           </a:p>
         </p:txBody>
       </p:sp>
       <p:sp>
         <p:nvSpPr>
-          <p:cNvPr id="3" name="Content Placeholder 2"/>
+          <p:cNvPr id="3" name="Content Placeholder 2">
+            <a:extLst>
+              <a:ext uri="{FF2B5EF4-FFF2-40B4-BE49-F238E27FC236}">
+                <a16:creationId xmlns:a16="http://schemas.microsoft.com/office/drawing/2014/main" id="{343EAFB5-5AF0-934C-9DB7-C044E11245D8}"/>
+              </a:ext>
+            </a:extLst>
+          </p:cNvPr>
           <p:cNvSpPr>
             <a:spLocks noGrp="1"/>
           </p:cNvSpPr>
@@ -706,44 +803,49 @@
           <a:p>
             <a:pPr lvl="0"/>
             <a:r>
-              <a:rPr lang="en-US" smtClean="0"/>
+              <a:rPr lang="en-US"/>
               <a:t>Click to edit Master text styles</a:t>
             </a:r>
           </a:p>
           <a:p>
             <a:pPr lvl="1"/>
             <a:r>
-              <a:rPr lang="en-US" smtClean="0"/>
+              <a:rPr lang="en-US"/>
               <a:t>Second level</a:t>
             </a:r>
           </a:p>
           <a:p>
             <a:pPr lvl="2"/>
             <a:r>
-              <a:rPr lang="en-US" smtClean="0"/>
+              <a:rPr lang="en-US"/>
               <a:t>Third level</a:t>
             </a:r>
           </a:p>
           <a:p>
             <a:pPr lvl="3"/>
             <a:r>
-              <a:rPr lang="en-US" smtClean="0"/>
+              <a:rPr lang="en-US"/>
               <a:t>Fourth level</a:t>
             </a:r>
           </a:p>
           <a:p>
             <a:pPr lvl="4"/>
             <a:r>
-              <a:rPr lang="en-US" smtClean="0"/>
+              <a:rPr lang="en-US"/>
               <a:t>Fifth level</a:t>
             </a:r>
-            <a:endParaRPr lang="en-US"/>
           </a:p>
         </p:txBody>
       </p:sp>
       <p:sp>
         <p:nvSpPr>
-          <p:cNvPr id="4" name="Date Placeholder 3"/>
+          <p:cNvPr id="4" name="Date Placeholder 3">
+            <a:extLst>
+              <a:ext uri="{FF2B5EF4-FFF2-40B4-BE49-F238E27FC236}">
+                <a16:creationId xmlns:a16="http://schemas.microsoft.com/office/drawing/2014/main" id="{1DBEB7A9-7AA2-E340-AB18-D2F44B48B44E}"/>
+              </a:ext>
+            </a:extLst>
+          </p:cNvPr>
           <p:cNvSpPr>
             <a:spLocks noGrp="1"/>
           </p:cNvSpPr>
@@ -756,9 +858,9 @@
           <a:bodyPr/>
           <a:lstStyle/>
           <a:p>
-            <a:fld id="{D86C60AC-21A9-4527-902F-2042C0F56A4A}" type="datetimeFigureOut">
+            <a:fld id="{C21429D7-DFEC-A042-BDA5-35FB8F2C63BE}" type="datetimeFigureOut">
               <a:rPr lang="en-US" smtClean="0"/>
-              <a:t>2/17/2020</a:t>
+              <a:t>7/8/21</a:t>
             </a:fld>
             <a:endParaRPr lang="en-US"/>
           </a:p>
@@ -766,7 +868,13 @@
       </p:sp>
       <p:sp>
         <p:nvSpPr>
-          <p:cNvPr id="5" name="Footer Placeholder 4"/>
+          <p:cNvPr id="5" name="Footer Placeholder 4">
+            <a:extLst>
+              <a:ext uri="{FF2B5EF4-FFF2-40B4-BE49-F238E27FC236}">
+                <a16:creationId xmlns:a16="http://schemas.microsoft.com/office/drawing/2014/main" id="{67FEDBC7-A2D5-DB4C-80B1-2FB94868D5E4}"/>
+              </a:ext>
+            </a:extLst>
+          </p:cNvPr>
           <p:cNvSpPr>
             <a:spLocks noGrp="1"/>
           </p:cNvSpPr>
@@ -785,7 +893,13 @@
       </p:sp>
       <p:sp>
         <p:nvSpPr>
-          <p:cNvPr id="6" name="Slide Number Placeholder 5"/>
+          <p:cNvPr id="6" name="Slide Number Placeholder 5">
+            <a:extLst>
+              <a:ext uri="{FF2B5EF4-FFF2-40B4-BE49-F238E27FC236}">
+                <a16:creationId xmlns:a16="http://schemas.microsoft.com/office/drawing/2014/main" id="{AB940598-BDD9-1C46-B161-57D88EDF268A}"/>
+              </a:ext>
+            </a:extLst>
+          </p:cNvPr>
           <p:cNvSpPr>
             <a:spLocks noGrp="1"/>
           </p:cNvSpPr>
@@ -798,7 +912,7 @@
           <a:bodyPr/>
           <a:lstStyle/>
           <a:p>
-            <a:fld id="{EE5C57A9-CEFB-45D9-A419-76E40BEA5A89}" type="slidenum">
+            <a:fld id="{DD3BC725-2A06-A04D-8570-6C09BB6D4197}" type="slidenum">
               <a:rPr lang="en-US" smtClean="0"/>
               <a:t>‹#›</a:t>
             </a:fld>
@@ -809,7 +923,7 @@
     </p:spTree>
     <p:extLst>
       <p:ext uri="{BB962C8B-B14F-4D97-AF65-F5344CB8AC3E}">
-        <p14:creationId xmlns:p14="http://schemas.microsoft.com/office/powerpoint/2010/main" val="672605558"/>
+        <p14:creationId xmlns:p14="http://schemas.microsoft.com/office/powerpoint/2010/main" val="2509334664"/>
       </p:ext>
     </p:extLst>
   </p:cSld>
@@ -838,7 +952,13 @@
       </p:grpSpPr>
       <p:sp>
         <p:nvSpPr>
-          <p:cNvPr id="2" name="Title 1"/>
+          <p:cNvPr id="2" name="Title 1">
+            <a:extLst>
+              <a:ext uri="{FF2B5EF4-FFF2-40B4-BE49-F238E27FC236}">
+                <a16:creationId xmlns:a16="http://schemas.microsoft.com/office/drawing/2014/main" id="{5DE8DA0D-2A80-A740-AD76-6586E8D0D4CA}"/>
+              </a:ext>
+            </a:extLst>
+          </p:cNvPr>
           <p:cNvSpPr>
             <a:spLocks noGrp="1"/>
           </p:cNvSpPr>
@@ -861,16 +981,21 @@
           </a:lstStyle>
           <a:p>
             <a:r>
-              <a:rPr lang="en-US" smtClean="0"/>
+              <a:rPr lang="en-US"/>
               <a:t>Click to edit Master title style</a:t>
             </a:r>
-            <a:endParaRPr lang="en-US"/>
           </a:p>
         </p:txBody>
       </p:sp>
       <p:sp>
         <p:nvSpPr>
-          <p:cNvPr id="3" name="Text Placeholder 2"/>
+          <p:cNvPr id="3" name="Text Placeholder 2">
+            <a:extLst>
+              <a:ext uri="{FF2B5EF4-FFF2-40B4-BE49-F238E27FC236}">
+                <a16:creationId xmlns:a16="http://schemas.microsoft.com/office/drawing/2014/main" id="{9F8C933C-2A6A-1D49-B821-22B3B0476C69}"/>
+              </a:ext>
+            </a:extLst>
+          </p:cNvPr>
           <p:cNvSpPr>
             <a:spLocks noGrp="1"/>
           </p:cNvSpPr>
@@ -981,7 +1106,7 @@
           <a:p>
             <a:pPr lvl="0"/>
             <a:r>
-              <a:rPr lang="en-US" smtClean="0"/>
+              <a:rPr lang="en-US"/>
               <a:t>Click to edit Master text styles</a:t>
             </a:r>
           </a:p>
@@ -989,7 +1114,13 @@
       </p:sp>
       <p:sp>
         <p:nvSpPr>
-          <p:cNvPr id="4" name="Date Placeholder 3"/>
+          <p:cNvPr id="4" name="Date Placeholder 3">
+            <a:extLst>
+              <a:ext uri="{FF2B5EF4-FFF2-40B4-BE49-F238E27FC236}">
+                <a16:creationId xmlns:a16="http://schemas.microsoft.com/office/drawing/2014/main" id="{F1091938-2CC4-6E4D-AD06-DE101E5E8A6F}"/>
+              </a:ext>
+            </a:extLst>
+          </p:cNvPr>
           <p:cNvSpPr>
             <a:spLocks noGrp="1"/>
           </p:cNvSpPr>
@@ -1002,9 +1133,9 @@
           <a:bodyPr/>
           <a:lstStyle/>
           <a:p>
-            <a:fld id="{D86C60AC-21A9-4527-902F-2042C0F56A4A}" type="datetimeFigureOut">
+            <a:fld id="{C21429D7-DFEC-A042-BDA5-35FB8F2C63BE}" type="datetimeFigureOut">
               <a:rPr lang="en-US" smtClean="0"/>
-              <a:t>2/17/2020</a:t>
+              <a:t>7/8/21</a:t>
             </a:fld>
             <a:endParaRPr lang="en-US"/>
           </a:p>
@@ -1012,7 +1143,13 @@
       </p:sp>
       <p:sp>
         <p:nvSpPr>
-          <p:cNvPr id="5" name="Footer Placeholder 4"/>
+          <p:cNvPr id="5" name="Footer Placeholder 4">
+            <a:extLst>
+              <a:ext uri="{FF2B5EF4-FFF2-40B4-BE49-F238E27FC236}">
+                <a16:creationId xmlns:a16="http://schemas.microsoft.com/office/drawing/2014/main" id="{26C0208D-98C3-CD4C-88CE-52E32B10DF5A}"/>
+              </a:ext>
+            </a:extLst>
+          </p:cNvPr>
           <p:cNvSpPr>
             <a:spLocks noGrp="1"/>
           </p:cNvSpPr>
@@ -1031,7 +1168,13 @@
       </p:sp>
       <p:sp>
         <p:nvSpPr>
-          <p:cNvPr id="6" name="Slide Number Placeholder 5"/>
+          <p:cNvPr id="6" name="Slide Number Placeholder 5">
+            <a:extLst>
+              <a:ext uri="{FF2B5EF4-FFF2-40B4-BE49-F238E27FC236}">
+                <a16:creationId xmlns:a16="http://schemas.microsoft.com/office/drawing/2014/main" id="{89914DB8-E661-2245-B479-79A95521DD6A}"/>
+              </a:ext>
+            </a:extLst>
+          </p:cNvPr>
           <p:cNvSpPr>
             <a:spLocks noGrp="1"/>
           </p:cNvSpPr>
@@ -1044,7 +1187,7 @@
           <a:bodyPr/>
           <a:lstStyle/>
           <a:p>
-            <a:fld id="{EE5C57A9-CEFB-45D9-A419-76E40BEA5A89}" type="slidenum">
+            <a:fld id="{DD3BC725-2A06-A04D-8570-6C09BB6D4197}" type="slidenum">
               <a:rPr lang="en-US" smtClean="0"/>
               <a:t>‹#›</a:t>
             </a:fld>
@@ -1055,7 +1198,7 @@
     </p:spTree>
     <p:extLst>
       <p:ext uri="{BB962C8B-B14F-4D97-AF65-F5344CB8AC3E}">
-        <p14:creationId xmlns:p14="http://schemas.microsoft.com/office/powerpoint/2010/main" val="3330925333"/>
+        <p14:creationId xmlns:p14="http://schemas.microsoft.com/office/powerpoint/2010/main" val="2039036484"/>
       </p:ext>
     </p:extLst>
   </p:cSld>
@@ -1084,7 +1227,13 @@
       </p:grpSpPr>
       <p:sp>
         <p:nvSpPr>
-          <p:cNvPr id="2" name="Title 1"/>
+          <p:cNvPr id="2" name="Title 1">
+            <a:extLst>
+              <a:ext uri="{FF2B5EF4-FFF2-40B4-BE49-F238E27FC236}">
+                <a16:creationId xmlns:a16="http://schemas.microsoft.com/office/drawing/2014/main" id="{BF6C8A96-FED9-B243-9E41-436DEDCA83BA}"/>
+              </a:ext>
+            </a:extLst>
+          </p:cNvPr>
           <p:cNvSpPr>
             <a:spLocks noGrp="1"/>
           </p:cNvSpPr>
@@ -1098,16 +1247,21 @@
           <a:lstStyle/>
           <a:p>
             <a:r>
-              <a:rPr lang="en-US" smtClean="0"/>
+              <a:rPr lang="en-US"/>
               <a:t>Click to edit Master title style</a:t>
             </a:r>
-            <a:endParaRPr lang="en-US"/>
           </a:p>
         </p:txBody>
       </p:sp>
       <p:sp>
         <p:nvSpPr>
-          <p:cNvPr id="3" name="Content Placeholder 2"/>
+          <p:cNvPr id="3" name="Content Placeholder 2">
+            <a:extLst>
+              <a:ext uri="{FF2B5EF4-FFF2-40B4-BE49-F238E27FC236}">
+                <a16:creationId xmlns:a16="http://schemas.microsoft.com/office/drawing/2014/main" id="{7CEB65AB-9C42-224D-BD28-498D4EA6FDB5}"/>
+              </a:ext>
+            </a:extLst>
+          </p:cNvPr>
           <p:cNvSpPr>
             <a:spLocks noGrp="1"/>
           </p:cNvSpPr>
@@ -1127,44 +1281,49 @@
           <a:p>
             <a:pPr lvl="0"/>
             <a:r>
-              <a:rPr lang="en-US" smtClean="0"/>
+              <a:rPr lang="en-US"/>
               <a:t>Click to edit Master text styles</a:t>
             </a:r>
           </a:p>
           <a:p>
             <a:pPr lvl="1"/>
             <a:r>
-              <a:rPr lang="en-US" smtClean="0"/>
+              <a:rPr lang="en-US"/>
               <a:t>Second level</a:t>
             </a:r>
           </a:p>
           <a:p>
             <a:pPr lvl="2"/>
             <a:r>
-              <a:rPr lang="en-US" smtClean="0"/>
+              <a:rPr lang="en-US"/>
               <a:t>Third level</a:t>
             </a:r>
           </a:p>
           <a:p>
             <a:pPr lvl="3"/>
             <a:r>
-              <a:rPr lang="en-US" smtClean="0"/>
+              <a:rPr lang="en-US"/>
               <a:t>Fourth level</a:t>
             </a:r>
           </a:p>
           <a:p>
             <a:pPr lvl="4"/>
             <a:r>
-              <a:rPr lang="en-US" smtClean="0"/>
+              <a:rPr lang="en-US"/>
               <a:t>Fifth level</a:t>
             </a:r>
-            <a:endParaRPr lang="en-US"/>
           </a:p>
         </p:txBody>
       </p:sp>
       <p:sp>
         <p:nvSpPr>
-          <p:cNvPr id="4" name="Content Placeholder 3"/>
+          <p:cNvPr id="4" name="Content Placeholder 3">
+            <a:extLst>
+              <a:ext uri="{FF2B5EF4-FFF2-40B4-BE49-F238E27FC236}">
+                <a16:creationId xmlns:a16="http://schemas.microsoft.com/office/drawing/2014/main" id="{C55D764F-968C-984B-8192-E4513C6FF351}"/>
+              </a:ext>
+            </a:extLst>
+          </p:cNvPr>
           <p:cNvSpPr>
             <a:spLocks noGrp="1"/>
           </p:cNvSpPr>
@@ -1184,44 +1343,49 @@
           <a:p>
             <a:pPr lvl="0"/>
             <a:r>
-              <a:rPr lang="en-US" smtClean="0"/>
+              <a:rPr lang="en-US"/>
               <a:t>Click to edit Master text styles</a:t>
             </a:r>
           </a:p>
           <a:p>
             <a:pPr lvl="1"/>
             <a:r>
-              <a:rPr lang="en-US" smtClean="0"/>
+              <a:rPr lang="en-US"/>
               <a:t>Second level</a:t>
             </a:r>
           </a:p>
           <a:p>
             <a:pPr lvl="2"/>
             <a:r>
-              <a:rPr lang="en-US" smtClean="0"/>
+              <a:rPr lang="en-US"/>
               <a:t>Third level</a:t>
             </a:r>
           </a:p>
           <a:p>
             <a:pPr lvl="3"/>
             <a:r>
-              <a:rPr lang="en-US" smtClean="0"/>
+              <a:rPr lang="en-US"/>
               <a:t>Fourth level</a:t>
             </a:r>
           </a:p>
           <a:p>
             <a:pPr lvl="4"/>
             <a:r>
-              <a:rPr lang="en-US" smtClean="0"/>
+              <a:rPr lang="en-US"/>
               <a:t>Fifth level</a:t>
             </a:r>
-            <a:endParaRPr lang="en-US"/>
           </a:p>
         </p:txBody>
       </p:sp>
       <p:sp>
         <p:nvSpPr>
-          <p:cNvPr id="5" name="Date Placeholder 4"/>
+          <p:cNvPr id="5" name="Date Placeholder 4">
+            <a:extLst>
+              <a:ext uri="{FF2B5EF4-FFF2-40B4-BE49-F238E27FC236}">
+                <a16:creationId xmlns:a16="http://schemas.microsoft.com/office/drawing/2014/main" id="{1A2E4990-EE53-C946-B2F1-BB1312B86D20}"/>
+              </a:ext>
+            </a:extLst>
+          </p:cNvPr>
           <p:cNvSpPr>
             <a:spLocks noGrp="1"/>
           </p:cNvSpPr>
@@ -1234,9 +1398,9 @@
           <a:bodyPr/>
           <a:lstStyle/>
           <a:p>
-            <a:fld id="{D86C60AC-21A9-4527-902F-2042C0F56A4A}" type="datetimeFigureOut">
+            <a:fld id="{C21429D7-DFEC-A042-BDA5-35FB8F2C63BE}" type="datetimeFigureOut">
               <a:rPr lang="en-US" smtClean="0"/>
-              <a:t>2/17/2020</a:t>
+              <a:t>7/8/21</a:t>
             </a:fld>
             <a:endParaRPr lang="en-US"/>
           </a:p>
@@ -1244,7 +1408,13 @@
       </p:sp>
       <p:sp>
         <p:nvSpPr>
-          <p:cNvPr id="6" name="Footer Placeholder 5"/>
+          <p:cNvPr id="6" name="Footer Placeholder 5">
+            <a:extLst>
+              <a:ext uri="{FF2B5EF4-FFF2-40B4-BE49-F238E27FC236}">
+                <a16:creationId xmlns:a16="http://schemas.microsoft.com/office/drawing/2014/main" id="{8A82C623-49A7-D74F-92FC-A4F08BFBFEE1}"/>
+              </a:ext>
+            </a:extLst>
+          </p:cNvPr>
           <p:cNvSpPr>
             <a:spLocks noGrp="1"/>
           </p:cNvSpPr>
@@ -1263,7 +1433,13 @@
       </p:sp>
       <p:sp>
         <p:nvSpPr>
-          <p:cNvPr id="7" name="Slide Number Placeholder 6"/>
+          <p:cNvPr id="7" name="Slide Number Placeholder 6">
+            <a:extLst>
+              <a:ext uri="{FF2B5EF4-FFF2-40B4-BE49-F238E27FC236}">
+                <a16:creationId xmlns:a16="http://schemas.microsoft.com/office/drawing/2014/main" id="{76C79210-868A-074C-BCC3-A43AC07C6D32}"/>
+              </a:ext>
+            </a:extLst>
+          </p:cNvPr>
           <p:cNvSpPr>
             <a:spLocks noGrp="1"/>
           </p:cNvSpPr>
@@ -1276,7 +1452,7 @@
           <a:bodyPr/>
           <a:lstStyle/>
           <a:p>
-            <a:fld id="{EE5C57A9-CEFB-45D9-A419-76E40BEA5A89}" type="slidenum">
+            <a:fld id="{DD3BC725-2A06-A04D-8570-6C09BB6D4197}" type="slidenum">
               <a:rPr lang="en-US" smtClean="0"/>
               <a:t>‹#›</a:t>
             </a:fld>
@@ -1287,7 +1463,7 @@
     </p:spTree>
     <p:extLst>
       <p:ext uri="{BB962C8B-B14F-4D97-AF65-F5344CB8AC3E}">
-        <p14:creationId xmlns:p14="http://schemas.microsoft.com/office/powerpoint/2010/main" val="1798294333"/>
+        <p14:creationId xmlns:p14="http://schemas.microsoft.com/office/powerpoint/2010/main" val="3437880531"/>
       </p:ext>
     </p:extLst>
   </p:cSld>
@@ -1316,7 +1492,13 @@
       </p:grpSpPr>
       <p:sp>
         <p:nvSpPr>
-          <p:cNvPr id="2" name="Title 1"/>
+          <p:cNvPr id="2" name="Title 1">
+            <a:extLst>
+              <a:ext uri="{FF2B5EF4-FFF2-40B4-BE49-F238E27FC236}">
+                <a16:creationId xmlns:a16="http://schemas.microsoft.com/office/drawing/2014/main" id="{96131215-E68E-1D44-93D5-4240E9027DE8}"/>
+              </a:ext>
+            </a:extLst>
+          </p:cNvPr>
           <p:cNvSpPr>
             <a:spLocks noGrp="1"/>
           </p:cNvSpPr>
@@ -1335,16 +1517,21 @@
           <a:lstStyle/>
           <a:p>
             <a:r>
-              <a:rPr lang="en-US" smtClean="0"/>
+              <a:rPr lang="en-US"/>
               <a:t>Click to edit Master title style</a:t>
             </a:r>
-            <a:endParaRPr lang="en-US"/>
           </a:p>
         </p:txBody>
       </p:sp>
       <p:sp>
         <p:nvSpPr>
-          <p:cNvPr id="3" name="Text Placeholder 2"/>
+          <p:cNvPr id="3" name="Text Placeholder 2">
+            <a:extLst>
+              <a:ext uri="{FF2B5EF4-FFF2-40B4-BE49-F238E27FC236}">
+                <a16:creationId xmlns:a16="http://schemas.microsoft.com/office/drawing/2014/main" id="{E3343192-DF72-3543-A7FB-0CBEB1532B67}"/>
+              </a:ext>
+            </a:extLst>
+          </p:cNvPr>
           <p:cNvSpPr>
             <a:spLocks noGrp="1"/>
           </p:cNvSpPr>
@@ -1401,7 +1588,7 @@
           <a:p>
             <a:pPr lvl="0"/>
             <a:r>
-              <a:rPr lang="en-US" smtClean="0"/>
+              <a:rPr lang="en-US"/>
               <a:t>Click to edit Master text styles</a:t>
             </a:r>
           </a:p>
@@ -1409,7 +1596,13 @@
       </p:sp>
       <p:sp>
         <p:nvSpPr>
-          <p:cNvPr id="4" name="Content Placeholder 3"/>
+          <p:cNvPr id="4" name="Content Placeholder 3">
+            <a:extLst>
+              <a:ext uri="{FF2B5EF4-FFF2-40B4-BE49-F238E27FC236}">
+                <a16:creationId xmlns:a16="http://schemas.microsoft.com/office/drawing/2014/main" id="{5252C5A9-EA66-4541-974B-8D47F4B0CDAF}"/>
+              </a:ext>
+            </a:extLst>
+          </p:cNvPr>
           <p:cNvSpPr>
             <a:spLocks noGrp="1"/>
           </p:cNvSpPr>
@@ -1429,44 +1622,49 @@
           <a:p>
             <a:pPr lvl="0"/>
             <a:r>
-              <a:rPr lang="en-US" smtClean="0"/>
+              <a:rPr lang="en-US"/>
               <a:t>Click to edit Master text styles</a:t>
             </a:r>
           </a:p>
           <a:p>
             <a:pPr lvl="1"/>
             <a:r>
-              <a:rPr lang="en-US" smtClean="0"/>
+              <a:rPr lang="en-US"/>
               <a:t>Second level</a:t>
             </a:r>
           </a:p>
           <a:p>
             <a:pPr lvl="2"/>
             <a:r>
-              <a:rPr lang="en-US" smtClean="0"/>
+              <a:rPr lang="en-US"/>
               <a:t>Third level</a:t>
             </a:r>
           </a:p>
           <a:p>
             <a:pPr lvl="3"/>
             <a:r>
-              <a:rPr lang="en-US" smtClean="0"/>
+              <a:rPr lang="en-US"/>
               <a:t>Fourth level</a:t>
             </a:r>
           </a:p>
           <a:p>
             <a:pPr lvl="4"/>
             <a:r>
-              <a:rPr lang="en-US" smtClean="0"/>
+              <a:rPr lang="en-US"/>
               <a:t>Fifth level</a:t>
             </a:r>
-            <a:endParaRPr lang="en-US"/>
           </a:p>
         </p:txBody>
       </p:sp>
       <p:sp>
         <p:nvSpPr>
-          <p:cNvPr id="5" name="Text Placeholder 4"/>
+          <p:cNvPr id="5" name="Text Placeholder 4">
+            <a:extLst>
+              <a:ext uri="{FF2B5EF4-FFF2-40B4-BE49-F238E27FC236}">
+                <a16:creationId xmlns:a16="http://schemas.microsoft.com/office/drawing/2014/main" id="{5869DD27-5B8D-7449-AF08-DB0E38A139A3}"/>
+              </a:ext>
+            </a:extLst>
+          </p:cNvPr>
           <p:cNvSpPr>
             <a:spLocks noGrp="1"/>
           </p:cNvSpPr>
@@ -1523,7 +1721,7 @@
           <a:p>
             <a:pPr lvl="0"/>
             <a:r>
-              <a:rPr lang="en-US" smtClean="0"/>
+              <a:rPr lang="en-US"/>
               <a:t>Click to edit Master text styles</a:t>
             </a:r>
           </a:p>
@@ -1531,7 +1729,13 @@
       </p:sp>
       <p:sp>
         <p:nvSpPr>
-          <p:cNvPr id="6" name="Content Placeholder 5"/>
+          <p:cNvPr id="6" name="Content Placeholder 5">
+            <a:extLst>
+              <a:ext uri="{FF2B5EF4-FFF2-40B4-BE49-F238E27FC236}">
+                <a16:creationId xmlns:a16="http://schemas.microsoft.com/office/drawing/2014/main" id="{31D9F2D4-B1A1-1F43-B2EC-D05FB15817B6}"/>
+              </a:ext>
+            </a:extLst>
+          </p:cNvPr>
           <p:cNvSpPr>
             <a:spLocks noGrp="1"/>
           </p:cNvSpPr>
@@ -1551,44 +1755,49 @@
           <a:p>
             <a:pPr lvl="0"/>
             <a:r>
-              <a:rPr lang="en-US" smtClean="0"/>
+              <a:rPr lang="en-US"/>
               <a:t>Click to edit Master text styles</a:t>
             </a:r>
           </a:p>
           <a:p>
             <a:pPr lvl="1"/>
             <a:r>
-              <a:rPr lang="en-US" smtClean="0"/>
+              <a:rPr lang="en-US"/>
               <a:t>Second level</a:t>
             </a:r>
           </a:p>
           <a:p>
             <a:pPr lvl="2"/>
             <a:r>
-              <a:rPr lang="en-US" smtClean="0"/>
+              <a:rPr lang="en-US"/>
               <a:t>Third level</a:t>
             </a:r>
           </a:p>
           <a:p>
             <a:pPr lvl="3"/>
             <a:r>
-              <a:rPr lang="en-US" smtClean="0"/>
+              <a:rPr lang="en-US"/>
               <a:t>Fourth level</a:t>
             </a:r>
           </a:p>
           <a:p>
             <a:pPr lvl="4"/>
             <a:r>
-              <a:rPr lang="en-US" smtClean="0"/>
+              <a:rPr lang="en-US"/>
               <a:t>Fifth level</a:t>
             </a:r>
-            <a:endParaRPr lang="en-US"/>
           </a:p>
         </p:txBody>
       </p:sp>
       <p:sp>
         <p:nvSpPr>
-          <p:cNvPr id="7" name="Date Placeholder 6"/>
+          <p:cNvPr id="7" name="Date Placeholder 6">
+            <a:extLst>
+              <a:ext uri="{FF2B5EF4-FFF2-40B4-BE49-F238E27FC236}">
+                <a16:creationId xmlns:a16="http://schemas.microsoft.com/office/drawing/2014/main" id="{3E61E504-9FE8-7F4F-9E44-8AA9D2C933CB}"/>
+              </a:ext>
+            </a:extLst>
+          </p:cNvPr>
           <p:cNvSpPr>
             <a:spLocks noGrp="1"/>
           </p:cNvSpPr>
@@ -1601,9 +1810,9 @@
           <a:bodyPr/>
           <a:lstStyle/>
           <a:p>
-            <a:fld id="{D86C60AC-21A9-4527-902F-2042C0F56A4A}" type="datetimeFigureOut">
+            <a:fld id="{C21429D7-DFEC-A042-BDA5-35FB8F2C63BE}" type="datetimeFigureOut">
               <a:rPr lang="en-US" smtClean="0"/>
-              <a:t>2/17/2020</a:t>
+              <a:t>7/8/21</a:t>
             </a:fld>
             <a:endParaRPr lang="en-US"/>
           </a:p>
@@ -1611,7 +1820,13 @@
       </p:sp>
       <p:sp>
         <p:nvSpPr>
-          <p:cNvPr id="8" name="Footer Placeholder 7"/>
+          <p:cNvPr id="8" name="Footer Placeholder 7">
+            <a:extLst>
+              <a:ext uri="{FF2B5EF4-FFF2-40B4-BE49-F238E27FC236}">
+                <a16:creationId xmlns:a16="http://schemas.microsoft.com/office/drawing/2014/main" id="{900DBD48-DB67-AF44-87BE-60B37603603F}"/>
+              </a:ext>
+            </a:extLst>
+          </p:cNvPr>
           <p:cNvSpPr>
             <a:spLocks noGrp="1"/>
           </p:cNvSpPr>
@@ -1630,7 +1845,13 @@
       </p:sp>
       <p:sp>
         <p:nvSpPr>
-          <p:cNvPr id="9" name="Slide Number Placeholder 8"/>
+          <p:cNvPr id="9" name="Slide Number Placeholder 8">
+            <a:extLst>
+              <a:ext uri="{FF2B5EF4-FFF2-40B4-BE49-F238E27FC236}">
+                <a16:creationId xmlns:a16="http://schemas.microsoft.com/office/drawing/2014/main" id="{AB4D70C6-2EC5-0C4B-BAF5-48E6276F4E69}"/>
+              </a:ext>
+            </a:extLst>
+          </p:cNvPr>
           <p:cNvSpPr>
             <a:spLocks noGrp="1"/>
           </p:cNvSpPr>
@@ -1643,7 +1864,7 @@
           <a:bodyPr/>
           <a:lstStyle/>
           <a:p>
-            <a:fld id="{EE5C57A9-CEFB-45D9-A419-76E40BEA5A89}" type="slidenum">
+            <a:fld id="{DD3BC725-2A06-A04D-8570-6C09BB6D4197}" type="slidenum">
               <a:rPr lang="en-US" smtClean="0"/>
               <a:t>‹#›</a:t>
             </a:fld>
@@ -1654,7 +1875,7 @@
     </p:spTree>
     <p:extLst>
       <p:ext uri="{BB962C8B-B14F-4D97-AF65-F5344CB8AC3E}">
-        <p14:creationId xmlns:p14="http://schemas.microsoft.com/office/powerpoint/2010/main" val="3380608669"/>
+        <p14:creationId xmlns:p14="http://schemas.microsoft.com/office/powerpoint/2010/main" val="3366388579"/>
       </p:ext>
     </p:extLst>
   </p:cSld>
@@ -1683,7 +1904,13 @@
       </p:grpSpPr>
       <p:sp>
         <p:nvSpPr>
-          <p:cNvPr id="2" name="Title 1"/>
+          <p:cNvPr id="2" name="Title 1">
+            <a:extLst>
+              <a:ext uri="{FF2B5EF4-FFF2-40B4-BE49-F238E27FC236}">
+                <a16:creationId xmlns:a16="http://schemas.microsoft.com/office/drawing/2014/main" id="{17E6C4E1-5FA0-0A49-A288-26F8694DDA25}"/>
+              </a:ext>
+            </a:extLst>
+          </p:cNvPr>
           <p:cNvSpPr>
             <a:spLocks noGrp="1"/>
           </p:cNvSpPr>
@@ -1697,16 +1924,21 @@
           <a:lstStyle/>
           <a:p>
             <a:r>
-              <a:rPr lang="en-US" smtClean="0"/>
+              <a:rPr lang="en-US"/>
               <a:t>Click to edit Master title style</a:t>
             </a:r>
-            <a:endParaRPr lang="en-US"/>
           </a:p>
         </p:txBody>
       </p:sp>
       <p:sp>
         <p:nvSpPr>
-          <p:cNvPr id="3" name="Date Placeholder 2"/>
+          <p:cNvPr id="3" name="Date Placeholder 2">
+            <a:extLst>
+              <a:ext uri="{FF2B5EF4-FFF2-40B4-BE49-F238E27FC236}">
+                <a16:creationId xmlns:a16="http://schemas.microsoft.com/office/drawing/2014/main" id="{8B33558B-3FF8-F944-A239-9748D6700BF0}"/>
+              </a:ext>
+            </a:extLst>
+          </p:cNvPr>
           <p:cNvSpPr>
             <a:spLocks noGrp="1"/>
           </p:cNvSpPr>
@@ -1719,9 +1951,9 @@
           <a:bodyPr/>
           <a:lstStyle/>
           <a:p>
-            <a:fld id="{D86C60AC-21A9-4527-902F-2042C0F56A4A}" type="datetimeFigureOut">
+            <a:fld id="{C21429D7-DFEC-A042-BDA5-35FB8F2C63BE}" type="datetimeFigureOut">
               <a:rPr lang="en-US" smtClean="0"/>
-              <a:t>2/17/2020</a:t>
+              <a:t>7/8/21</a:t>
             </a:fld>
             <a:endParaRPr lang="en-US"/>
           </a:p>
@@ -1729,7 +1961,13 @@
       </p:sp>
       <p:sp>
         <p:nvSpPr>
-          <p:cNvPr id="4" name="Footer Placeholder 3"/>
+          <p:cNvPr id="4" name="Footer Placeholder 3">
+            <a:extLst>
+              <a:ext uri="{FF2B5EF4-FFF2-40B4-BE49-F238E27FC236}">
+                <a16:creationId xmlns:a16="http://schemas.microsoft.com/office/drawing/2014/main" id="{7C6C5B75-A57D-7747-86AC-5F582A2D3FF3}"/>
+              </a:ext>
+            </a:extLst>
+          </p:cNvPr>
           <p:cNvSpPr>
             <a:spLocks noGrp="1"/>
           </p:cNvSpPr>
@@ -1748,7 +1986,13 @@
       </p:sp>
       <p:sp>
         <p:nvSpPr>
-          <p:cNvPr id="5" name="Slide Number Placeholder 4"/>
+          <p:cNvPr id="5" name="Slide Number Placeholder 4">
+            <a:extLst>
+              <a:ext uri="{FF2B5EF4-FFF2-40B4-BE49-F238E27FC236}">
+                <a16:creationId xmlns:a16="http://schemas.microsoft.com/office/drawing/2014/main" id="{3ADE3E66-5576-E143-99F0-BCE12317B486}"/>
+              </a:ext>
+            </a:extLst>
+          </p:cNvPr>
           <p:cNvSpPr>
             <a:spLocks noGrp="1"/>
           </p:cNvSpPr>
@@ -1761,7 +2005,7 @@
           <a:bodyPr/>
           <a:lstStyle/>
           <a:p>
-            <a:fld id="{EE5C57A9-CEFB-45D9-A419-76E40BEA5A89}" type="slidenum">
+            <a:fld id="{DD3BC725-2A06-A04D-8570-6C09BB6D4197}" type="slidenum">
               <a:rPr lang="en-US" smtClean="0"/>
               <a:t>‹#›</a:t>
             </a:fld>
@@ -1772,7 +2016,7 @@
     </p:spTree>
     <p:extLst>
       <p:ext uri="{BB962C8B-B14F-4D97-AF65-F5344CB8AC3E}">
-        <p14:creationId xmlns:p14="http://schemas.microsoft.com/office/powerpoint/2010/main" val="1871320052"/>
+        <p14:creationId xmlns:p14="http://schemas.microsoft.com/office/powerpoint/2010/main" val="3188581123"/>
       </p:ext>
     </p:extLst>
   </p:cSld>
@@ -1801,7 +2045,13 @@
       </p:grpSpPr>
       <p:sp>
         <p:nvSpPr>
-          <p:cNvPr id="2" name="Date Placeholder 1"/>
+          <p:cNvPr id="2" name="Date Placeholder 1">
+            <a:extLst>
+              <a:ext uri="{FF2B5EF4-FFF2-40B4-BE49-F238E27FC236}">
+                <a16:creationId xmlns:a16="http://schemas.microsoft.com/office/drawing/2014/main" id="{0ACCD48F-AF97-8244-9670-C997D0A2123E}"/>
+              </a:ext>
+            </a:extLst>
+          </p:cNvPr>
           <p:cNvSpPr>
             <a:spLocks noGrp="1"/>
           </p:cNvSpPr>
@@ -1814,9 +2064,9 @@
           <a:bodyPr/>
           <a:lstStyle/>
           <a:p>
-            <a:fld id="{D86C60AC-21A9-4527-902F-2042C0F56A4A}" type="datetimeFigureOut">
+            <a:fld id="{C21429D7-DFEC-A042-BDA5-35FB8F2C63BE}" type="datetimeFigureOut">
               <a:rPr lang="en-US" smtClean="0"/>
-              <a:t>2/17/2020</a:t>
+              <a:t>7/8/21</a:t>
             </a:fld>
             <a:endParaRPr lang="en-US"/>
           </a:p>
@@ -1824,7 +2074,13 @@
       </p:sp>
       <p:sp>
         <p:nvSpPr>
-          <p:cNvPr id="3" name="Footer Placeholder 2"/>
+          <p:cNvPr id="3" name="Footer Placeholder 2">
+            <a:extLst>
+              <a:ext uri="{FF2B5EF4-FFF2-40B4-BE49-F238E27FC236}">
+                <a16:creationId xmlns:a16="http://schemas.microsoft.com/office/drawing/2014/main" id="{00469EAF-DD4B-384D-A201-DBF34BA4C1A3}"/>
+              </a:ext>
+            </a:extLst>
+          </p:cNvPr>
           <p:cNvSpPr>
             <a:spLocks noGrp="1"/>
           </p:cNvSpPr>
@@ -1843,7 +2099,13 @@
       </p:sp>
       <p:sp>
         <p:nvSpPr>
-          <p:cNvPr id="4" name="Slide Number Placeholder 3"/>
+          <p:cNvPr id="4" name="Slide Number Placeholder 3">
+            <a:extLst>
+              <a:ext uri="{FF2B5EF4-FFF2-40B4-BE49-F238E27FC236}">
+                <a16:creationId xmlns:a16="http://schemas.microsoft.com/office/drawing/2014/main" id="{AB8B945B-049D-A044-8D39-A42093FA6958}"/>
+              </a:ext>
+            </a:extLst>
+          </p:cNvPr>
           <p:cNvSpPr>
             <a:spLocks noGrp="1"/>
           </p:cNvSpPr>
@@ -1856,7 +2118,7 @@
           <a:bodyPr/>
           <a:lstStyle/>
           <a:p>
-            <a:fld id="{EE5C57A9-CEFB-45D9-A419-76E40BEA5A89}" type="slidenum">
+            <a:fld id="{DD3BC725-2A06-A04D-8570-6C09BB6D4197}" type="slidenum">
               <a:rPr lang="en-US" smtClean="0"/>
               <a:t>‹#›</a:t>
             </a:fld>
@@ -1867,7 +2129,7 @@
     </p:spTree>
     <p:extLst>
       <p:ext uri="{BB962C8B-B14F-4D97-AF65-F5344CB8AC3E}">
-        <p14:creationId xmlns:p14="http://schemas.microsoft.com/office/powerpoint/2010/main" val="1521195192"/>
+        <p14:creationId xmlns:p14="http://schemas.microsoft.com/office/powerpoint/2010/main" val="3052623181"/>
       </p:ext>
     </p:extLst>
   </p:cSld>
@@ -1896,7 +2158,13 @@
       </p:grpSpPr>
       <p:sp>
         <p:nvSpPr>
-          <p:cNvPr id="2" name="Title 1"/>
+          <p:cNvPr id="2" name="Title 1">
+            <a:extLst>
+              <a:ext uri="{FF2B5EF4-FFF2-40B4-BE49-F238E27FC236}">
+                <a16:creationId xmlns:a16="http://schemas.microsoft.com/office/drawing/2014/main" id="{FB44920F-5C35-6C40-AE70-E3B4730B83FB}"/>
+              </a:ext>
+            </a:extLst>
+          </p:cNvPr>
           <p:cNvSpPr>
             <a:spLocks noGrp="1"/>
           </p:cNvSpPr>
@@ -1919,16 +2187,21 @@
           </a:lstStyle>
           <a:p>
             <a:r>
-              <a:rPr lang="en-US" smtClean="0"/>
+              <a:rPr lang="en-US"/>
               <a:t>Click to edit Master title style</a:t>
             </a:r>
-            <a:endParaRPr lang="en-US"/>
           </a:p>
         </p:txBody>
       </p:sp>
       <p:sp>
         <p:nvSpPr>
-          <p:cNvPr id="3" name="Content Placeholder 2"/>
+          <p:cNvPr id="3" name="Content Placeholder 2">
+            <a:extLst>
+              <a:ext uri="{FF2B5EF4-FFF2-40B4-BE49-F238E27FC236}">
+                <a16:creationId xmlns:a16="http://schemas.microsoft.com/office/drawing/2014/main" id="{F7BF1322-EE96-214D-8F44-E4E1E1068662}"/>
+              </a:ext>
+            </a:extLst>
+          </p:cNvPr>
           <p:cNvSpPr>
             <a:spLocks noGrp="1"/>
           </p:cNvSpPr>
@@ -1976,44 +2249,49 @@
           <a:p>
             <a:pPr lvl="0"/>
             <a:r>
-              <a:rPr lang="en-US" smtClean="0"/>
+              <a:rPr lang="en-US"/>
               <a:t>Click to edit Master text styles</a:t>
             </a:r>
           </a:p>
           <a:p>
             <a:pPr lvl="1"/>
             <a:r>
-              <a:rPr lang="en-US" smtClean="0"/>
+              <a:rPr lang="en-US"/>
               <a:t>Second level</a:t>
             </a:r>
           </a:p>
           <a:p>
             <a:pPr lvl="2"/>
             <a:r>
-              <a:rPr lang="en-US" smtClean="0"/>
+              <a:rPr lang="en-US"/>
               <a:t>Third level</a:t>
             </a:r>
           </a:p>
           <a:p>
             <a:pPr lvl="3"/>
             <a:r>
-              <a:rPr lang="en-US" smtClean="0"/>
+              <a:rPr lang="en-US"/>
               <a:t>Fourth level</a:t>
             </a:r>
           </a:p>
           <a:p>
             <a:pPr lvl="4"/>
             <a:r>
-              <a:rPr lang="en-US" smtClean="0"/>
+              <a:rPr lang="en-US"/>
               <a:t>Fifth level</a:t>
             </a:r>
-            <a:endParaRPr lang="en-US"/>
           </a:p>
         </p:txBody>
       </p:sp>
       <p:sp>
         <p:nvSpPr>
-          <p:cNvPr id="4" name="Text Placeholder 3"/>
+          <p:cNvPr id="4" name="Text Placeholder 3">
+            <a:extLst>
+              <a:ext uri="{FF2B5EF4-FFF2-40B4-BE49-F238E27FC236}">
+                <a16:creationId xmlns:a16="http://schemas.microsoft.com/office/drawing/2014/main" id="{D0F3D0DD-F9DC-0743-B74A-52335F4B82B8}"/>
+              </a:ext>
+            </a:extLst>
+          </p:cNvPr>
           <p:cNvSpPr>
             <a:spLocks noGrp="1"/>
           </p:cNvSpPr>
@@ -2070,7 +2348,7 @@
           <a:p>
             <a:pPr lvl="0"/>
             <a:r>
-              <a:rPr lang="en-US" smtClean="0"/>
+              <a:rPr lang="en-US"/>
               <a:t>Click to edit Master text styles</a:t>
             </a:r>
           </a:p>
@@ -2078,7 +2356,13 @@
       </p:sp>
       <p:sp>
         <p:nvSpPr>
-          <p:cNvPr id="5" name="Date Placeholder 4"/>
+          <p:cNvPr id="5" name="Date Placeholder 4">
+            <a:extLst>
+              <a:ext uri="{FF2B5EF4-FFF2-40B4-BE49-F238E27FC236}">
+                <a16:creationId xmlns:a16="http://schemas.microsoft.com/office/drawing/2014/main" id="{BFD60673-7DA3-FD40-844A-CE54B87E4945}"/>
+              </a:ext>
+            </a:extLst>
+          </p:cNvPr>
           <p:cNvSpPr>
             <a:spLocks noGrp="1"/>
           </p:cNvSpPr>
@@ -2091,9 +2375,9 @@
           <a:bodyPr/>
           <a:lstStyle/>
           <a:p>
-            <a:fld id="{D86C60AC-21A9-4527-902F-2042C0F56A4A}" type="datetimeFigureOut">
+            <a:fld id="{C21429D7-DFEC-A042-BDA5-35FB8F2C63BE}" type="datetimeFigureOut">
               <a:rPr lang="en-US" smtClean="0"/>
-              <a:t>2/17/2020</a:t>
+              <a:t>7/8/21</a:t>
             </a:fld>
             <a:endParaRPr lang="en-US"/>
           </a:p>
@@ -2101,7 +2385,13 @@
       </p:sp>
       <p:sp>
         <p:nvSpPr>
-          <p:cNvPr id="6" name="Footer Placeholder 5"/>
+          <p:cNvPr id="6" name="Footer Placeholder 5">
+            <a:extLst>
+              <a:ext uri="{FF2B5EF4-FFF2-40B4-BE49-F238E27FC236}">
+                <a16:creationId xmlns:a16="http://schemas.microsoft.com/office/drawing/2014/main" id="{4712E5F3-9DC3-C446-9075-F6DA199AA86D}"/>
+              </a:ext>
+            </a:extLst>
+          </p:cNvPr>
           <p:cNvSpPr>
             <a:spLocks noGrp="1"/>
           </p:cNvSpPr>
@@ -2120,7 +2410,13 @@
       </p:sp>
       <p:sp>
         <p:nvSpPr>
-          <p:cNvPr id="7" name="Slide Number Placeholder 6"/>
+          <p:cNvPr id="7" name="Slide Number Placeholder 6">
+            <a:extLst>
+              <a:ext uri="{FF2B5EF4-FFF2-40B4-BE49-F238E27FC236}">
+                <a16:creationId xmlns:a16="http://schemas.microsoft.com/office/drawing/2014/main" id="{D39A83A4-CE04-1942-B3E3-120DDE750A9F}"/>
+              </a:ext>
+            </a:extLst>
+          </p:cNvPr>
           <p:cNvSpPr>
             <a:spLocks noGrp="1"/>
           </p:cNvSpPr>
@@ -2133,7 +2429,7 @@
           <a:bodyPr/>
           <a:lstStyle/>
           <a:p>
-            <a:fld id="{EE5C57A9-CEFB-45D9-A419-76E40BEA5A89}" type="slidenum">
+            <a:fld id="{DD3BC725-2A06-A04D-8570-6C09BB6D4197}" type="slidenum">
               <a:rPr lang="en-US" smtClean="0"/>
               <a:t>‹#›</a:t>
             </a:fld>
@@ -2144,7 +2440,7 @@
     </p:spTree>
     <p:extLst>
       <p:ext uri="{BB962C8B-B14F-4D97-AF65-F5344CB8AC3E}">
-        <p14:creationId xmlns:p14="http://schemas.microsoft.com/office/powerpoint/2010/main" val="483245347"/>
+        <p14:creationId xmlns:p14="http://schemas.microsoft.com/office/powerpoint/2010/main" val="833611906"/>
       </p:ext>
     </p:extLst>
   </p:cSld>
@@ -2173,7 +2469,13 @@
       </p:grpSpPr>
       <p:sp>
         <p:nvSpPr>
-          <p:cNvPr id="2" name="Title 1"/>
+          <p:cNvPr id="2" name="Title 1">
+            <a:extLst>
+              <a:ext uri="{FF2B5EF4-FFF2-40B4-BE49-F238E27FC236}">
+                <a16:creationId xmlns:a16="http://schemas.microsoft.com/office/drawing/2014/main" id="{205AE481-DC5E-E84B-A7ED-5FB43AAB4413}"/>
+              </a:ext>
+            </a:extLst>
+          </p:cNvPr>
           <p:cNvSpPr>
             <a:spLocks noGrp="1"/>
           </p:cNvSpPr>
@@ -2196,16 +2498,21 @@
           </a:lstStyle>
           <a:p>
             <a:r>
-              <a:rPr lang="en-US" smtClean="0"/>
+              <a:rPr lang="en-US"/>
               <a:t>Click to edit Master title style</a:t>
             </a:r>
-            <a:endParaRPr lang="en-US"/>
           </a:p>
         </p:txBody>
       </p:sp>
       <p:sp>
         <p:nvSpPr>
-          <p:cNvPr id="3" name="Picture Placeholder 2"/>
+          <p:cNvPr id="3" name="Picture Placeholder 2">
+            <a:extLst>
+              <a:ext uri="{FF2B5EF4-FFF2-40B4-BE49-F238E27FC236}">
+                <a16:creationId xmlns:a16="http://schemas.microsoft.com/office/drawing/2014/main" id="{CD504DE5-F24F-AA4F-9A8C-2F17E4EC3B46}"/>
+              </a:ext>
+            </a:extLst>
+          </p:cNvPr>
           <p:cNvSpPr>
             <a:spLocks noGrp="1"/>
           </p:cNvSpPr>
@@ -2266,7 +2573,13 @@
       </p:sp>
       <p:sp>
         <p:nvSpPr>
-          <p:cNvPr id="4" name="Text Placeholder 3"/>
+          <p:cNvPr id="4" name="Text Placeholder 3">
+            <a:extLst>
+              <a:ext uri="{FF2B5EF4-FFF2-40B4-BE49-F238E27FC236}">
+                <a16:creationId xmlns:a16="http://schemas.microsoft.com/office/drawing/2014/main" id="{EF3B4022-6B71-A64E-869A-2DEB1DECA59B}"/>
+              </a:ext>
+            </a:extLst>
+          </p:cNvPr>
           <p:cNvSpPr>
             <a:spLocks noGrp="1"/>
           </p:cNvSpPr>
@@ -2323,7 +2636,7 @@
           <a:p>
             <a:pPr lvl="0"/>
             <a:r>
-              <a:rPr lang="en-US" smtClean="0"/>
+              <a:rPr lang="en-US"/>
               <a:t>Click to edit Master text styles</a:t>
             </a:r>
           </a:p>
@@ -2331,7 +2644,13 @@
       </p:sp>
       <p:sp>
         <p:nvSpPr>
-          <p:cNvPr id="5" name="Date Placeholder 4"/>
+          <p:cNvPr id="5" name="Date Placeholder 4">
+            <a:extLst>
+              <a:ext uri="{FF2B5EF4-FFF2-40B4-BE49-F238E27FC236}">
+                <a16:creationId xmlns:a16="http://schemas.microsoft.com/office/drawing/2014/main" id="{853EFA8A-D462-4946-82B2-A89CA85CB1C5}"/>
+              </a:ext>
+            </a:extLst>
+          </p:cNvPr>
           <p:cNvSpPr>
             <a:spLocks noGrp="1"/>
           </p:cNvSpPr>
@@ -2344,9 +2663,9 @@
           <a:bodyPr/>
           <a:lstStyle/>
           <a:p>
-            <a:fld id="{D86C60AC-21A9-4527-902F-2042C0F56A4A}" type="datetimeFigureOut">
+            <a:fld id="{C21429D7-DFEC-A042-BDA5-35FB8F2C63BE}" type="datetimeFigureOut">
               <a:rPr lang="en-US" smtClean="0"/>
-              <a:t>2/17/2020</a:t>
+              <a:t>7/8/21</a:t>
             </a:fld>
             <a:endParaRPr lang="en-US"/>
           </a:p>
@@ -2354,7 +2673,13 @@
       </p:sp>
       <p:sp>
         <p:nvSpPr>
-          <p:cNvPr id="6" name="Footer Placeholder 5"/>
+          <p:cNvPr id="6" name="Footer Placeholder 5">
+            <a:extLst>
+              <a:ext uri="{FF2B5EF4-FFF2-40B4-BE49-F238E27FC236}">
+                <a16:creationId xmlns:a16="http://schemas.microsoft.com/office/drawing/2014/main" id="{CC115201-58EC-FB48-84AC-E63CBF262DF7}"/>
+              </a:ext>
+            </a:extLst>
+          </p:cNvPr>
           <p:cNvSpPr>
             <a:spLocks noGrp="1"/>
           </p:cNvSpPr>
@@ -2373,7 +2698,13 @@
       </p:sp>
       <p:sp>
         <p:nvSpPr>
-          <p:cNvPr id="7" name="Slide Number Placeholder 6"/>
+          <p:cNvPr id="7" name="Slide Number Placeholder 6">
+            <a:extLst>
+              <a:ext uri="{FF2B5EF4-FFF2-40B4-BE49-F238E27FC236}">
+                <a16:creationId xmlns:a16="http://schemas.microsoft.com/office/drawing/2014/main" id="{45F533B7-252F-4745-95A2-CB36E7953F0B}"/>
+              </a:ext>
+            </a:extLst>
+          </p:cNvPr>
           <p:cNvSpPr>
             <a:spLocks noGrp="1"/>
           </p:cNvSpPr>
@@ -2386,7 +2717,7 @@
           <a:bodyPr/>
           <a:lstStyle/>
           <a:p>
-            <a:fld id="{EE5C57A9-CEFB-45D9-A419-76E40BEA5A89}" type="slidenum">
+            <a:fld id="{DD3BC725-2A06-A04D-8570-6C09BB6D4197}" type="slidenum">
               <a:rPr lang="en-US" smtClean="0"/>
               <a:t>‹#›</a:t>
             </a:fld>
@@ -2397,7 +2728,7 @@
     </p:spTree>
     <p:extLst>
       <p:ext uri="{BB962C8B-B14F-4D97-AF65-F5344CB8AC3E}">
-        <p14:creationId xmlns:p14="http://schemas.microsoft.com/office/powerpoint/2010/main" val="2783839124"/>
+        <p14:creationId xmlns:p14="http://schemas.microsoft.com/office/powerpoint/2010/main" val="1743751164"/>
       </p:ext>
     </p:extLst>
   </p:cSld>
@@ -2431,7 +2762,13 @@
       </p:grpSpPr>
       <p:sp>
         <p:nvSpPr>
-          <p:cNvPr id="2" name="Title Placeholder 1"/>
+          <p:cNvPr id="2" name="Title Placeholder 1">
+            <a:extLst>
+              <a:ext uri="{FF2B5EF4-FFF2-40B4-BE49-F238E27FC236}">
+                <a16:creationId xmlns:a16="http://schemas.microsoft.com/office/drawing/2014/main" id="{1B6CA97C-DC22-384B-8629-B7F9799C00F6}"/>
+              </a:ext>
+            </a:extLst>
+          </p:cNvPr>
           <p:cNvSpPr>
             <a:spLocks noGrp="1"/>
           </p:cNvSpPr>
@@ -2455,16 +2792,21 @@
           <a:lstStyle/>
           <a:p>
             <a:r>
-              <a:rPr lang="en-US" smtClean="0"/>
+              <a:rPr lang="en-US"/>
               <a:t>Click to edit Master title style</a:t>
             </a:r>
-            <a:endParaRPr lang="en-US"/>
           </a:p>
         </p:txBody>
       </p:sp>
       <p:sp>
         <p:nvSpPr>
-          <p:cNvPr id="3" name="Text Placeholder 2"/>
+          <p:cNvPr id="3" name="Text Placeholder 2">
+            <a:extLst>
+              <a:ext uri="{FF2B5EF4-FFF2-40B4-BE49-F238E27FC236}">
+                <a16:creationId xmlns:a16="http://schemas.microsoft.com/office/drawing/2014/main" id="{4A3AF9CB-F233-0C44-806D-1C3080619AE3}"/>
+              </a:ext>
+            </a:extLst>
+          </p:cNvPr>
           <p:cNvSpPr>
             <a:spLocks noGrp="1"/>
           </p:cNvSpPr>
@@ -2489,44 +2831,49 @@
           <a:p>
             <a:pPr lvl="0"/>
             <a:r>
-              <a:rPr lang="en-US" smtClean="0"/>
+              <a:rPr lang="en-US"/>
               <a:t>Click to edit Master text styles</a:t>
             </a:r>
           </a:p>
           <a:p>
             <a:pPr lvl="1"/>
             <a:r>
-              <a:rPr lang="en-US" smtClean="0"/>
+              <a:rPr lang="en-US"/>
               <a:t>Second level</a:t>
             </a:r>
           </a:p>
           <a:p>
             <a:pPr lvl="2"/>
             <a:r>
-              <a:rPr lang="en-US" smtClean="0"/>
+              <a:rPr lang="en-US"/>
               <a:t>Third level</a:t>
             </a:r>
           </a:p>
           <a:p>
             <a:pPr lvl="3"/>
             <a:r>
-              <a:rPr lang="en-US" smtClean="0"/>
+              <a:rPr lang="en-US"/>
               <a:t>Fourth level</a:t>
             </a:r>
           </a:p>
           <a:p>
             <a:pPr lvl="4"/>
             <a:r>
-              <a:rPr lang="en-US" smtClean="0"/>
+              <a:rPr lang="en-US"/>
               <a:t>Fifth level</a:t>
             </a:r>
-            <a:endParaRPr lang="en-US"/>
           </a:p>
         </p:txBody>
       </p:sp>
       <p:sp>
         <p:nvSpPr>
-          <p:cNvPr id="4" name="Date Placeholder 3"/>
+          <p:cNvPr id="4" name="Date Placeholder 3">
+            <a:extLst>
+              <a:ext uri="{FF2B5EF4-FFF2-40B4-BE49-F238E27FC236}">
+                <a16:creationId xmlns:a16="http://schemas.microsoft.com/office/drawing/2014/main" id="{B945CEB7-C332-4D42-833E-CE50D3399353}"/>
+              </a:ext>
+            </a:extLst>
+          </p:cNvPr>
           <p:cNvSpPr>
             <a:spLocks noGrp="1"/>
           </p:cNvSpPr>
@@ -2557,9 +2904,9 @@
             </a:lvl1pPr>
           </a:lstStyle>
           <a:p>
-            <a:fld id="{D86C60AC-21A9-4527-902F-2042C0F56A4A}" type="datetimeFigureOut">
+            <a:fld id="{C21429D7-DFEC-A042-BDA5-35FB8F2C63BE}" type="datetimeFigureOut">
               <a:rPr lang="en-US" smtClean="0"/>
-              <a:t>2/17/2020</a:t>
+              <a:t>7/8/21</a:t>
             </a:fld>
             <a:endParaRPr lang="en-US"/>
           </a:p>
@@ -2567,7 +2914,13 @@
       </p:sp>
       <p:sp>
         <p:nvSpPr>
-          <p:cNvPr id="5" name="Footer Placeholder 4"/>
+          <p:cNvPr id="5" name="Footer Placeholder 4">
+            <a:extLst>
+              <a:ext uri="{FF2B5EF4-FFF2-40B4-BE49-F238E27FC236}">
+                <a16:creationId xmlns:a16="http://schemas.microsoft.com/office/drawing/2014/main" id="{038F64AC-D5C9-AB44-A497-2920C5007A4F}"/>
+              </a:ext>
+            </a:extLst>
+          </p:cNvPr>
           <p:cNvSpPr>
             <a:spLocks noGrp="1"/>
           </p:cNvSpPr>
@@ -2604,7 +2957,13 @@
       </p:sp>
       <p:sp>
         <p:nvSpPr>
-          <p:cNvPr id="6" name="Slide Number Placeholder 5"/>
+          <p:cNvPr id="6" name="Slide Number Placeholder 5">
+            <a:extLst>
+              <a:ext uri="{FF2B5EF4-FFF2-40B4-BE49-F238E27FC236}">
+                <a16:creationId xmlns:a16="http://schemas.microsoft.com/office/drawing/2014/main" id="{38CC2C5F-0849-5A41-A1FA-26DC1A69C9DB}"/>
+              </a:ext>
+            </a:extLst>
+          </p:cNvPr>
           <p:cNvSpPr>
             <a:spLocks noGrp="1"/>
           </p:cNvSpPr>
@@ -2635,7 +2994,7 @@
             </a:lvl1pPr>
           </a:lstStyle>
           <a:p>
-            <a:fld id="{EE5C57A9-CEFB-45D9-A419-76E40BEA5A89}" type="slidenum">
+            <a:fld id="{DD3BC725-2A06-A04D-8570-6C09BB6D4197}" type="slidenum">
               <a:rPr lang="en-US" smtClean="0"/>
               <a:t>‹#›</a:t>
             </a:fld>
@@ -2646,7 +3005,7 @@
     </p:spTree>
     <p:extLst>
       <p:ext uri="{BB962C8B-B14F-4D97-AF65-F5344CB8AC3E}">
-        <p14:creationId xmlns:p14="http://schemas.microsoft.com/office/powerpoint/2010/main" val="166591835"/>
+        <p14:creationId xmlns:p14="http://schemas.microsoft.com/office/powerpoint/2010/main" val="3602598377"/>
       </p:ext>
     </p:extLst>
   </p:cSld>
@@ -2964,23 +3323,110 @@
           <a:chExt cx="0" cy="0"/>
         </a:xfrm>
       </p:grpSpPr>
+      <p:sp>
+        <p:nvSpPr>
+          <p:cNvPr id="2" name="Title 1">
+            <a:extLst>
+              <a:ext uri="{FF2B5EF4-FFF2-40B4-BE49-F238E27FC236}">
+                <a16:creationId xmlns:a16="http://schemas.microsoft.com/office/drawing/2014/main" id="{5D422EF9-716E-3245-936D-9858CFDBCBEA}"/>
+              </a:ext>
+            </a:extLst>
+          </p:cNvPr>
+          <p:cNvSpPr>
+            <a:spLocks noGrp="1"/>
+          </p:cNvSpPr>
+          <p:nvPr>
+            <p:ph type="ctrTitle"/>
+          </p:nvPr>
+        </p:nvSpPr>
+        <p:spPr/>
+        <p:txBody>
+          <a:bodyPr/>
+          <a:lstStyle/>
+          <a:p>
+            <a:endParaRPr lang="en-US"/>
+          </a:p>
+        </p:txBody>
+      </p:sp>
+      <p:sp>
+        <p:nvSpPr>
+          <p:cNvPr id="3" name="Subtitle 2">
+            <a:extLst>
+              <a:ext uri="{FF2B5EF4-FFF2-40B4-BE49-F238E27FC236}">
+                <a16:creationId xmlns:a16="http://schemas.microsoft.com/office/drawing/2014/main" id="{AC23B3D2-96ED-564C-A2E1-142C8A85F482}"/>
+              </a:ext>
+            </a:extLst>
+          </p:cNvPr>
+          <p:cNvSpPr>
+            <a:spLocks noGrp="1"/>
+          </p:cNvSpPr>
+          <p:nvPr>
+            <p:ph type="subTitle" idx="1"/>
+          </p:nvPr>
+        </p:nvSpPr>
+        <p:spPr/>
+        <p:txBody>
+          <a:bodyPr/>
+          <a:lstStyle/>
+          <a:p>
+            <a:endParaRPr lang="en-US"/>
+          </a:p>
+        </p:txBody>
+      </p:sp>
+    </p:spTree>
+    <p:extLst>
+      <p:ext uri="{BB962C8B-B14F-4D97-AF65-F5344CB8AC3E}">
+        <p14:creationId xmlns:p14="http://schemas.microsoft.com/office/powerpoint/2010/main" val="2030961333"/>
+      </p:ext>
+    </p:extLst>
+  </p:cSld>
+  <p:clrMapOvr>
+    <a:masterClrMapping/>
+  </p:clrMapOvr>
+</p:sld>
+</file>
+
+<file path=ppt/slides/slide2.xml><?xml version="1.0" encoding="utf-8"?>
+<p:sld xmlns:a="http://schemas.openxmlformats.org/drawingml/2006/main" xmlns:r="http://schemas.openxmlformats.org/officeDocument/2006/relationships" xmlns:p="http://schemas.openxmlformats.org/presentationml/2006/main">
+  <p:cSld>
+    <p:spTree>
+      <p:nvGrpSpPr>
+        <p:cNvPr id="1" name=""/>
+        <p:cNvGrpSpPr/>
+        <p:nvPr/>
+      </p:nvGrpSpPr>
+      <p:grpSpPr>
+        <a:xfrm>
+          <a:off x="0" y="0"/>
+          <a:ext cx="0" cy="0"/>
+          <a:chOff x="0" y="0"/>
+          <a:chExt cx="0" cy="0"/>
+        </a:xfrm>
+      </p:grpSpPr>
       <p:pic>
         <p:nvPicPr>
-          <p:cNvPr id="10" name="Picture 9"/>
+          <p:cNvPr id="5" name="Picture 4">
+            <a:extLst>
+              <a:ext uri="{FF2B5EF4-FFF2-40B4-BE49-F238E27FC236}">
+                <a16:creationId xmlns:a16="http://schemas.microsoft.com/office/drawing/2014/main" id="{D03B7053-E66B-6742-88D4-57E4CD02661A}"/>
+              </a:ext>
+            </a:extLst>
+          </p:cNvPr>
           <p:cNvPicPr>
             <a:picLocks noChangeAspect="1"/>
           </p:cNvPicPr>
           <p:nvPr/>
         </p:nvPicPr>
-        <p:blipFill rotWithShape="1">
+        <p:blipFill>
           <a:blip r:embed="rId2"/>
-          <a:srcRect l="19762" t="34726" r="36984" b="12087"/>
-          <a:stretch/>
+          <a:stretch>
+            <a:fillRect/>
+          </a:stretch>
         </p:blipFill>
         <p:spPr>
-          <a:xfrm>
-            <a:off x="4905830" y="0"/>
-            <a:ext cx="7286170" cy="5979885"/>
+          <a:xfrm rot="5400000">
+            <a:off x="-857250" y="857250"/>
+            <a:ext cx="6858000" cy="5143500"/>
           </a:xfrm>
           <a:prstGeom prst="rect">
             <a:avLst/>
@@ -2989,33 +3435,138 @@
       </p:pic>
       <p:graphicFrame>
         <p:nvGraphicFramePr>
-          <p:cNvPr id="5" name="Table 4"/>
+          <p:cNvPr id="6" name="Table 5">
+            <a:extLst>
+              <a:ext uri="{FF2B5EF4-FFF2-40B4-BE49-F238E27FC236}">
+                <a16:creationId xmlns:a16="http://schemas.microsoft.com/office/drawing/2014/main" id="{6471D99A-98ED-034E-B50F-9A19FE8B0C3B}"/>
+              </a:ext>
+            </a:extLst>
+          </p:cNvPr>
           <p:cNvGraphicFramePr>
             <a:graphicFrameLocks noGrp="1"/>
           </p:cNvGraphicFramePr>
           <p:nvPr>
             <p:extLst>
               <p:ext uri="{D42A27DB-BD31-4B8C-83A1-F6EECF244321}">
-                <p14:modId xmlns:p14="http://schemas.microsoft.com/office/powerpoint/2010/main" val="598797272"/>
+                <p14:modId xmlns:p14="http://schemas.microsoft.com/office/powerpoint/2010/main" val="896653737"/>
               </p:ext>
             </p:extLst>
           </p:nvPr>
         </p:nvGraphicFramePr>
         <p:xfrm>
-          <a:off x="1022668" y="435429"/>
-          <a:ext cx="2413686" cy="632719"/>
+          <a:off x="5910020" y="228600"/>
+          <a:ext cx="4720100" cy="2926080"/>
         </p:xfrm>
         <a:graphic>
           <a:graphicData uri="http://schemas.openxmlformats.org/drawingml/2006/table">
             <a:tbl>
               <a:tblPr firstRow="1" bandRow="1">
-                <a:tableStyleId>{5940675A-B579-460E-94D1-54222C63F5DA}</a:tableStyleId>
+                <a:tableStyleId>{5C22544A-7EE6-4342-B048-85BDC9FD1C3A}</a:tableStyleId>
               </a:tblPr>
               <a:tblGrid>
-                <a:gridCol w="1194486"/>
-                <a:gridCol w="1219200"/>
+                <a:gridCol w="568272">
+                  <a:extLst>
+                    <a:ext uri="{9D8B030D-6E8A-4147-A177-3AD203B41FA5}">
+                      <a16:colId xmlns:a16="http://schemas.microsoft.com/office/drawing/2014/main" val="4241090573"/>
+                    </a:ext>
+                  </a:extLst>
+                </a:gridCol>
+                <a:gridCol w="375748">
+                  <a:extLst>
+                    <a:ext uri="{9D8B030D-6E8A-4147-A177-3AD203B41FA5}">
+                      <a16:colId xmlns:a16="http://schemas.microsoft.com/office/drawing/2014/main" val="2372469983"/>
+                    </a:ext>
+                  </a:extLst>
+                </a:gridCol>
+                <a:gridCol w="472010">
+                  <a:extLst>
+                    <a:ext uri="{9D8B030D-6E8A-4147-A177-3AD203B41FA5}">
+                      <a16:colId xmlns:a16="http://schemas.microsoft.com/office/drawing/2014/main" val="3496829187"/>
+                    </a:ext>
+                  </a:extLst>
+                </a:gridCol>
+                <a:gridCol w="472010">
+                  <a:extLst>
+                    <a:ext uri="{9D8B030D-6E8A-4147-A177-3AD203B41FA5}">
+                      <a16:colId xmlns:a16="http://schemas.microsoft.com/office/drawing/2014/main" val="3093009700"/>
+                    </a:ext>
+                  </a:extLst>
+                </a:gridCol>
+                <a:gridCol w="472010">
+                  <a:extLst>
+                    <a:ext uri="{9D8B030D-6E8A-4147-A177-3AD203B41FA5}">
+                      <a16:colId xmlns:a16="http://schemas.microsoft.com/office/drawing/2014/main" val="1192767237"/>
+                    </a:ext>
+                  </a:extLst>
+                </a:gridCol>
+                <a:gridCol w="472010">
+                  <a:extLst>
+                    <a:ext uri="{9D8B030D-6E8A-4147-A177-3AD203B41FA5}">
+                      <a16:colId xmlns:a16="http://schemas.microsoft.com/office/drawing/2014/main" val="4234529646"/>
+                    </a:ext>
+                  </a:extLst>
+                </a:gridCol>
+                <a:gridCol w="472010">
+                  <a:extLst>
+                    <a:ext uri="{9D8B030D-6E8A-4147-A177-3AD203B41FA5}">
+                      <a16:colId xmlns:a16="http://schemas.microsoft.com/office/drawing/2014/main" val="845617015"/>
+                    </a:ext>
+                  </a:extLst>
+                </a:gridCol>
+                <a:gridCol w="472010">
+                  <a:extLst>
+                    <a:ext uri="{9D8B030D-6E8A-4147-A177-3AD203B41FA5}">
+                      <a16:colId xmlns:a16="http://schemas.microsoft.com/office/drawing/2014/main" val="2557101677"/>
+                    </a:ext>
+                  </a:extLst>
+                </a:gridCol>
+                <a:gridCol w="472010">
+                  <a:extLst>
+                    <a:ext uri="{9D8B030D-6E8A-4147-A177-3AD203B41FA5}">
+                      <a16:colId xmlns:a16="http://schemas.microsoft.com/office/drawing/2014/main" val="300131127"/>
+                    </a:ext>
+                  </a:extLst>
+                </a:gridCol>
+                <a:gridCol w="472010">
+                  <a:extLst>
+                    <a:ext uri="{9D8B030D-6E8A-4147-A177-3AD203B41FA5}">
+                      <a16:colId xmlns:a16="http://schemas.microsoft.com/office/drawing/2014/main" val="3038450491"/>
+                    </a:ext>
+                  </a:extLst>
+                </a:gridCol>
               </a:tblGrid>
-              <a:tr h="632719">
+              <a:tr h="361430">
+                <a:tc>
+                  <a:txBody>
+                    <a:bodyPr/>
+                    <a:lstStyle/>
+                    <a:p>
+                      <a:r>
+                        <a:rPr lang="en-US" dirty="0"/>
+                        <a:t>255</a:t>
+                      </a:r>
+                    </a:p>
+                  </a:txBody>
+                  <a:tcPr>
+                    <a:solidFill>
+                      <a:srgbClr val="FF0000"/>
+                    </a:solidFill>
+                  </a:tcPr>
+                </a:tc>
+                <a:tc>
+                  <a:txBody>
+                    <a:bodyPr/>
+                    <a:lstStyle/>
+                    <a:p>
+                      <a:endParaRPr lang="en-US"/>
+                    </a:p>
+                  </a:txBody>
+                  <a:tcPr>
+                    <a:solidFill>
+                      <a:srgbClr val="FF0000"/>
+                    </a:solidFill>
+                  </a:tcPr>
+                </a:tc>
                 <a:tc>
                   <a:txBody>
                     <a:bodyPr/>
@@ -3026,7 +3577,91 @@
                   </a:txBody>
                   <a:tcPr>
                     <a:solidFill>
-                      <a:srgbClr val="7030A0"/>
+                      <a:srgbClr val="FF0000"/>
+                    </a:solidFill>
+                  </a:tcPr>
+                </a:tc>
+                <a:tc>
+                  <a:txBody>
+                    <a:bodyPr/>
+                    <a:lstStyle/>
+                    <a:p>
+                      <a:endParaRPr lang="en-US"/>
+                    </a:p>
+                  </a:txBody>
+                  <a:tcPr>
+                    <a:solidFill>
+                      <a:srgbClr val="FF0000"/>
+                    </a:solidFill>
+                  </a:tcPr>
+                </a:tc>
+                <a:tc>
+                  <a:txBody>
+                    <a:bodyPr/>
+                    <a:lstStyle/>
+                    <a:p>
+                      <a:endParaRPr lang="en-US"/>
+                    </a:p>
+                  </a:txBody>
+                  <a:tcPr>
+                    <a:solidFill>
+                      <a:srgbClr val="FF0000"/>
+                    </a:solidFill>
+                  </a:tcPr>
+                </a:tc>
+                <a:tc>
+                  <a:txBody>
+                    <a:bodyPr/>
+                    <a:lstStyle/>
+                    <a:p>
+                      <a:endParaRPr lang="en-US"/>
+                    </a:p>
+                  </a:txBody>
+                  <a:tcPr>
+                    <a:solidFill>
+                      <a:srgbClr val="FF0000"/>
+                    </a:solidFill>
+                  </a:tcPr>
+                </a:tc>
+                <a:tc>
+                  <a:txBody>
+                    <a:bodyPr/>
+                    <a:lstStyle/>
+                    <a:p>
+                      <a:endParaRPr lang="en-US"/>
+                    </a:p>
+                  </a:txBody>
+                  <a:tcPr>
+                    <a:solidFill>
+                      <a:srgbClr val="FF0000"/>
+                    </a:solidFill>
+                  </a:tcPr>
+                </a:tc>
+                <a:tc>
+                  <a:txBody>
+                    <a:bodyPr/>
+                    <a:lstStyle/>
+                    <a:p>
+                      <a:endParaRPr lang="en-US"/>
+                    </a:p>
+                  </a:txBody>
+                  <a:tcPr>
+                    <a:solidFill>
+                      <a:srgbClr val="FF0000"/>
+                    </a:solidFill>
+                  </a:tcPr>
+                </a:tc>
+                <a:tc>
+                  <a:txBody>
+                    <a:bodyPr/>
+                    <a:lstStyle/>
+                    <a:p>
+                      <a:endParaRPr lang="en-US"/>
+                    </a:p>
+                  </a:txBody>
+                  <a:tcPr>
+                    <a:solidFill>
+                      <a:srgbClr val="FF0000"/>
                     </a:solidFill>
                   </a:tcPr>
                 </a:tc>
@@ -3040,10 +3675,1044 @@
                   </a:txBody>
                   <a:tcPr>
                     <a:solidFill>
-                      <a:srgbClr val="7030A0"/>
-                    </a:solidFill>
-                  </a:tcPr>
-                </a:tc>
+                      <a:srgbClr val="FF0000"/>
+                    </a:solidFill>
+                  </a:tcPr>
+                </a:tc>
+                <a:extLst>
+                  <a:ext uri="{0D108BD9-81ED-4DB2-BD59-A6C34878D82A}">
+                    <a16:rowId xmlns:a16="http://schemas.microsoft.com/office/drawing/2014/main" val="119094469"/>
+                  </a:ext>
+                </a:extLst>
+              </a:tr>
+              <a:tr h="361430">
+                <a:tc>
+                  <a:txBody>
+                    <a:bodyPr/>
+                    <a:lstStyle/>
+                    <a:p>
+                      <a:endParaRPr lang="en-US"/>
+                    </a:p>
+                  </a:txBody>
+                  <a:tcPr>
+                    <a:solidFill>
+                      <a:srgbClr val="FF0000"/>
+                    </a:solidFill>
+                  </a:tcPr>
+                </a:tc>
+                <a:tc>
+                  <a:txBody>
+                    <a:bodyPr/>
+                    <a:lstStyle/>
+                    <a:p>
+                      <a:endParaRPr lang="en-US"/>
+                    </a:p>
+                  </a:txBody>
+                  <a:tcPr>
+                    <a:solidFill>
+                      <a:srgbClr val="FF0000"/>
+                    </a:solidFill>
+                  </a:tcPr>
+                </a:tc>
+                <a:tc>
+                  <a:txBody>
+                    <a:bodyPr/>
+                    <a:lstStyle/>
+                    <a:p>
+                      <a:endParaRPr lang="en-US"/>
+                    </a:p>
+                  </a:txBody>
+                  <a:tcPr>
+                    <a:solidFill>
+                      <a:srgbClr val="FF0000"/>
+                    </a:solidFill>
+                  </a:tcPr>
+                </a:tc>
+                <a:tc>
+                  <a:txBody>
+                    <a:bodyPr/>
+                    <a:lstStyle/>
+                    <a:p>
+                      <a:endParaRPr lang="en-US"/>
+                    </a:p>
+                  </a:txBody>
+                  <a:tcPr>
+                    <a:solidFill>
+                      <a:srgbClr val="FF0000"/>
+                    </a:solidFill>
+                  </a:tcPr>
+                </a:tc>
+                <a:tc>
+                  <a:txBody>
+                    <a:bodyPr/>
+                    <a:lstStyle/>
+                    <a:p>
+                      <a:endParaRPr lang="en-US"/>
+                    </a:p>
+                  </a:txBody>
+                  <a:tcPr>
+                    <a:solidFill>
+                      <a:srgbClr val="FF0000"/>
+                    </a:solidFill>
+                  </a:tcPr>
+                </a:tc>
+                <a:tc>
+                  <a:txBody>
+                    <a:bodyPr/>
+                    <a:lstStyle/>
+                    <a:p>
+                      <a:endParaRPr lang="en-US"/>
+                    </a:p>
+                  </a:txBody>
+                  <a:tcPr>
+                    <a:solidFill>
+                      <a:srgbClr val="FF0000"/>
+                    </a:solidFill>
+                  </a:tcPr>
+                </a:tc>
+                <a:tc>
+                  <a:txBody>
+                    <a:bodyPr/>
+                    <a:lstStyle/>
+                    <a:p>
+                      <a:endParaRPr lang="en-US"/>
+                    </a:p>
+                  </a:txBody>
+                  <a:tcPr>
+                    <a:solidFill>
+                      <a:srgbClr val="FF0000"/>
+                    </a:solidFill>
+                  </a:tcPr>
+                </a:tc>
+                <a:tc>
+                  <a:txBody>
+                    <a:bodyPr/>
+                    <a:lstStyle/>
+                    <a:p>
+                      <a:endParaRPr lang="en-US"/>
+                    </a:p>
+                  </a:txBody>
+                  <a:tcPr>
+                    <a:solidFill>
+                      <a:srgbClr val="FF0000"/>
+                    </a:solidFill>
+                  </a:tcPr>
+                </a:tc>
+                <a:tc>
+                  <a:txBody>
+                    <a:bodyPr/>
+                    <a:lstStyle/>
+                    <a:p>
+                      <a:endParaRPr lang="en-US"/>
+                    </a:p>
+                  </a:txBody>
+                  <a:tcPr>
+                    <a:solidFill>
+                      <a:srgbClr val="FF0000"/>
+                    </a:solidFill>
+                  </a:tcPr>
+                </a:tc>
+                <a:tc>
+                  <a:txBody>
+                    <a:bodyPr/>
+                    <a:lstStyle/>
+                    <a:p>
+                      <a:endParaRPr lang="en-US" dirty="0"/>
+                    </a:p>
+                  </a:txBody>
+                  <a:tcPr>
+                    <a:solidFill>
+                      <a:srgbClr val="FF0000"/>
+                    </a:solidFill>
+                  </a:tcPr>
+                </a:tc>
+                <a:extLst>
+                  <a:ext uri="{0D108BD9-81ED-4DB2-BD59-A6C34878D82A}">
+                    <a16:rowId xmlns:a16="http://schemas.microsoft.com/office/drawing/2014/main" val="882431202"/>
+                  </a:ext>
+                </a:extLst>
+              </a:tr>
+              <a:tr h="361430">
+                <a:tc>
+                  <a:txBody>
+                    <a:bodyPr/>
+                    <a:lstStyle/>
+                    <a:p>
+                      <a:endParaRPr lang="en-US"/>
+                    </a:p>
+                  </a:txBody>
+                  <a:tcPr>
+                    <a:solidFill>
+                      <a:srgbClr val="FF0000"/>
+                    </a:solidFill>
+                  </a:tcPr>
+                </a:tc>
+                <a:tc>
+                  <a:txBody>
+                    <a:bodyPr/>
+                    <a:lstStyle/>
+                    <a:p>
+                      <a:endParaRPr lang="en-US"/>
+                    </a:p>
+                  </a:txBody>
+                  <a:tcPr>
+                    <a:solidFill>
+                      <a:srgbClr val="FF0000"/>
+                    </a:solidFill>
+                  </a:tcPr>
+                </a:tc>
+                <a:tc>
+                  <a:txBody>
+                    <a:bodyPr/>
+                    <a:lstStyle/>
+                    <a:p>
+                      <a:endParaRPr lang="en-US"/>
+                    </a:p>
+                  </a:txBody>
+                  <a:tcPr>
+                    <a:solidFill>
+                      <a:srgbClr val="FF0000"/>
+                    </a:solidFill>
+                  </a:tcPr>
+                </a:tc>
+                <a:tc>
+                  <a:txBody>
+                    <a:bodyPr/>
+                    <a:lstStyle/>
+                    <a:p>
+                      <a:endParaRPr lang="en-US"/>
+                    </a:p>
+                  </a:txBody>
+                  <a:tcPr>
+                    <a:solidFill>
+                      <a:srgbClr val="FF0000"/>
+                    </a:solidFill>
+                  </a:tcPr>
+                </a:tc>
+                <a:tc>
+                  <a:txBody>
+                    <a:bodyPr/>
+                    <a:lstStyle/>
+                    <a:p>
+                      <a:endParaRPr lang="en-US"/>
+                    </a:p>
+                  </a:txBody>
+                  <a:tcPr>
+                    <a:solidFill>
+                      <a:srgbClr val="FF0000"/>
+                    </a:solidFill>
+                  </a:tcPr>
+                </a:tc>
+                <a:tc>
+                  <a:txBody>
+                    <a:bodyPr/>
+                    <a:lstStyle/>
+                    <a:p>
+                      <a:endParaRPr lang="en-US"/>
+                    </a:p>
+                  </a:txBody>
+                  <a:tcPr>
+                    <a:solidFill>
+                      <a:srgbClr val="FF0000"/>
+                    </a:solidFill>
+                  </a:tcPr>
+                </a:tc>
+                <a:tc>
+                  <a:txBody>
+                    <a:bodyPr/>
+                    <a:lstStyle/>
+                    <a:p>
+                      <a:endParaRPr lang="en-US"/>
+                    </a:p>
+                  </a:txBody>
+                  <a:tcPr>
+                    <a:solidFill>
+                      <a:srgbClr val="FF0000"/>
+                    </a:solidFill>
+                  </a:tcPr>
+                </a:tc>
+                <a:tc>
+                  <a:txBody>
+                    <a:bodyPr/>
+                    <a:lstStyle/>
+                    <a:p>
+                      <a:endParaRPr lang="en-US"/>
+                    </a:p>
+                  </a:txBody>
+                  <a:tcPr>
+                    <a:solidFill>
+                      <a:srgbClr val="FF0000"/>
+                    </a:solidFill>
+                  </a:tcPr>
+                </a:tc>
+                <a:tc>
+                  <a:txBody>
+                    <a:bodyPr/>
+                    <a:lstStyle/>
+                    <a:p>
+                      <a:endParaRPr lang="en-US"/>
+                    </a:p>
+                  </a:txBody>
+                  <a:tcPr>
+                    <a:solidFill>
+                      <a:srgbClr val="FF0000"/>
+                    </a:solidFill>
+                  </a:tcPr>
+                </a:tc>
+                <a:tc>
+                  <a:txBody>
+                    <a:bodyPr/>
+                    <a:lstStyle/>
+                    <a:p>
+                      <a:endParaRPr lang="en-US"/>
+                    </a:p>
+                  </a:txBody>
+                  <a:tcPr>
+                    <a:solidFill>
+                      <a:srgbClr val="FF0000"/>
+                    </a:solidFill>
+                  </a:tcPr>
+                </a:tc>
+                <a:extLst>
+                  <a:ext uri="{0D108BD9-81ED-4DB2-BD59-A6C34878D82A}">
+                    <a16:rowId xmlns:a16="http://schemas.microsoft.com/office/drawing/2014/main" val="2188031680"/>
+                  </a:ext>
+                </a:extLst>
+              </a:tr>
+              <a:tr h="361430">
+                <a:tc>
+                  <a:txBody>
+                    <a:bodyPr/>
+                    <a:lstStyle/>
+                    <a:p>
+                      <a:endParaRPr lang="en-US"/>
+                    </a:p>
+                  </a:txBody>
+                  <a:tcPr>
+                    <a:solidFill>
+                      <a:srgbClr val="FF0000"/>
+                    </a:solidFill>
+                  </a:tcPr>
+                </a:tc>
+                <a:tc>
+                  <a:txBody>
+                    <a:bodyPr/>
+                    <a:lstStyle/>
+                    <a:p>
+                      <a:endParaRPr lang="en-US"/>
+                    </a:p>
+                  </a:txBody>
+                  <a:tcPr>
+                    <a:solidFill>
+                      <a:srgbClr val="FF0000"/>
+                    </a:solidFill>
+                  </a:tcPr>
+                </a:tc>
+                <a:tc>
+                  <a:txBody>
+                    <a:bodyPr/>
+                    <a:lstStyle/>
+                    <a:p>
+                      <a:endParaRPr lang="en-US"/>
+                    </a:p>
+                  </a:txBody>
+                  <a:tcPr>
+                    <a:solidFill>
+                      <a:srgbClr val="FF0000"/>
+                    </a:solidFill>
+                  </a:tcPr>
+                </a:tc>
+                <a:tc>
+                  <a:txBody>
+                    <a:bodyPr/>
+                    <a:lstStyle/>
+                    <a:p>
+                      <a:endParaRPr lang="en-US"/>
+                    </a:p>
+                  </a:txBody>
+                  <a:tcPr>
+                    <a:solidFill>
+                      <a:srgbClr val="FF0000"/>
+                    </a:solidFill>
+                  </a:tcPr>
+                </a:tc>
+                <a:tc>
+                  <a:txBody>
+                    <a:bodyPr/>
+                    <a:lstStyle/>
+                    <a:p>
+                      <a:endParaRPr lang="en-US"/>
+                    </a:p>
+                  </a:txBody>
+                  <a:tcPr>
+                    <a:solidFill>
+                      <a:srgbClr val="FF0000"/>
+                    </a:solidFill>
+                  </a:tcPr>
+                </a:tc>
+                <a:tc>
+                  <a:txBody>
+                    <a:bodyPr/>
+                    <a:lstStyle/>
+                    <a:p>
+                      <a:endParaRPr lang="en-US"/>
+                    </a:p>
+                  </a:txBody>
+                  <a:tcPr>
+                    <a:solidFill>
+                      <a:srgbClr val="FF0000"/>
+                    </a:solidFill>
+                  </a:tcPr>
+                </a:tc>
+                <a:tc>
+                  <a:txBody>
+                    <a:bodyPr/>
+                    <a:lstStyle/>
+                    <a:p>
+                      <a:endParaRPr lang="en-US"/>
+                    </a:p>
+                  </a:txBody>
+                  <a:tcPr>
+                    <a:solidFill>
+                      <a:srgbClr val="FF0000"/>
+                    </a:solidFill>
+                  </a:tcPr>
+                </a:tc>
+                <a:tc>
+                  <a:txBody>
+                    <a:bodyPr/>
+                    <a:lstStyle/>
+                    <a:p>
+                      <a:endParaRPr lang="en-US"/>
+                    </a:p>
+                  </a:txBody>
+                  <a:tcPr>
+                    <a:solidFill>
+                      <a:srgbClr val="FF0000"/>
+                    </a:solidFill>
+                  </a:tcPr>
+                </a:tc>
+                <a:tc>
+                  <a:txBody>
+                    <a:bodyPr/>
+                    <a:lstStyle/>
+                    <a:p>
+                      <a:endParaRPr lang="en-US"/>
+                    </a:p>
+                  </a:txBody>
+                  <a:tcPr>
+                    <a:solidFill>
+                      <a:srgbClr val="FF0000"/>
+                    </a:solidFill>
+                  </a:tcPr>
+                </a:tc>
+                <a:tc>
+                  <a:txBody>
+                    <a:bodyPr/>
+                    <a:lstStyle/>
+                    <a:p>
+                      <a:endParaRPr lang="en-US"/>
+                    </a:p>
+                  </a:txBody>
+                  <a:tcPr>
+                    <a:solidFill>
+                      <a:srgbClr val="FF0000"/>
+                    </a:solidFill>
+                  </a:tcPr>
+                </a:tc>
+                <a:extLst>
+                  <a:ext uri="{0D108BD9-81ED-4DB2-BD59-A6C34878D82A}">
+                    <a16:rowId xmlns:a16="http://schemas.microsoft.com/office/drawing/2014/main" val="3036848856"/>
+                  </a:ext>
+                </a:extLst>
+              </a:tr>
+              <a:tr h="361430">
+                <a:tc>
+                  <a:txBody>
+                    <a:bodyPr/>
+                    <a:lstStyle/>
+                    <a:p>
+                      <a:endParaRPr lang="en-US"/>
+                    </a:p>
+                  </a:txBody>
+                  <a:tcPr>
+                    <a:solidFill>
+                      <a:srgbClr val="FF0000"/>
+                    </a:solidFill>
+                  </a:tcPr>
+                </a:tc>
+                <a:tc>
+                  <a:txBody>
+                    <a:bodyPr/>
+                    <a:lstStyle/>
+                    <a:p>
+                      <a:endParaRPr lang="en-US"/>
+                    </a:p>
+                  </a:txBody>
+                  <a:tcPr>
+                    <a:solidFill>
+                      <a:srgbClr val="FF0000"/>
+                    </a:solidFill>
+                  </a:tcPr>
+                </a:tc>
+                <a:tc>
+                  <a:txBody>
+                    <a:bodyPr/>
+                    <a:lstStyle/>
+                    <a:p>
+                      <a:endParaRPr lang="en-US"/>
+                    </a:p>
+                  </a:txBody>
+                  <a:tcPr>
+                    <a:solidFill>
+                      <a:srgbClr val="FF0000"/>
+                    </a:solidFill>
+                  </a:tcPr>
+                </a:tc>
+                <a:tc>
+                  <a:txBody>
+                    <a:bodyPr/>
+                    <a:lstStyle/>
+                    <a:p>
+                      <a:endParaRPr lang="en-US"/>
+                    </a:p>
+                  </a:txBody>
+                  <a:tcPr>
+                    <a:solidFill>
+                      <a:srgbClr val="FF0000"/>
+                    </a:solidFill>
+                  </a:tcPr>
+                </a:tc>
+                <a:tc>
+                  <a:txBody>
+                    <a:bodyPr/>
+                    <a:lstStyle/>
+                    <a:p>
+                      <a:endParaRPr lang="en-US"/>
+                    </a:p>
+                  </a:txBody>
+                  <a:tcPr>
+                    <a:solidFill>
+                      <a:srgbClr val="FF0000"/>
+                    </a:solidFill>
+                  </a:tcPr>
+                </a:tc>
+                <a:tc>
+                  <a:txBody>
+                    <a:bodyPr/>
+                    <a:lstStyle/>
+                    <a:p>
+                      <a:endParaRPr lang="en-US"/>
+                    </a:p>
+                  </a:txBody>
+                  <a:tcPr>
+                    <a:solidFill>
+                      <a:srgbClr val="FF0000"/>
+                    </a:solidFill>
+                  </a:tcPr>
+                </a:tc>
+                <a:tc>
+                  <a:txBody>
+                    <a:bodyPr/>
+                    <a:lstStyle/>
+                    <a:p>
+                      <a:endParaRPr lang="en-US"/>
+                    </a:p>
+                  </a:txBody>
+                  <a:tcPr>
+                    <a:solidFill>
+                      <a:srgbClr val="FF0000"/>
+                    </a:solidFill>
+                  </a:tcPr>
+                </a:tc>
+                <a:tc>
+                  <a:txBody>
+                    <a:bodyPr/>
+                    <a:lstStyle/>
+                    <a:p>
+                      <a:endParaRPr lang="en-US"/>
+                    </a:p>
+                  </a:txBody>
+                  <a:tcPr>
+                    <a:solidFill>
+                      <a:srgbClr val="FF0000"/>
+                    </a:solidFill>
+                  </a:tcPr>
+                </a:tc>
+                <a:tc>
+                  <a:txBody>
+                    <a:bodyPr/>
+                    <a:lstStyle/>
+                    <a:p>
+                      <a:endParaRPr lang="en-US"/>
+                    </a:p>
+                  </a:txBody>
+                  <a:tcPr>
+                    <a:solidFill>
+                      <a:srgbClr val="FF0000"/>
+                    </a:solidFill>
+                  </a:tcPr>
+                </a:tc>
+                <a:tc>
+                  <a:txBody>
+                    <a:bodyPr/>
+                    <a:lstStyle/>
+                    <a:p>
+                      <a:endParaRPr lang="en-US"/>
+                    </a:p>
+                  </a:txBody>
+                  <a:tcPr>
+                    <a:solidFill>
+                      <a:srgbClr val="FF0000"/>
+                    </a:solidFill>
+                  </a:tcPr>
+                </a:tc>
+                <a:extLst>
+                  <a:ext uri="{0D108BD9-81ED-4DB2-BD59-A6C34878D82A}">
+                    <a16:rowId xmlns:a16="http://schemas.microsoft.com/office/drawing/2014/main" val="1627398580"/>
+                  </a:ext>
+                </a:extLst>
+              </a:tr>
+              <a:tr h="361430">
+                <a:tc>
+                  <a:txBody>
+                    <a:bodyPr/>
+                    <a:lstStyle/>
+                    <a:p>
+                      <a:endParaRPr lang="en-US"/>
+                    </a:p>
+                  </a:txBody>
+                  <a:tcPr>
+                    <a:solidFill>
+                      <a:srgbClr val="FF0000"/>
+                    </a:solidFill>
+                  </a:tcPr>
+                </a:tc>
+                <a:tc>
+                  <a:txBody>
+                    <a:bodyPr/>
+                    <a:lstStyle/>
+                    <a:p>
+                      <a:endParaRPr lang="en-US"/>
+                    </a:p>
+                  </a:txBody>
+                  <a:tcPr>
+                    <a:solidFill>
+                      <a:srgbClr val="FF0000"/>
+                    </a:solidFill>
+                  </a:tcPr>
+                </a:tc>
+                <a:tc>
+                  <a:txBody>
+                    <a:bodyPr/>
+                    <a:lstStyle/>
+                    <a:p>
+                      <a:endParaRPr lang="en-US"/>
+                    </a:p>
+                  </a:txBody>
+                  <a:tcPr>
+                    <a:solidFill>
+                      <a:srgbClr val="FF0000"/>
+                    </a:solidFill>
+                  </a:tcPr>
+                </a:tc>
+                <a:tc>
+                  <a:txBody>
+                    <a:bodyPr/>
+                    <a:lstStyle/>
+                    <a:p>
+                      <a:endParaRPr lang="en-US"/>
+                    </a:p>
+                  </a:txBody>
+                  <a:tcPr>
+                    <a:solidFill>
+                      <a:srgbClr val="FF0000"/>
+                    </a:solidFill>
+                  </a:tcPr>
+                </a:tc>
+                <a:tc>
+                  <a:txBody>
+                    <a:bodyPr/>
+                    <a:lstStyle/>
+                    <a:p>
+                      <a:endParaRPr lang="en-US"/>
+                    </a:p>
+                  </a:txBody>
+                  <a:tcPr>
+                    <a:solidFill>
+                      <a:srgbClr val="FF0000"/>
+                    </a:solidFill>
+                  </a:tcPr>
+                </a:tc>
+                <a:tc>
+                  <a:txBody>
+                    <a:bodyPr/>
+                    <a:lstStyle/>
+                    <a:p>
+                      <a:endParaRPr lang="en-US"/>
+                    </a:p>
+                  </a:txBody>
+                  <a:tcPr>
+                    <a:solidFill>
+                      <a:srgbClr val="FF0000"/>
+                    </a:solidFill>
+                  </a:tcPr>
+                </a:tc>
+                <a:tc>
+                  <a:txBody>
+                    <a:bodyPr/>
+                    <a:lstStyle/>
+                    <a:p>
+                      <a:endParaRPr lang="en-US"/>
+                    </a:p>
+                  </a:txBody>
+                  <a:tcPr>
+                    <a:solidFill>
+                      <a:srgbClr val="FF0000"/>
+                    </a:solidFill>
+                  </a:tcPr>
+                </a:tc>
+                <a:tc>
+                  <a:txBody>
+                    <a:bodyPr/>
+                    <a:lstStyle/>
+                    <a:p>
+                      <a:endParaRPr lang="en-US"/>
+                    </a:p>
+                  </a:txBody>
+                  <a:tcPr>
+                    <a:solidFill>
+                      <a:srgbClr val="FF0000"/>
+                    </a:solidFill>
+                  </a:tcPr>
+                </a:tc>
+                <a:tc>
+                  <a:txBody>
+                    <a:bodyPr/>
+                    <a:lstStyle/>
+                    <a:p>
+                      <a:endParaRPr lang="en-US"/>
+                    </a:p>
+                  </a:txBody>
+                  <a:tcPr>
+                    <a:solidFill>
+                      <a:srgbClr val="FF0000"/>
+                    </a:solidFill>
+                  </a:tcPr>
+                </a:tc>
+                <a:tc>
+                  <a:txBody>
+                    <a:bodyPr/>
+                    <a:lstStyle/>
+                    <a:p>
+                      <a:endParaRPr lang="en-US"/>
+                    </a:p>
+                  </a:txBody>
+                  <a:tcPr>
+                    <a:solidFill>
+                      <a:srgbClr val="FF0000"/>
+                    </a:solidFill>
+                  </a:tcPr>
+                </a:tc>
+                <a:extLst>
+                  <a:ext uri="{0D108BD9-81ED-4DB2-BD59-A6C34878D82A}">
+                    <a16:rowId xmlns:a16="http://schemas.microsoft.com/office/drawing/2014/main" val="646982101"/>
+                  </a:ext>
+                </a:extLst>
+              </a:tr>
+              <a:tr h="361430">
+                <a:tc>
+                  <a:txBody>
+                    <a:bodyPr/>
+                    <a:lstStyle/>
+                    <a:p>
+                      <a:endParaRPr lang="en-US"/>
+                    </a:p>
+                  </a:txBody>
+                  <a:tcPr>
+                    <a:solidFill>
+                      <a:srgbClr val="FF0000"/>
+                    </a:solidFill>
+                  </a:tcPr>
+                </a:tc>
+                <a:tc>
+                  <a:txBody>
+                    <a:bodyPr/>
+                    <a:lstStyle/>
+                    <a:p>
+                      <a:endParaRPr lang="en-US"/>
+                    </a:p>
+                  </a:txBody>
+                  <a:tcPr>
+                    <a:solidFill>
+                      <a:srgbClr val="FF0000"/>
+                    </a:solidFill>
+                  </a:tcPr>
+                </a:tc>
+                <a:tc>
+                  <a:txBody>
+                    <a:bodyPr/>
+                    <a:lstStyle/>
+                    <a:p>
+                      <a:endParaRPr lang="en-US"/>
+                    </a:p>
+                  </a:txBody>
+                  <a:tcPr>
+                    <a:solidFill>
+                      <a:srgbClr val="FF0000"/>
+                    </a:solidFill>
+                  </a:tcPr>
+                </a:tc>
+                <a:tc>
+                  <a:txBody>
+                    <a:bodyPr/>
+                    <a:lstStyle/>
+                    <a:p>
+                      <a:endParaRPr lang="en-US"/>
+                    </a:p>
+                  </a:txBody>
+                  <a:tcPr>
+                    <a:solidFill>
+                      <a:srgbClr val="FF0000"/>
+                    </a:solidFill>
+                  </a:tcPr>
+                </a:tc>
+                <a:tc>
+                  <a:txBody>
+                    <a:bodyPr/>
+                    <a:lstStyle/>
+                    <a:p>
+                      <a:endParaRPr lang="en-US"/>
+                    </a:p>
+                  </a:txBody>
+                  <a:tcPr>
+                    <a:solidFill>
+                      <a:srgbClr val="FF0000"/>
+                    </a:solidFill>
+                  </a:tcPr>
+                </a:tc>
+                <a:tc>
+                  <a:txBody>
+                    <a:bodyPr/>
+                    <a:lstStyle/>
+                    <a:p>
+                      <a:endParaRPr lang="en-US"/>
+                    </a:p>
+                  </a:txBody>
+                  <a:tcPr>
+                    <a:solidFill>
+                      <a:srgbClr val="FF0000"/>
+                    </a:solidFill>
+                  </a:tcPr>
+                </a:tc>
+                <a:tc>
+                  <a:txBody>
+                    <a:bodyPr/>
+                    <a:lstStyle/>
+                    <a:p>
+                      <a:endParaRPr lang="en-US"/>
+                    </a:p>
+                  </a:txBody>
+                  <a:tcPr>
+                    <a:solidFill>
+                      <a:srgbClr val="FF0000"/>
+                    </a:solidFill>
+                  </a:tcPr>
+                </a:tc>
+                <a:tc>
+                  <a:txBody>
+                    <a:bodyPr/>
+                    <a:lstStyle/>
+                    <a:p>
+                      <a:endParaRPr lang="en-US"/>
+                    </a:p>
+                  </a:txBody>
+                  <a:tcPr>
+                    <a:solidFill>
+                      <a:srgbClr val="FF0000"/>
+                    </a:solidFill>
+                  </a:tcPr>
+                </a:tc>
+                <a:tc>
+                  <a:txBody>
+                    <a:bodyPr/>
+                    <a:lstStyle/>
+                    <a:p>
+                      <a:endParaRPr lang="en-US"/>
+                    </a:p>
+                  </a:txBody>
+                  <a:tcPr>
+                    <a:solidFill>
+                      <a:srgbClr val="FF0000"/>
+                    </a:solidFill>
+                  </a:tcPr>
+                </a:tc>
+                <a:tc>
+                  <a:txBody>
+                    <a:bodyPr/>
+                    <a:lstStyle/>
+                    <a:p>
+                      <a:endParaRPr lang="en-US"/>
+                    </a:p>
+                  </a:txBody>
+                  <a:tcPr>
+                    <a:solidFill>
+                      <a:srgbClr val="FF0000"/>
+                    </a:solidFill>
+                  </a:tcPr>
+                </a:tc>
+                <a:extLst>
+                  <a:ext uri="{0D108BD9-81ED-4DB2-BD59-A6C34878D82A}">
+                    <a16:rowId xmlns:a16="http://schemas.microsoft.com/office/drawing/2014/main" val="1572421587"/>
+                  </a:ext>
+                </a:extLst>
+              </a:tr>
+              <a:tr h="361430">
+                <a:tc>
+                  <a:txBody>
+                    <a:bodyPr/>
+                    <a:lstStyle/>
+                    <a:p>
+                      <a:endParaRPr lang="en-US"/>
+                    </a:p>
+                  </a:txBody>
+                  <a:tcPr>
+                    <a:solidFill>
+                      <a:srgbClr val="FF0000"/>
+                    </a:solidFill>
+                  </a:tcPr>
+                </a:tc>
+                <a:tc>
+                  <a:txBody>
+                    <a:bodyPr/>
+                    <a:lstStyle/>
+                    <a:p>
+                      <a:endParaRPr lang="en-US" dirty="0"/>
+                    </a:p>
+                  </a:txBody>
+                  <a:tcPr>
+                    <a:solidFill>
+                      <a:srgbClr val="FF0000"/>
+                    </a:solidFill>
+                  </a:tcPr>
+                </a:tc>
+                <a:tc>
+                  <a:txBody>
+                    <a:bodyPr/>
+                    <a:lstStyle/>
+                    <a:p>
+                      <a:endParaRPr lang="en-US"/>
+                    </a:p>
+                  </a:txBody>
+                  <a:tcPr>
+                    <a:solidFill>
+                      <a:srgbClr val="FF0000"/>
+                    </a:solidFill>
+                  </a:tcPr>
+                </a:tc>
+                <a:tc>
+                  <a:txBody>
+                    <a:bodyPr/>
+                    <a:lstStyle/>
+                    <a:p>
+                      <a:endParaRPr lang="en-US"/>
+                    </a:p>
+                  </a:txBody>
+                  <a:tcPr>
+                    <a:solidFill>
+                      <a:srgbClr val="FF0000"/>
+                    </a:solidFill>
+                  </a:tcPr>
+                </a:tc>
+                <a:tc>
+                  <a:txBody>
+                    <a:bodyPr/>
+                    <a:lstStyle/>
+                    <a:p>
+                      <a:endParaRPr lang="en-US"/>
+                    </a:p>
+                  </a:txBody>
+                  <a:tcPr>
+                    <a:solidFill>
+                      <a:srgbClr val="FF0000"/>
+                    </a:solidFill>
+                  </a:tcPr>
+                </a:tc>
+                <a:tc>
+                  <a:txBody>
+                    <a:bodyPr/>
+                    <a:lstStyle/>
+                    <a:p>
+                      <a:endParaRPr lang="en-US"/>
+                    </a:p>
+                  </a:txBody>
+                  <a:tcPr>
+                    <a:solidFill>
+                      <a:srgbClr val="FF0000"/>
+                    </a:solidFill>
+                  </a:tcPr>
+                </a:tc>
+                <a:tc>
+                  <a:txBody>
+                    <a:bodyPr/>
+                    <a:lstStyle/>
+                    <a:p>
+                      <a:endParaRPr lang="en-US"/>
+                    </a:p>
+                  </a:txBody>
+                  <a:tcPr>
+                    <a:solidFill>
+                      <a:srgbClr val="FF0000"/>
+                    </a:solidFill>
+                  </a:tcPr>
+                </a:tc>
+                <a:tc>
+                  <a:txBody>
+                    <a:bodyPr/>
+                    <a:lstStyle/>
+                    <a:p>
+                      <a:endParaRPr lang="en-US"/>
+                    </a:p>
+                  </a:txBody>
+                  <a:tcPr>
+                    <a:solidFill>
+                      <a:srgbClr val="FF0000"/>
+                    </a:solidFill>
+                  </a:tcPr>
+                </a:tc>
+                <a:tc>
+                  <a:txBody>
+                    <a:bodyPr/>
+                    <a:lstStyle/>
+                    <a:p>
+                      <a:endParaRPr lang="en-US"/>
+                    </a:p>
+                  </a:txBody>
+                  <a:tcPr>
+                    <a:solidFill>
+                      <a:srgbClr val="FF0000"/>
+                    </a:solidFill>
+                  </a:tcPr>
+                </a:tc>
+                <a:tc>
+                  <a:txBody>
+                    <a:bodyPr/>
+                    <a:lstStyle/>
+                    <a:p>
+                      <a:endParaRPr lang="en-US" dirty="0"/>
+                    </a:p>
+                  </a:txBody>
+                  <a:tcPr>
+                    <a:solidFill>
+                      <a:srgbClr val="FF0000"/>
+                    </a:solidFill>
+                  </a:tcPr>
+                </a:tc>
+                <a:extLst>
+                  <a:ext uri="{0D108BD9-81ED-4DB2-BD59-A6C34878D82A}">
+                    <a16:rowId xmlns:a16="http://schemas.microsoft.com/office/drawing/2014/main" val="2500378805"/>
+                  </a:ext>
+                </a:extLst>
               </a:tr>
             </a:tbl>
           </a:graphicData>
@@ -3051,77 +4720,1284 @@
       </p:graphicFrame>
       <p:graphicFrame>
         <p:nvGraphicFramePr>
-          <p:cNvPr id="7" name="Table 6"/>
+          <p:cNvPr id="7" name="Table 6">
+            <a:extLst>
+              <a:ext uri="{FF2B5EF4-FFF2-40B4-BE49-F238E27FC236}">
+                <a16:creationId xmlns:a16="http://schemas.microsoft.com/office/drawing/2014/main" id="{313AA3D9-5720-5346-B303-ACA6C0CE59E8}"/>
+              </a:ext>
+            </a:extLst>
+          </p:cNvPr>
           <p:cNvGraphicFramePr>
             <a:graphicFrameLocks noGrp="1"/>
           </p:cNvGraphicFramePr>
           <p:nvPr>
             <p:extLst>
               <p:ext uri="{D42A27DB-BD31-4B8C-83A1-F6EECF244321}">
-                <p14:modId xmlns:p14="http://schemas.microsoft.com/office/powerpoint/2010/main" val="3417007088"/>
+                <p14:modId xmlns:p14="http://schemas.microsoft.com/office/powerpoint/2010/main" val="230994005"/>
               </p:ext>
             </p:extLst>
           </p:nvPr>
         </p:nvGraphicFramePr>
         <p:xfrm>
-          <a:off x="1390822" y="667657"/>
-          <a:ext cx="2413686" cy="571718"/>
+          <a:off x="6604750" y="891527"/>
+          <a:ext cx="4720100" cy="2926080"/>
         </p:xfrm>
         <a:graphic>
           <a:graphicData uri="http://schemas.openxmlformats.org/drawingml/2006/table">
             <a:tbl>
               <a:tblPr firstRow="1" bandRow="1">
-                <a:tableStyleId>{5940675A-B579-460E-94D1-54222C63F5DA}</a:tableStyleId>
+                <a:tableStyleId>{5C22544A-7EE6-4342-B048-85BDC9FD1C3A}</a:tableStyleId>
               </a:tblPr>
               <a:tblGrid>
-                <a:gridCol w="1194486"/>
-                <a:gridCol w="1219200"/>
+                <a:gridCol w="472010">
+                  <a:extLst>
+                    <a:ext uri="{9D8B030D-6E8A-4147-A177-3AD203B41FA5}">
+                      <a16:colId xmlns:a16="http://schemas.microsoft.com/office/drawing/2014/main" val="4241090573"/>
+                    </a:ext>
+                  </a:extLst>
+                </a:gridCol>
+                <a:gridCol w="472010">
+                  <a:extLst>
+                    <a:ext uri="{9D8B030D-6E8A-4147-A177-3AD203B41FA5}">
+                      <a16:colId xmlns:a16="http://schemas.microsoft.com/office/drawing/2014/main" val="2372469983"/>
+                    </a:ext>
+                  </a:extLst>
+                </a:gridCol>
+                <a:gridCol w="472010">
+                  <a:extLst>
+                    <a:ext uri="{9D8B030D-6E8A-4147-A177-3AD203B41FA5}">
+                      <a16:colId xmlns:a16="http://schemas.microsoft.com/office/drawing/2014/main" val="3496829187"/>
+                    </a:ext>
+                  </a:extLst>
+                </a:gridCol>
+                <a:gridCol w="472010">
+                  <a:extLst>
+                    <a:ext uri="{9D8B030D-6E8A-4147-A177-3AD203B41FA5}">
+                      <a16:colId xmlns:a16="http://schemas.microsoft.com/office/drawing/2014/main" val="3093009700"/>
+                    </a:ext>
+                  </a:extLst>
+                </a:gridCol>
+                <a:gridCol w="472010">
+                  <a:extLst>
+                    <a:ext uri="{9D8B030D-6E8A-4147-A177-3AD203B41FA5}">
+                      <a16:colId xmlns:a16="http://schemas.microsoft.com/office/drawing/2014/main" val="1192767237"/>
+                    </a:ext>
+                  </a:extLst>
+                </a:gridCol>
+                <a:gridCol w="472010">
+                  <a:extLst>
+                    <a:ext uri="{9D8B030D-6E8A-4147-A177-3AD203B41FA5}">
+                      <a16:colId xmlns:a16="http://schemas.microsoft.com/office/drawing/2014/main" val="4234529646"/>
+                    </a:ext>
+                  </a:extLst>
+                </a:gridCol>
+                <a:gridCol w="472010">
+                  <a:extLst>
+                    <a:ext uri="{9D8B030D-6E8A-4147-A177-3AD203B41FA5}">
+                      <a16:colId xmlns:a16="http://schemas.microsoft.com/office/drawing/2014/main" val="845617015"/>
+                    </a:ext>
+                  </a:extLst>
+                </a:gridCol>
+                <a:gridCol w="472010">
+                  <a:extLst>
+                    <a:ext uri="{9D8B030D-6E8A-4147-A177-3AD203B41FA5}">
+                      <a16:colId xmlns:a16="http://schemas.microsoft.com/office/drawing/2014/main" val="2557101677"/>
+                    </a:ext>
+                  </a:extLst>
+                </a:gridCol>
+                <a:gridCol w="472010">
+                  <a:extLst>
+                    <a:ext uri="{9D8B030D-6E8A-4147-A177-3AD203B41FA5}">
+                      <a16:colId xmlns:a16="http://schemas.microsoft.com/office/drawing/2014/main" val="300131127"/>
+                    </a:ext>
+                  </a:extLst>
+                </a:gridCol>
+                <a:gridCol w="472010">
+                  <a:extLst>
+                    <a:ext uri="{9D8B030D-6E8A-4147-A177-3AD203B41FA5}">
+                      <a16:colId xmlns:a16="http://schemas.microsoft.com/office/drawing/2014/main" val="3038450491"/>
+                    </a:ext>
+                  </a:extLst>
+                </a:gridCol>
               </a:tblGrid>
-              <a:tr h="571718">
-                <a:tc>
-                  <a:txBody>
-                    <a:bodyPr/>
-                    <a:lstStyle/>
-                    <a:p>
-                      <a:pPr algn="ctr"/>
+              <a:tr h="361430">
+                <a:tc>
+                  <a:txBody>
+                    <a:bodyPr/>
+                    <a:lstStyle/>
+                    <a:p>
                       <a:r>
-                        <a:rPr lang="en-US" sz="2800" b="1" dirty="0" smtClean="0"/>
-                        <a:t>30</a:t>
+                        <a:rPr lang="en-US" dirty="0"/>
+                        <a:t>10</a:t>
                       </a:r>
-                      <a:endParaRPr lang="en-US" sz="2800" b="1" dirty="0"/>
-                    </a:p>
-                  </a:txBody>
-                  <a:tcPr>
-                    <a:solidFill>
-                      <a:schemeClr val="accent6">
-                        <a:lumMod val="60000"/>
-                        <a:lumOff val="40000"/>
-                      </a:schemeClr>
-                    </a:solidFill>
-                  </a:tcPr>
-                </a:tc>
-                <a:tc>
-                  <a:txBody>
-                    <a:bodyPr/>
-                    <a:lstStyle/>
-                    <a:p>
-                      <a:pPr algn="ctr"/>
-                      <a:r>
-                        <a:rPr lang="en-US" sz="2800" b="1" dirty="0" smtClean="0"/>
-                        <a:t>40</a:t>
-                      </a:r>
-                      <a:endParaRPr lang="en-US" sz="2800" b="1" dirty="0"/>
-                    </a:p>
-                  </a:txBody>
-                  <a:tcPr>
-                    <a:solidFill>
-                      <a:schemeClr val="accent6">
-                        <a:lumMod val="60000"/>
-                        <a:lumOff val="40000"/>
-                      </a:schemeClr>
-                    </a:solidFill>
-                  </a:tcPr>
-                </a:tc>
+                    </a:p>
+                  </a:txBody>
+                  <a:tcPr>
+                    <a:solidFill>
+                      <a:srgbClr val="92D050"/>
+                    </a:solidFill>
+                  </a:tcPr>
+                </a:tc>
+                <a:tc>
+                  <a:txBody>
+                    <a:bodyPr/>
+                    <a:lstStyle/>
+                    <a:p>
+                      <a:endParaRPr lang="en-US"/>
+                    </a:p>
+                  </a:txBody>
+                  <a:tcPr>
+                    <a:solidFill>
+                      <a:srgbClr val="92D050"/>
+                    </a:solidFill>
+                  </a:tcPr>
+                </a:tc>
+                <a:tc>
+                  <a:txBody>
+                    <a:bodyPr/>
+                    <a:lstStyle/>
+                    <a:p>
+                      <a:endParaRPr lang="en-US" dirty="0"/>
+                    </a:p>
+                  </a:txBody>
+                  <a:tcPr>
+                    <a:solidFill>
+                      <a:srgbClr val="92D050"/>
+                    </a:solidFill>
+                  </a:tcPr>
+                </a:tc>
+                <a:tc>
+                  <a:txBody>
+                    <a:bodyPr/>
+                    <a:lstStyle/>
+                    <a:p>
+                      <a:endParaRPr lang="en-US"/>
+                    </a:p>
+                  </a:txBody>
+                  <a:tcPr>
+                    <a:solidFill>
+                      <a:srgbClr val="92D050"/>
+                    </a:solidFill>
+                  </a:tcPr>
+                </a:tc>
+                <a:tc>
+                  <a:txBody>
+                    <a:bodyPr/>
+                    <a:lstStyle/>
+                    <a:p>
+                      <a:endParaRPr lang="en-US"/>
+                    </a:p>
+                  </a:txBody>
+                  <a:tcPr>
+                    <a:solidFill>
+                      <a:srgbClr val="92D050"/>
+                    </a:solidFill>
+                  </a:tcPr>
+                </a:tc>
+                <a:tc>
+                  <a:txBody>
+                    <a:bodyPr/>
+                    <a:lstStyle/>
+                    <a:p>
+                      <a:endParaRPr lang="en-US"/>
+                    </a:p>
+                  </a:txBody>
+                  <a:tcPr>
+                    <a:solidFill>
+                      <a:srgbClr val="92D050"/>
+                    </a:solidFill>
+                  </a:tcPr>
+                </a:tc>
+                <a:tc>
+                  <a:txBody>
+                    <a:bodyPr/>
+                    <a:lstStyle/>
+                    <a:p>
+                      <a:endParaRPr lang="en-US"/>
+                    </a:p>
+                  </a:txBody>
+                  <a:tcPr>
+                    <a:solidFill>
+                      <a:srgbClr val="92D050"/>
+                    </a:solidFill>
+                  </a:tcPr>
+                </a:tc>
+                <a:tc>
+                  <a:txBody>
+                    <a:bodyPr/>
+                    <a:lstStyle/>
+                    <a:p>
+                      <a:endParaRPr lang="en-US"/>
+                    </a:p>
+                  </a:txBody>
+                  <a:tcPr>
+                    <a:solidFill>
+                      <a:srgbClr val="92D050"/>
+                    </a:solidFill>
+                  </a:tcPr>
+                </a:tc>
+                <a:tc>
+                  <a:txBody>
+                    <a:bodyPr/>
+                    <a:lstStyle/>
+                    <a:p>
+                      <a:endParaRPr lang="en-US"/>
+                    </a:p>
+                  </a:txBody>
+                  <a:tcPr>
+                    <a:solidFill>
+                      <a:srgbClr val="92D050"/>
+                    </a:solidFill>
+                  </a:tcPr>
+                </a:tc>
+                <a:tc>
+                  <a:txBody>
+                    <a:bodyPr/>
+                    <a:lstStyle/>
+                    <a:p>
+                      <a:endParaRPr lang="en-US" dirty="0"/>
+                    </a:p>
+                  </a:txBody>
+                  <a:tcPr>
+                    <a:solidFill>
+                      <a:srgbClr val="92D050"/>
+                    </a:solidFill>
+                  </a:tcPr>
+                </a:tc>
+                <a:extLst>
+                  <a:ext uri="{0D108BD9-81ED-4DB2-BD59-A6C34878D82A}">
+                    <a16:rowId xmlns:a16="http://schemas.microsoft.com/office/drawing/2014/main" val="119094469"/>
+                  </a:ext>
+                </a:extLst>
+              </a:tr>
+              <a:tr h="361430">
+                <a:tc>
+                  <a:txBody>
+                    <a:bodyPr/>
+                    <a:lstStyle/>
+                    <a:p>
+                      <a:endParaRPr lang="en-US"/>
+                    </a:p>
+                  </a:txBody>
+                  <a:tcPr>
+                    <a:solidFill>
+                      <a:srgbClr val="92D050"/>
+                    </a:solidFill>
+                  </a:tcPr>
+                </a:tc>
+                <a:tc>
+                  <a:txBody>
+                    <a:bodyPr/>
+                    <a:lstStyle/>
+                    <a:p>
+                      <a:endParaRPr lang="en-US"/>
+                    </a:p>
+                  </a:txBody>
+                  <a:tcPr>
+                    <a:solidFill>
+                      <a:srgbClr val="92D050"/>
+                    </a:solidFill>
+                  </a:tcPr>
+                </a:tc>
+                <a:tc>
+                  <a:txBody>
+                    <a:bodyPr/>
+                    <a:lstStyle/>
+                    <a:p>
+                      <a:endParaRPr lang="en-US"/>
+                    </a:p>
+                  </a:txBody>
+                  <a:tcPr>
+                    <a:solidFill>
+                      <a:srgbClr val="92D050"/>
+                    </a:solidFill>
+                  </a:tcPr>
+                </a:tc>
+                <a:tc>
+                  <a:txBody>
+                    <a:bodyPr/>
+                    <a:lstStyle/>
+                    <a:p>
+                      <a:endParaRPr lang="en-US"/>
+                    </a:p>
+                  </a:txBody>
+                  <a:tcPr>
+                    <a:solidFill>
+                      <a:srgbClr val="92D050"/>
+                    </a:solidFill>
+                  </a:tcPr>
+                </a:tc>
+                <a:tc>
+                  <a:txBody>
+                    <a:bodyPr/>
+                    <a:lstStyle/>
+                    <a:p>
+                      <a:endParaRPr lang="en-US"/>
+                    </a:p>
+                  </a:txBody>
+                  <a:tcPr>
+                    <a:solidFill>
+                      <a:srgbClr val="92D050"/>
+                    </a:solidFill>
+                  </a:tcPr>
+                </a:tc>
+                <a:tc>
+                  <a:txBody>
+                    <a:bodyPr/>
+                    <a:lstStyle/>
+                    <a:p>
+                      <a:endParaRPr lang="en-US"/>
+                    </a:p>
+                  </a:txBody>
+                  <a:tcPr>
+                    <a:solidFill>
+                      <a:srgbClr val="92D050"/>
+                    </a:solidFill>
+                  </a:tcPr>
+                </a:tc>
+                <a:tc>
+                  <a:txBody>
+                    <a:bodyPr/>
+                    <a:lstStyle/>
+                    <a:p>
+                      <a:endParaRPr lang="en-US"/>
+                    </a:p>
+                  </a:txBody>
+                  <a:tcPr>
+                    <a:solidFill>
+                      <a:srgbClr val="92D050"/>
+                    </a:solidFill>
+                  </a:tcPr>
+                </a:tc>
+                <a:tc>
+                  <a:txBody>
+                    <a:bodyPr/>
+                    <a:lstStyle/>
+                    <a:p>
+                      <a:endParaRPr lang="en-US"/>
+                    </a:p>
+                  </a:txBody>
+                  <a:tcPr>
+                    <a:solidFill>
+                      <a:srgbClr val="92D050"/>
+                    </a:solidFill>
+                  </a:tcPr>
+                </a:tc>
+                <a:tc>
+                  <a:txBody>
+                    <a:bodyPr/>
+                    <a:lstStyle/>
+                    <a:p>
+                      <a:endParaRPr lang="en-US"/>
+                    </a:p>
+                  </a:txBody>
+                  <a:tcPr>
+                    <a:solidFill>
+                      <a:srgbClr val="92D050"/>
+                    </a:solidFill>
+                  </a:tcPr>
+                </a:tc>
+                <a:tc>
+                  <a:txBody>
+                    <a:bodyPr/>
+                    <a:lstStyle/>
+                    <a:p>
+                      <a:endParaRPr lang="en-US" dirty="0"/>
+                    </a:p>
+                  </a:txBody>
+                  <a:tcPr>
+                    <a:solidFill>
+                      <a:srgbClr val="92D050"/>
+                    </a:solidFill>
+                  </a:tcPr>
+                </a:tc>
+                <a:extLst>
+                  <a:ext uri="{0D108BD9-81ED-4DB2-BD59-A6C34878D82A}">
+                    <a16:rowId xmlns:a16="http://schemas.microsoft.com/office/drawing/2014/main" val="882431202"/>
+                  </a:ext>
+                </a:extLst>
+              </a:tr>
+              <a:tr h="361430">
+                <a:tc>
+                  <a:txBody>
+                    <a:bodyPr/>
+                    <a:lstStyle/>
+                    <a:p>
+                      <a:endParaRPr lang="en-US"/>
+                    </a:p>
+                  </a:txBody>
+                  <a:tcPr>
+                    <a:solidFill>
+                      <a:srgbClr val="92D050"/>
+                    </a:solidFill>
+                  </a:tcPr>
+                </a:tc>
+                <a:tc>
+                  <a:txBody>
+                    <a:bodyPr/>
+                    <a:lstStyle/>
+                    <a:p>
+                      <a:endParaRPr lang="en-US"/>
+                    </a:p>
+                  </a:txBody>
+                  <a:tcPr>
+                    <a:solidFill>
+                      <a:srgbClr val="92D050"/>
+                    </a:solidFill>
+                  </a:tcPr>
+                </a:tc>
+                <a:tc>
+                  <a:txBody>
+                    <a:bodyPr/>
+                    <a:lstStyle/>
+                    <a:p>
+                      <a:endParaRPr lang="en-US"/>
+                    </a:p>
+                  </a:txBody>
+                  <a:tcPr>
+                    <a:solidFill>
+                      <a:srgbClr val="92D050"/>
+                    </a:solidFill>
+                  </a:tcPr>
+                </a:tc>
+                <a:tc>
+                  <a:txBody>
+                    <a:bodyPr/>
+                    <a:lstStyle/>
+                    <a:p>
+                      <a:endParaRPr lang="en-US"/>
+                    </a:p>
+                  </a:txBody>
+                  <a:tcPr>
+                    <a:solidFill>
+                      <a:srgbClr val="92D050"/>
+                    </a:solidFill>
+                  </a:tcPr>
+                </a:tc>
+                <a:tc>
+                  <a:txBody>
+                    <a:bodyPr/>
+                    <a:lstStyle/>
+                    <a:p>
+                      <a:endParaRPr lang="en-US"/>
+                    </a:p>
+                  </a:txBody>
+                  <a:tcPr>
+                    <a:solidFill>
+                      <a:srgbClr val="92D050"/>
+                    </a:solidFill>
+                  </a:tcPr>
+                </a:tc>
+                <a:tc>
+                  <a:txBody>
+                    <a:bodyPr/>
+                    <a:lstStyle/>
+                    <a:p>
+                      <a:endParaRPr lang="en-US"/>
+                    </a:p>
+                  </a:txBody>
+                  <a:tcPr>
+                    <a:solidFill>
+                      <a:srgbClr val="92D050"/>
+                    </a:solidFill>
+                  </a:tcPr>
+                </a:tc>
+                <a:tc>
+                  <a:txBody>
+                    <a:bodyPr/>
+                    <a:lstStyle/>
+                    <a:p>
+                      <a:endParaRPr lang="en-US"/>
+                    </a:p>
+                  </a:txBody>
+                  <a:tcPr>
+                    <a:solidFill>
+                      <a:srgbClr val="92D050"/>
+                    </a:solidFill>
+                  </a:tcPr>
+                </a:tc>
+                <a:tc>
+                  <a:txBody>
+                    <a:bodyPr/>
+                    <a:lstStyle/>
+                    <a:p>
+                      <a:endParaRPr lang="en-US"/>
+                    </a:p>
+                  </a:txBody>
+                  <a:tcPr>
+                    <a:solidFill>
+                      <a:srgbClr val="92D050"/>
+                    </a:solidFill>
+                  </a:tcPr>
+                </a:tc>
+                <a:tc>
+                  <a:txBody>
+                    <a:bodyPr/>
+                    <a:lstStyle/>
+                    <a:p>
+                      <a:endParaRPr lang="en-US"/>
+                    </a:p>
+                  </a:txBody>
+                  <a:tcPr>
+                    <a:solidFill>
+                      <a:srgbClr val="92D050"/>
+                    </a:solidFill>
+                  </a:tcPr>
+                </a:tc>
+                <a:tc>
+                  <a:txBody>
+                    <a:bodyPr/>
+                    <a:lstStyle/>
+                    <a:p>
+                      <a:endParaRPr lang="en-US"/>
+                    </a:p>
+                  </a:txBody>
+                  <a:tcPr>
+                    <a:solidFill>
+                      <a:srgbClr val="92D050"/>
+                    </a:solidFill>
+                  </a:tcPr>
+                </a:tc>
+                <a:extLst>
+                  <a:ext uri="{0D108BD9-81ED-4DB2-BD59-A6C34878D82A}">
+                    <a16:rowId xmlns:a16="http://schemas.microsoft.com/office/drawing/2014/main" val="2188031680"/>
+                  </a:ext>
+                </a:extLst>
+              </a:tr>
+              <a:tr h="361430">
+                <a:tc>
+                  <a:txBody>
+                    <a:bodyPr/>
+                    <a:lstStyle/>
+                    <a:p>
+                      <a:endParaRPr lang="en-US"/>
+                    </a:p>
+                  </a:txBody>
+                  <a:tcPr>
+                    <a:solidFill>
+                      <a:srgbClr val="92D050"/>
+                    </a:solidFill>
+                  </a:tcPr>
+                </a:tc>
+                <a:tc>
+                  <a:txBody>
+                    <a:bodyPr/>
+                    <a:lstStyle/>
+                    <a:p>
+                      <a:endParaRPr lang="en-US"/>
+                    </a:p>
+                  </a:txBody>
+                  <a:tcPr>
+                    <a:solidFill>
+                      <a:srgbClr val="92D050"/>
+                    </a:solidFill>
+                  </a:tcPr>
+                </a:tc>
+                <a:tc>
+                  <a:txBody>
+                    <a:bodyPr/>
+                    <a:lstStyle/>
+                    <a:p>
+                      <a:endParaRPr lang="en-US"/>
+                    </a:p>
+                  </a:txBody>
+                  <a:tcPr>
+                    <a:solidFill>
+                      <a:srgbClr val="92D050"/>
+                    </a:solidFill>
+                  </a:tcPr>
+                </a:tc>
+                <a:tc>
+                  <a:txBody>
+                    <a:bodyPr/>
+                    <a:lstStyle/>
+                    <a:p>
+                      <a:endParaRPr lang="en-US"/>
+                    </a:p>
+                  </a:txBody>
+                  <a:tcPr>
+                    <a:solidFill>
+                      <a:srgbClr val="92D050"/>
+                    </a:solidFill>
+                  </a:tcPr>
+                </a:tc>
+                <a:tc>
+                  <a:txBody>
+                    <a:bodyPr/>
+                    <a:lstStyle/>
+                    <a:p>
+                      <a:endParaRPr lang="en-US"/>
+                    </a:p>
+                  </a:txBody>
+                  <a:tcPr>
+                    <a:solidFill>
+                      <a:srgbClr val="92D050"/>
+                    </a:solidFill>
+                  </a:tcPr>
+                </a:tc>
+                <a:tc>
+                  <a:txBody>
+                    <a:bodyPr/>
+                    <a:lstStyle/>
+                    <a:p>
+                      <a:endParaRPr lang="en-US"/>
+                    </a:p>
+                  </a:txBody>
+                  <a:tcPr>
+                    <a:solidFill>
+                      <a:srgbClr val="92D050"/>
+                    </a:solidFill>
+                  </a:tcPr>
+                </a:tc>
+                <a:tc>
+                  <a:txBody>
+                    <a:bodyPr/>
+                    <a:lstStyle/>
+                    <a:p>
+                      <a:endParaRPr lang="en-US"/>
+                    </a:p>
+                  </a:txBody>
+                  <a:tcPr>
+                    <a:solidFill>
+                      <a:srgbClr val="92D050"/>
+                    </a:solidFill>
+                  </a:tcPr>
+                </a:tc>
+                <a:tc>
+                  <a:txBody>
+                    <a:bodyPr/>
+                    <a:lstStyle/>
+                    <a:p>
+                      <a:endParaRPr lang="en-US"/>
+                    </a:p>
+                  </a:txBody>
+                  <a:tcPr>
+                    <a:solidFill>
+                      <a:srgbClr val="92D050"/>
+                    </a:solidFill>
+                  </a:tcPr>
+                </a:tc>
+                <a:tc>
+                  <a:txBody>
+                    <a:bodyPr/>
+                    <a:lstStyle/>
+                    <a:p>
+                      <a:endParaRPr lang="en-US"/>
+                    </a:p>
+                  </a:txBody>
+                  <a:tcPr>
+                    <a:solidFill>
+                      <a:srgbClr val="92D050"/>
+                    </a:solidFill>
+                  </a:tcPr>
+                </a:tc>
+                <a:tc>
+                  <a:txBody>
+                    <a:bodyPr/>
+                    <a:lstStyle/>
+                    <a:p>
+                      <a:endParaRPr lang="en-US"/>
+                    </a:p>
+                  </a:txBody>
+                  <a:tcPr>
+                    <a:solidFill>
+                      <a:srgbClr val="92D050"/>
+                    </a:solidFill>
+                  </a:tcPr>
+                </a:tc>
+                <a:extLst>
+                  <a:ext uri="{0D108BD9-81ED-4DB2-BD59-A6C34878D82A}">
+                    <a16:rowId xmlns:a16="http://schemas.microsoft.com/office/drawing/2014/main" val="3036848856"/>
+                  </a:ext>
+                </a:extLst>
+              </a:tr>
+              <a:tr h="361430">
+                <a:tc>
+                  <a:txBody>
+                    <a:bodyPr/>
+                    <a:lstStyle/>
+                    <a:p>
+                      <a:endParaRPr lang="en-US"/>
+                    </a:p>
+                  </a:txBody>
+                  <a:tcPr>
+                    <a:solidFill>
+                      <a:srgbClr val="92D050"/>
+                    </a:solidFill>
+                  </a:tcPr>
+                </a:tc>
+                <a:tc>
+                  <a:txBody>
+                    <a:bodyPr/>
+                    <a:lstStyle/>
+                    <a:p>
+                      <a:endParaRPr lang="en-US"/>
+                    </a:p>
+                  </a:txBody>
+                  <a:tcPr>
+                    <a:solidFill>
+                      <a:srgbClr val="92D050"/>
+                    </a:solidFill>
+                  </a:tcPr>
+                </a:tc>
+                <a:tc>
+                  <a:txBody>
+                    <a:bodyPr/>
+                    <a:lstStyle/>
+                    <a:p>
+                      <a:endParaRPr lang="en-US"/>
+                    </a:p>
+                  </a:txBody>
+                  <a:tcPr>
+                    <a:solidFill>
+                      <a:srgbClr val="92D050"/>
+                    </a:solidFill>
+                  </a:tcPr>
+                </a:tc>
+                <a:tc>
+                  <a:txBody>
+                    <a:bodyPr/>
+                    <a:lstStyle/>
+                    <a:p>
+                      <a:endParaRPr lang="en-US"/>
+                    </a:p>
+                  </a:txBody>
+                  <a:tcPr>
+                    <a:solidFill>
+                      <a:srgbClr val="92D050"/>
+                    </a:solidFill>
+                  </a:tcPr>
+                </a:tc>
+                <a:tc>
+                  <a:txBody>
+                    <a:bodyPr/>
+                    <a:lstStyle/>
+                    <a:p>
+                      <a:endParaRPr lang="en-US"/>
+                    </a:p>
+                  </a:txBody>
+                  <a:tcPr>
+                    <a:solidFill>
+                      <a:srgbClr val="92D050"/>
+                    </a:solidFill>
+                  </a:tcPr>
+                </a:tc>
+                <a:tc>
+                  <a:txBody>
+                    <a:bodyPr/>
+                    <a:lstStyle/>
+                    <a:p>
+                      <a:endParaRPr lang="en-US"/>
+                    </a:p>
+                  </a:txBody>
+                  <a:tcPr>
+                    <a:solidFill>
+                      <a:srgbClr val="92D050"/>
+                    </a:solidFill>
+                  </a:tcPr>
+                </a:tc>
+                <a:tc>
+                  <a:txBody>
+                    <a:bodyPr/>
+                    <a:lstStyle/>
+                    <a:p>
+                      <a:endParaRPr lang="en-US"/>
+                    </a:p>
+                  </a:txBody>
+                  <a:tcPr>
+                    <a:solidFill>
+                      <a:srgbClr val="92D050"/>
+                    </a:solidFill>
+                  </a:tcPr>
+                </a:tc>
+                <a:tc>
+                  <a:txBody>
+                    <a:bodyPr/>
+                    <a:lstStyle/>
+                    <a:p>
+                      <a:endParaRPr lang="en-US"/>
+                    </a:p>
+                  </a:txBody>
+                  <a:tcPr>
+                    <a:solidFill>
+                      <a:srgbClr val="92D050"/>
+                    </a:solidFill>
+                  </a:tcPr>
+                </a:tc>
+                <a:tc>
+                  <a:txBody>
+                    <a:bodyPr/>
+                    <a:lstStyle/>
+                    <a:p>
+                      <a:endParaRPr lang="en-US"/>
+                    </a:p>
+                  </a:txBody>
+                  <a:tcPr>
+                    <a:solidFill>
+                      <a:srgbClr val="92D050"/>
+                    </a:solidFill>
+                  </a:tcPr>
+                </a:tc>
+                <a:tc>
+                  <a:txBody>
+                    <a:bodyPr/>
+                    <a:lstStyle/>
+                    <a:p>
+                      <a:endParaRPr lang="en-US"/>
+                    </a:p>
+                  </a:txBody>
+                  <a:tcPr>
+                    <a:solidFill>
+                      <a:srgbClr val="92D050"/>
+                    </a:solidFill>
+                  </a:tcPr>
+                </a:tc>
+                <a:extLst>
+                  <a:ext uri="{0D108BD9-81ED-4DB2-BD59-A6C34878D82A}">
+                    <a16:rowId xmlns:a16="http://schemas.microsoft.com/office/drawing/2014/main" val="1627398580"/>
+                  </a:ext>
+                </a:extLst>
+              </a:tr>
+              <a:tr h="361430">
+                <a:tc>
+                  <a:txBody>
+                    <a:bodyPr/>
+                    <a:lstStyle/>
+                    <a:p>
+                      <a:endParaRPr lang="en-US"/>
+                    </a:p>
+                  </a:txBody>
+                  <a:tcPr>
+                    <a:solidFill>
+                      <a:srgbClr val="92D050"/>
+                    </a:solidFill>
+                  </a:tcPr>
+                </a:tc>
+                <a:tc>
+                  <a:txBody>
+                    <a:bodyPr/>
+                    <a:lstStyle/>
+                    <a:p>
+                      <a:endParaRPr lang="en-US"/>
+                    </a:p>
+                  </a:txBody>
+                  <a:tcPr>
+                    <a:solidFill>
+                      <a:srgbClr val="92D050"/>
+                    </a:solidFill>
+                  </a:tcPr>
+                </a:tc>
+                <a:tc>
+                  <a:txBody>
+                    <a:bodyPr/>
+                    <a:lstStyle/>
+                    <a:p>
+                      <a:endParaRPr lang="en-US"/>
+                    </a:p>
+                  </a:txBody>
+                  <a:tcPr>
+                    <a:solidFill>
+                      <a:srgbClr val="92D050"/>
+                    </a:solidFill>
+                  </a:tcPr>
+                </a:tc>
+                <a:tc>
+                  <a:txBody>
+                    <a:bodyPr/>
+                    <a:lstStyle/>
+                    <a:p>
+                      <a:endParaRPr lang="en-US"/>
+                    </a:p>
+                  </a:txBody>
+                  <a:tcPr>
+                    <a:solidFill>
+                      <a:srgbClr val="92D050"/>
+                    </a:solidFill>
+                  </a:tcPr>
+                </a:tc>
+                <a:tc>
+                  <a:txBody>
+                    <a:bodyPr/>
+                    <a:lstStyle/>
+                    <a:p>
+                      <a:endParaRPr lang="en-US"/>
+                    </a:p>
+                  </a:txBody>
+                  <a:tcPr>
+                    <a:solidFill>
+                      <a:srgbClr val="92D050"/>
+                    </a:solidFill>
+                  </a:tcPr>
+                </a:tc>
+                <a:tc>
+                  <a:txBody>
+                    <a:bodyPr/>
+                    <a:lstStyle/>
+                    <a:p>
+                      <a:endParaRPr lang="en-US"/>
+                    </a:p>
+                  </a:txBody>
+                  <a:tcPr>
+                    <a:solidFill>
+                      <a:srgbClr val="92D050"/>
+                    </a:solidFill>
+                  </a:tcPr>
+                </a:tc>
+                <a:tc>
+                  <a:txBody>
+                    <a:bodyPr/>
+                    <a:lstStyle/>
+                    <a:p>
+                      <a:endParaRPr lang="en-US"/>
+                    </a:p>
+                  </a:txBody>
+                  <a:tcPr>
+                    <a:solidFill>
+                      <a:srgbClr val="92D050"/>
+                    </a:solidFill>
+                  </a:tcPr>
+                </a:tc>
+                <a:tc>
+                  <a:txBody>
+                    <a:bodyPr/>
+                    <a:lstStyle/>
+                    <a:p>
+                      <a:endParaRPr lang="en-US"/>
+                    </a:p>
+                  </a:txBody>
+                  <a:tcPr>
+                    <a:solidFill>
+                      <a:srgbClr val="92D050"/>
+                    </a:solidFill>
+                  </a:tcPr>
+                </a:tc>
+                <a:tc>
+                  <a:txBody>
+                    <a:bodyPr/>
+                    <a:lstStyle/>
+                    <a:p>
+                      <a:endParaRPr lang="en-US"/>
+                    </a:p>
+                  </a:txBody>
+                  <a:tcPr>
+                    <a:solidFill>
+                      <a:srgbClr val="92D050"/>
+                    </a:solidFill>
+                  </a:tcPr>
+                </a:tc>
+                <a:tc>
+                  <a:txBody>
+                    <a:bodyPr/>
+                    <a:lstStyle/>
+                    <a:p>
+                      <a:endParaRPr lang="en-US"/>
+                    </a:p>
+                  </a:txBody>
+                  <a:tcPr>
+                    <a:solidFill>
+                      <a:srgbClr val="92D050"/>
+                    </a:solidFill>
+                  </a:tcPr>
+                </a:tc>
+                <a:extLst>
+                  <a:ext uri="{0D108BD9-81ED-4DB2-BD59-A6C34878D82A}">
+                    <a16:rowId xmlns:a16="http://schemas.microsoft.com/office/drawing/2014/main" val="646982101"/>
+                  </a:ext>
+                </a:extLst>
+              </a:tr>
+              <a:tr h="361430">
+                <a:tc>
+                  <a:txBody>
+                    <a:bodyPr/>
+                    <a:lstStyle/>
+                    <a:p>
+                      <a:endParaRPr lang="en-US"/>
+                    </a:p>
+                  </a:txBody>
+                  <a:tcPr>
+                    <a:solidFill>
+                      <a:srgbClr val="92D050"/>
+                    </a:solidFill>
+                  </a:tcPr>
+                </a:tc>
+                <a:tc>
+                  <a:txBody>
+                    <a:bodyPr/>
+                    <a:lstStyle/>
+                    <a:p>
+                      <a:endParaRPr lang="en-US"/>
+                    </a:p>
+                  </a:txBody>
+                  <a:tcPr>
+                    <a:solidFill>
+                      <a:srgbClr val="92D050"/>
+                    </a:solidFill>
+                  </a:tcPr>
+                </a:tc>
+                <a:tc>
+                  <a:txBody>
+                    <a:bodyPr/>
+                    <a:lstStyle/>
+                    <a:p>
+                      <a:endParaRPr lang="en-US"/>
+                    </a:p>
+                  </a:txBody>
+                  <a:tcPr>
+                    <a:solidFill>
+                      <a:srgbClr val="92D050"/>
+                    </a:solidFill>
+                  </a:tcPr>
+                </a:tc>
+                <a:tc>
+                  <a:txBody>
+                    <a:bodyPr/>
+                    <a:lstStyle/>
+                    <a:p>
+                      <a:endParaRPr lang="en-US"/>
+                    </a:p>
+                  </a:txBody>
+                  <a:tcPr>
+                    <a:solidFill>
+                      <a:srgbClr val="92D050"/>
+                    </a:solidFill>
+                  </a:tcPr>
+                </a:tc>
+                <a:tc>
+                  <a:txBody>
+                    <a:bodyPr/>
+                    <a:lstStyle/>
+                    <a:p>
+                      <a:endParaRPr lang="en-US"/>
+                    </a:p>
+                  </a:txBody>
+                  <a:tcPr>
+                    <a:solidFill>
+                      <a:srgbClr val="92D050"/>
+                    </a:solidFill>
+                  </a:tcPr>
+                </a:tc>
+                <a:tc>
+                  <a:txBody>
+                    <a:bodyPr/>
+                    <a:lstStyle/>
+                    <a:p>
+                      <a:endParaRPr lang="en-US"/>
+                    </a:p>
+                  </a:txBody>
+                  <a:tcPr>
+                    <a:solidFill>
+                      <a:srgbClr val="92D050"/>
+                    </a:solidFill>
+                  </a:tcPr>
+                </a:tc>
+                <a:tc>
+                  <a:txBody>
+                    <a:bodyPr/>
+                    <a:lstStyle/>
+                    <a:p>
+                      <a:endParaRPr lang="en-US"/>
+                    </a:p>
+                  </a:txBody>
+                  <a:tcPr>
+                    <a:solidFill>
+                      <a:srgbClr val="92D050"/>
+                    </a:solidFill>
+                  </a:tcPr>
+                </a:tc>
+                <a:tc>
+                  <a:txBody>
+                    <a:bodyPr/>
+                    <a:lstStyle/>
+                    <a:p>
+                      <a:endParaRPr lang="en-US"/>
+                    </a:p>
+                  </a:txBody>
+                  <a:tcPr>
+                    <a:solidFill>
+                      <a:srgbClr val="92D050"/>
+                    </a:solidFill>
+                  </a:tcPr>
+                </a:tc>
+                <a:tc>
+                  <a:txBody>
+                    <a:bodyPr/>
+                    <a:lstStyle/>
+                    <a:p>
+                      <a:endParaRPr lang="en-US"/>
+                    </a:p>
+                  </a:txBody>
+                  <a:tcPr>
+                    <a:solidFill>
+                      <a:srgbClr val="92D050"/>
+                    </a:solidFill>
+                  </a:tcPr>
+                </a:tc>
+                <a:tc>
+                  <a:txBody>
+                    <a:bodyPr/>
+                    <a:lstStyle/>
+                    <a:p>
+                      <a:endParaRPr lang="en-US"/>
+                    </a:p>
+                  </a:txBody>
+                  <a:tcPr>
+                    <a:solidFill>
+                      <a:srgbClr val="92D050"/>
+                    </a:solidFill>
+                  </a:tcPr>
+                </a:tc>
+                <a:extLst>
+                  <a:ext uri="{0D108BD9-81ED-4DB2-BD59-A6C34878D82A}">
+                    <a16:rowId xmlns:a16="http://schemas.microsoft.com/office/drawing/2014/main" val="1572421587"/>
+                  </a:ext>
+                </a:extLst>
+              </a:tr>
+              <a:tr h="361430">
+                <a:tc>
+                  <a:txBody>
+                    <a:bodyPr/>
+                    <a:lstStyle/>
+                    <a:p>
+                      <a:endParaRPr lang="en-US" dirty="0"/>
+                    </a:p>
+                  </a:txBody>
+                  <a:tcPr>
+                    <a:solidFill>
+                      <a:srgbClr val="92D050"/>
+                    </a:solidFill>
+                  </a:tcPr>
+                </a:tc>
+                <a:tc>
+                  <a:txBody>
+                    <a:bodyPr/>
+                    <a:lstStyle/>
+                    <a:p>
+                      <a:endParaRPr lang="en-US" dirty="0"/>
+                    </a:p>
+                  </a:txBody>
+                  <a:tcPr>
+                    <a:solidFill>
+                      <a:srgbClr val="92D050"/>
+                    </a:solidFill>
+                  </a:tcPr>
+                </a:tc>
+                <a:tc>
+                  <a:txBody>
+                    <a:bodyPr/>
+                    <a:lstStyle/>
+                    <a:p>
+                      <a:endParaRPr lang="en-US" dirty="0"/>
+                    </a:p>
+                  </a:txBody>
+                  <a:tcPr>
+                    <a:solidFill>
+                      <a:srgbClr val="92D050"/>
+                    </a:solidFill>
+                  </a:tcPr>
+                </a:tc>
+                <a:tc>
+                  <a:txBody>
+                    <a:bodyPr/>
+                    <a:lstStyle/>
+                    <a:p>
+                      <a:endParaRPr lang="en-US"/>
+                    </a:p>
+                  </a:txBody>
+                  <a:tcPr>
+                    <a:solidFill>
+                      <a:srgbClr val="92D050"/>
+                    </a:solidFill>
+                  </a:tcPr>
+                </a:tc>
+                <a:tc>
+                  <a:txBody>
+                    <a:bodyPr/>
+                    <a:lstStyle/>
+                    <a:p>
+                      <a:endParaRPr lang="en-US"/>
+                    </a:p>
+                  </a:txBody>
+                  <a:tcPr>
+                    <a:solidFill>
+                      <a:srgbClr val="92D050"/>
+                    </a:solidFill>
+                  </a:tcPr>
+                </a:tc>
+                <a:tc>
+                  <a:txBody>
+                    <a:bodyPr/>
+                    <a:lstStyle/>
+                    <a:p>
+                      <a:endParaRPr lang="en-US"/>
+                    </a:p>
+                  </a:txBody>
+                  <a:tcPr>
+                    <a:solidFill>
+                      <a:srgbClr val="92D050"/>
+                    </a:solidFill>
+                  </a:tcPr>
+                </a:tc>
+                <a:tc>
+                  <a:txBody>
+                    <a:bodyPr/>
+                    <a:lstStyle/>
+                    <a:p>
+                      <a:endParaRPr lang="en-US"/>
+                    </a:p>
+                  </a:txBody>
+                  <a:tcPr>
+                    <a:solidFill>
+                      <a:srgbClr val="92D050"/>
+                    </a:solidFill>
+                  </a:tcPr>
+                </a:tc>
+                <a:tc>
+                  <a:txBody>
+                    <a:bodyPr/>
+                    <a:lstStyle/>
+                    <a:p>
+                      <a:endParaRPr lang="en-US"/>
+                    </a:p>
+                  </a:txBody>
+                  <a:tcPr>
+                    <a:solidFill>
+                      <a:srgbClr val="92D050"/>
+                    </a:solidFill>
+                  </a:tcPr>
+                </a:tc>
+                <a:tc>
+                  <a:txBody>
+                    <a:bodyPr/>
+                    <a:lstStyle/>
+                    <a:p>
+                      <a:endParaRPr lang="en-US"/>
+                    </a:p>
+                  </a:txBody>
+                  <a:tcPr>
+                    <a:solidFill>
+                      <a:srgbClr val="92D050"/>
+                    </a:solidFill>
+                  </a:tcPr>
+                </a:tc>
+                <a:tc>
+                  <a:txBody>
+                    <a:bodyPr/>
+                    <a:lstStyle/>
+                    <a:p>
+                      <a:endParaRPr lang="en-US" dirty="0"/>
+                    </a:p>
+                  </a:txBody>
+                  <a:tcPr>
+                    <a:solidFill>
+                      <a:srgbClr val="92D050"/>
+                    </a:solidFill>
+                  </a:tcPr>
+                </a:tc>
+                <a:extLst>
+                  <a:ext uri="{0D108BD9-81ED-4DB2-BD59-A6C34878D82A}">
+                    <a16:rowId xmlns:a16="http://schemas.microsoft.com/office/drawing/2014/main" val="2500378805"/>
+                  </a:ext>
+                </a:extLst>
               </a:tr>
             </a:tbl>
           </a:graphicData>
@@ -3129,308 +6005,1341 @@
       </p:graphicFrame>
       <p:graphicFrame>
         <p:nvGraphicFramePr>
-          <p:cNvPr id="8" name="Table 7"/>
+          <p:cNvPr id="8" name="Table 7">
+            <a:extLst>
+              <a:ext uri="{FF2B5EF4-FFF2-40B4-BE49-F238E27FC236}">
+                <a16:creationId xmlns:a16="http://schemas.microsoft.com/office/drawing/2014/main" id="{06F99924-99F0-E94C-97CF-5A2092AD65C7}"/>
+              </a:ext>
+            </a:extLst>
+          </p:cNvPr>
           <p:cNvGraphicFramePr>
             <a:graphicFrameLocks noGrp="1"/>
           </p:cNvGraphicFramePr>
           <p:nvPr>
             <p:extLst>
               <p:ext uri="{D42A27DB-BD31-4B8C-83A1-F6EECF244321}">
-                <p14:modId xmlns:p14="http://schemas.microsoft.com/office/powerpoint/2010/main" val="2393384643"/>
+                <p14:modId xmlns:p14="http://schemas.microsoft.com/office/powerpoint/2010/main" val="1611421194"/>
               </p:ext>
             </p:extLst>
           </p:nvPr>
         </p:nvGraphicFramePr>
         <p:xfrm>
-          <a:off x="1786827" y="1045029"/>
-          <a:ext cx="2413686" cy="600165"/>
+          <a:off x="7299480" y="1554453"/>
+          <a:ext cx="4720100" cy="2926080"/>
         </p:xfrm>
         <a:graphic>
           <a:graphicData uri="http://schemas.openxmlformats.org/drawingml/2006/table">
             <a:tbl>
               <a:tblPr firstRow="1" bandRow="1">
-                <a:tableStyleId>{5940675A-B579-460E-94D1-54222C63F5DA}</a:tableStyleId>
+                <a:tableStyleId>{5C22544A-7EE6-4342-B048-85BDC9FD1C3A}</a:tableStyleId>
               </a:tblPr>
               <a:tblGrid>
-                <a:gridCol w="1194486"/>
-                <a:gridCol w="1219200"/>
+                <a:gridCol w="558161">
+                  <a:extLst>
+                    <a:ext uri="{9D8B030D-6E8A-4147-A177-3AD203B41FA5}">
+                      <a16:colId xmlns:a16="http://schemas.microsoft.com/office/drawing/2014/main" val="4241090573"/>
+                    </a:ext>
+                  </a:extLst>
+                </a:gridCol>
+                <a:gridCol w="385859">
+                  <a:extLst>
+                    <a:ext uri="{9D8B030D-6E8A-4147-A177-3AD203B41FA5}">
+                      <a16:colId xmlns:a16="http://schemas.microsoft.com/office/drawing/2014/main" val="2372469983"/>
+                    </a:ext>
+                  </a:extLst>
+                </a:gridCol>
+                <a:gridCol w="472010">
+                  <a:extLst>
+                    <a:ext uri="{9D8B030D-6E8A-4147-A177-3AD203B41FA5}">
+                      <a16:colId xmlns:a16="http://schemas.microsoft.com/office/drawing/2014/main" val="3496829187"/>
+                    </a:ext>
+                  </a:extLst>
+                </a:gridCol>
+                <a:gridCol w="472010">
+                  <a:extLst>
+                    <a:ext uri="{9D8B030D-6E8A-4147-A177-3AD203B41FA5}">
+                      <a16:colId xmlns:a16="http://schemas.microsoft.com/office/drawing/2014/main" val="3093009700"/>
+                    </a:ext>
+                  </a:extLst>
+                </a:gridCol>
+                <a:gridCol w="472010">
+                  <a:extLst>
+                    <a:ext uri="{9D8B030D-6E8A-4147-A177-3AD203B41FA5}">
+                      <a16:colId xmlns:a16="http://schemas.microsoft.com/office/drawing/2014/main" val="1192767237"/>
+                    </a:ext>
+                  </a:extLst>
+                </a:gridCol>
+                <a:gridCol w="472010">
+                  <a:extLst>
+                    <a:ext uri="{9D8B030D-6E8A-4147-A177-3AD203B41FA5}">
+                      <a16:colId xmlns:a16="http://schemas.microsoft.com/office/drawing/2014/main" val="4234529646"/>
+                    </a:ext>
+                  </a:extLst>
+                </a:gridCol>
+                <a:gridCol w="472010">
+                  <a:extLst>
+                    <a:ext uri="{9D8B030D-6E8A-4147-A177-3AD203B41FA5}">
+                      <a16:colId xmlns:a16="http://schemas.microsoft.com/office/drawing/2014/main" val="845617015"/>
+                    </a:ext>
+                  </a:extLst>
+                </a:gridCol>
+                <a:gridCol w="472010">
+                  <a:extLst>
+                    <a:ext uri="{9D8B030D-6E8A-4147-A177-3AD203B41FA5}">
+                      <a16:colId xmlns:a16="http://schemas.microsoft.com/office/drawing/2014/main" val="2557101677"/>
+                    </a:ext>
+                  </a:extLst>
+                </a:gridCol>
+                <a:gridCol w="472010">
+                  <a:extLst>
+                    <a:ext uri="{9D8B030D-6E8A-4147-A177-3AD203B41FA5}">
+                      <a16:colId xmlns:a16="http://schemas.microsoft.com/office/drawing/2014/main" val="300131127"/>
+                    </a:ext>
+                  </a:extLst>
+                </a:gridCol>
+                <a:gridCol w="472010">
+                  <a:extLst>
+                    <a:ext uri="{9D8B030D-6E8A-4147-A177-3AD203B41FA5}">
+                      <a16:colId xmlns:a16="http://schemas.microsoft.com/office/drawing/2014/main" val="3038450491"/>
+                    </a:ext>
+                  </a:extLst>
+                </a:gridCol>
               </a:tblGrid>
-              <a:tr h="600165">
-                <a:tc>
-                  <a:txBody>
-                    <a:bodyPr/>
-                    <a:lstStyle/>
-                    <a:p>
-                      <a:pPr algn="ctr"/>
+              <a:tr h="361430">
+                <a:tc>
+                  <a:txBody>
+                    <a:bodyPr/>
+                    <a:lstStyle/>
+                    <a:p>
                       <a:r>
-                        <a:rPr lang="en-US" sz="2800" b="1" dirty="0" smtClean="0"/>
-                        <a:t>50</a:t>
+                        <a:rPr lang="en-US" dirty="0"/>
+                        <a:t>255</a:t>
                       </a:r>
-                      <a:endParaRPr lang="en-US" sz="2800" b="1" dirty="0"/>
-                    </a:p>
-                  </a:txBody>
-                  <a:tcPr>
-                    <a:solidFill>
-                      <a:schemeClr val="accent2"/>
-                    </a:solidFill>
-                  </a:tcPr>
-                </a:tc>
-                <a:tc>
-                  <a:txBody>
-                    <a:bodyPr/>
-                    <a:lstStyle/>
-                    <a:p>
-                      <a:pPr algn="ctr"/>
-                      <a:r>
-                        <a:rPr lang="en-US" sz="2800" b="1" dirty="0" smtClean="0"/>
-                        <a:t>60</a:t>
-                      </a:r>
-                      <a:endParaRPr lang="en-US" sz="2800" b="1" dirty="0"/>
-                    </a:p>
-                  </a:txBody>
-                  <a:tcPr>
-                    <a:solidFill>
-                      <a:schemeClr val="accent2"/>
-                    </a:solidFill>
-                  </a:tcPr>
-                </a:tc>
+                    </a:p>
+                  </a:txBody>
+                  <a:tcPr>
+                    <a:solidFill>
+                      <a:srgbClr val="0028D7"/>
+                    </a:solidFill>
+                  </a:tcPr>
+                </a:tc>
+                <a:tc>
+                  <a:txBody>
+                    <a:bodyPr/>
+                    <a:lstStyle/>
+                    <a:p>
+                      <a:endParaRPr lang="en-US"/>
+                    </a:p>
+                  </a:txBody>
+                  <a:tcPr>
+                    <a:solidFill>
+                      <a:srgbClr val="0028D7"/>
+                    </a:solidFill>
+                  </a:tcPr>
+                </a:tc>
+                <a:tc>
+                  <a:txBody>
+                    <a:bodyPr/>
+                    <a:lstStyle/>
+                    <a:p>
+                      <a:endParaRPr lang="en-US" dirty="0"/>
+                    </a:p>
+                  </a:txBody>
+                  <a:tcPr>
+                    <a:solidFill>
+                      <a:srgbClr val="0028D7"/>
+                    </a:solidFill>
+                  </a:tcPr>
+                </a:tc>
+                <a:tc>
+                  <a:txBody>
+                    <a:bodyPr/>
+                    <a:lstStyle/>
+                    <a:p>
+                      <a:endParaRPr lang="en-US"/>
+                    </a:p>
+                  </a:txBody>
+                  <a:tcPr>
+                    <a:solidFill>
+                      <a:srgbClr val="0028D7"/>
+                    </a:solidFill>
+                  </a:tcPr>
+                </a:tc>
+                <a:tc>
+                  <a:txBody>
+                    <a:bodyPr/>
+                    <a:lstStyle/>
+                    <a:p>
+                      <a:endParaRPr lang="en-US"/>
+                    </a:p>
+                  </a:txBody>
+                  <a:tcPr>
+                    <a:solidFill>
+                      <a:srgbClr val="0028D7"/>
+                    </a:solidFill>
+                  </a:tcPr>
+                </a:tc>
+                <a:tc>
+                  <a:txBody>
+                    <a:bodyPr/>
+                    <a:lstStyle/>
+                    <a:p>
+                      <a:endParaRPr lang="en-US"/>
+                    </a:p>
+                  </a:txBody>
+                  <a:tcPr>
+                    <a:solidFill>
+                      <a:srgbClr val="0028D7"/>
+                    </a:solidFill>
+                  </a:tcPr>
+                </a:tc>
+                <a:tc>
+                  <a:txBody>
+                    <a:bodyPr/>
+                    <a:lstStyle/>
+                    <a:p>
+                      <a:endParaRPr lang="en-US"/>
+                    </a:p>
+                  </a:txBody>
+                  <a:tcPr>
+                    <a:solidFill>
+                      <a:srgbClr val="0028D7"/>
+                    </a:solidFill>
+                  </a:tcPr>
+                </a:tc>
+                <a:tc>
+                  <a:txBody>
+                    <a:bodyPr/>
+                    <a:lstStyle/>
+                    <a:p>
+                      <a:endParaRPr lang="en-US"/>
+                    </a:p>
+                  </a:txBody>
+                  <a:tcPr>
+                    <a:solidFill>
+                      <a:srgbClr val="0028D7"/>
+                    </a:solidFill>
+                  </a:tcPr>
+                </a:tc>
+                <a:tc>
+                  <a:txBody>
+                    <a:bodyPr/>
+                    <a:lstStyle/>
+                    <a:p>
+                      <a:endParaRPr lang="en-US"/>
+                    </a:p>
+                  </a:txBody>
+                  <a:tcPr>
+                    <a:solidFill>
+                      <a:srgbClr val="0028D7"/>
+                    </a:solidFill>
+                  </a:tcPr>
+                </a:tc>
+                <a:tc>
+                  <a:txBody>
+                    <a:bodyPr/>
+                    <a:lstStyle/>
+                    <a:p>
+                      <a:endParaRPr lang="en-US" dirty="0"/>
+                    </a:p>
+                  </a:txBody>
+                  <a:tcPr>
+                    <a:solidFill>
+                      <a:srgbClr val="0028D7"/>
+                    </a:solidFill>
+                  </a:tcPr>
+                </a:tc>
+                <a:extLst>
+                  <a:ext uri="{0D108BD9-81ED-4DB2-BD59-A6C34878D82A}">
+                    <a16:rowId xmlns:a16="http://schemas.microsoft.com/office/drawing/2014/main" val="119094469"/>
+                  </a:ext>
+                </a:extLst>
+              </a:tr>
+              <a:tr h="361430">
+                <a:tc>
+                  <a:txBody>
+                    <a:bodyPr/>
+                    <a:lstStyle/>
+                    <a:p>
+                      <a:endParaRPr lang="en-US"/>
+                    </a:p>
+                  </a:txBody>
+                  <a:tcPr>
+                    <a:solidFill>
+                      <a:srgbClr val="0028D7"/>
+                    </a:solidFill>
+                  </a:tcPr>
+                </a:tc>
+                <a:tc>
+                  <a:txBody>
+                    <a:bodyPr/>
+                    <a:lstStyle/>
+                    <a:p>
+                      <a:endParaRPr lang="en-US"/>
+                    </a:p>
+                  </a:txBody>
+                  <a:tcPr>
+                    <a:solidFill>
+                      <a:srgbClr val="0028D7"/>
+                    </a:solidFill>
+                  </a:tcPr>
+                </a:tc>
+                <a:tc>
+                  <a:txBody>
+                    <a:bodyPr/>
+                    <a:lstStyle/>
+                    <a:p>
+                      <a:endParaRPr lang="en-US"/>
+                    </a:p>
+                  </a:txBody>
+                  <a:tcPr>
+                    <a:solidFill>
+                      <a:srgbClr val="0028D7"/>
+                    </a:solidFill>
+                  </a:tcPr>
+                </a:tc>
+                <a:tc>
+                  <a:txBody>
+                    <a:bodyPr/>
+                    <a:lstStyle/>
+                    <a:p>
+                      <a:endParaRPr lang="en-US"/>
+                    </a:p>
+                  </a:txBody>
+                  <a:tcPr>
+                    <a:solidFill>
+                      <a:srgbClr val="0028D7"/>
+                    </a:solidFill>
+                  </a:tcPr>
+                </a:tc>
+                <a:tc>
+                  <a:txBody>
+                    <a:bodyPr/>
+                    <a:lstStyle/>
+                    <a:p>
+                      <a:endParaRPr lang="en-US"/>
+                    </a:p>
+                  </a:txBody>
+                  <a:tcPr>
+                    <a:solidFill>
+                      <a:srgbClr val="0028D7"/>
+                    </a:solidFill>
+                  </a:tcPr>
+                </a:tc>
+                <a:tc>
+                  <a:txBody>
+                    <a:bodyPr/>
+                    <a:lstStyle/>
+                    <a:p>
+                      <a:endParaRPr lang="en-US"/>
+                    </a:p>
+                  </a:txBody>
+                  <a:tcPr>
+                    <a:solidFill>
+                      <a:srgbClr val="0028D7"/>
+                    </a:solidFill>
+                  </a:tcPr>
+                </a:tc>
+                <a:tc>
+                  <a:txBody>
+                    <a:bodyPr/>
+                    <a:lstStyle/>
+                    <a:p>
+                      <a:endParaRPr lang="en-US"/>
+                    </a:p>
+                  </a:txBody>
+                  <a:tcPr>
+                    <a:solidFill>
+                      <a:srgbClr val="0028D7"/>
+                    </a:solidFill>
+                  </a:tcPr>
+                </a:tc>
+                <a:tc>
+                  <a:txBody>
+                    <a:bodyPr/>
+                    <a:lstStyle/>
+                    <a:p>
+                      <a:endParaRPr lang="en-US"/>
+                    </a:p>
+                  </a:txBody>
+                  <a:tcPr>
+                    <a:solidFill>
+                      <a:srgbClr val="0028D7"/>
+                    </a:solidFill>
+                  </a:tcPr>
+                </a:tc>
+                <a:tc>
+                  <a:txBody>
+                    <a:bodyPr/>
+                    <a:lstStyle/>
+                    <a:p>
+                      <a:endParaRPr lang="en-US"/>
+                    </a:p>
+                  </a:txBody>
+                  <a:tcPr>
+                    <a:solidFill>
+                      <a:srgbClr val="0028D7"/>
+                    </a:solidFill>
+                  </a:tcPr>
+                </a:tc>
+                <a:tc>
+                  <a:txBody>
+                    <a:bodyPr/>
+                    <a:lstStyle/>
+                    <a:p>
+                      <a:endParaRPr lang="en-US" dirty="0"/>
+                    </a:p>
+                  </a:txBody>
+                  <a:tcPr>
+                    <a:solidFill>
+                      <a:srgbClr val="0028D7"/>
+                    </a:solidFill>
+                  </a:tcPr>
+                </a:tc>
+                <a:extLst>
+                  <a:ext uri="{0D108BD9-81ED-4DB2-BD59-A6C34878D82A}">
+                    <a16:rowId xmlns:a16="http://schemas.microsoft.com/office/drawing/2014/main" val="882431202"/>
+                  </a:ext>
+                </a:extLst>
+              </a:tr>
+              <a:tr h="361430">
+                <a:tc>
+                  <a:txBody>
+                    <a:bodyPr/>
+                    <a:lstStyle/>
+                    <a:p>
+                      <a:endParaRPr lang="en-US"/>
+                    </a:p>
+                  </a:txBody>
+                  <a:tcPr>
+                    <a:solidFill>
+                      <a:srgbClr val="0028D7"/>
+                    </a:solidFill>
+                  </a:tcPr>
+                </a:tc>
+                <a:tc>
+                  <a:txBody>
+                    <a:bodyPr/>
+                    <a:lstStyle/>
+                    <a:p>
+                      <a:endParaRPr lang="en-US"/>
+                    </a:p>
+                  </a:txBody>
+                  <a:tcPr>
+                    <a:solidFill>
+                      <a:srgbClr val="0028D7"/>
+                    </a:solidFill>
+                  </a:tcPr>
+                </a:tc>
+                <a:tc>
+                  <a:txBody>
+                    <a:bodyPr/>
+                    <a:lstStyle/>
+                    <a:p>
+                      <a:endParaRPr lang="en-US"/>
+                    </a:p>
+                  </a:txBody>
+                  <a:tcPr>
+                    <a:solidFill>
+                      <a:srgbClr val="0028D7"/>
+                    </a:solidFill>
+                  </a:tcPr>
+                </a:tc>
+                <a:tc>
+                  <a:txBody>
+                    <a:bodyPr/>
+                    <a:lstStyle/>
+                    <a:p>
+                      <a:endParaRPr lang="en-US"/>
+                    </a:p>
+                  </a:txBody>
+                  <a:tcPr>
+                    <a:solidFill>
+                      <a:srgbClr val="0028D7"/>
+                    </a:solidFill>
+                  </a:tcPr>
+                </a:tc>
+                <a:tc>
+                  <a:txBody>
+                    <a:bodyPr/>
+                    <a:lstStyle/>
+                    <a:p>
+                      <a:endParaRPr lang="en-US"/>
+                    </a:p>
+                  </a:txBody>
+                  <a:tcPr>
+                    <a:solidFill>
+                      <a:srgbClr val="0028D7"/>
+                    </a:solidFill>
+                  </a:tcPr>
+                </a:tc>
+                <a:tc>
+                  <a:txBody>
+                    <a:bodyPr/>
+                    <a:lstStyle/>
+                    <a:p>
+                      <a:endParaRPr lang="en-US"/>
+                    </a:p>
+                  </a:txBody>
+                  <a:tcPr>
+                    <a:solidFill>
+                      <a:srgbClr val="0028D7"/>
+                    </a:solidFill>
+                  </a:tcPr>
+                </a:tc>
+                <a:tc>
+                  <a:txBody>
+                    <a:bodyPr/>
+                    <a:lstStyle/>
+                    <a:p>
+                      <a:endParaRPr lang="en-US"/>
+                    </a:p>
+                  </a:txBody>
+                  <a:tcPr>
+                    <a:solidFill>
+                      <a:srgbClr val="0028D7"/>
+                    </a:solidFill>
+                  </a:tcPr>
+                </a:tc>
+                <a:tc>
+                  <a:txBody>
+                    <a:bodyPr/>
+                    <a:lstStyle/>
+                    <a:p>
+                      <a:endParaRPr lang="en-US"/>
+                    </a:p>
+                  </a:txBody>
+                  <a:tcPr>
+                    <a:solidFill>
+                      <a:srgbClr val="0028D7"/>
+                    </a:solidFill>
+                  </a:tcPr>
+                </a:tc>
+                <a:tc>
+                  <a:txBody>
+                    <a:bodyPr/>
+                    <a:lstStyle/>
+                    <a:p>
+                      <a:endParaRPr lang="en-US"/>
+                    </a:p>
+                  </a:txBody>
+                  <a:tcPr>
+                    <a:solidFill>
+                      <a:srgbClr val="0028D7"/>
+                    </a:solidFill>
+                  </a:tcPr>
+                </a:tc>
+                <a:tc>
+                  <a:txBody>
+                    <a:bodyPr/>
+                    <a:lstStyle/>
+                    <a:p>
+                      <a:endParaRPr lang="en-US"/>
+                    </a:p>
+                  </a:txBody>
+                  <a:tcPr>
+                    <a:solidFill>
+                      <a:srgbClr val="0028D7"/>
+                    </a:solidFill>
+                  </a:tcPr>
+                </a:tc>
+                <a:extLst>
+                  <a:ext uri="{0D108BD9-81ED-4DB2-BD59-A6C34878D82A}">
+                    <a16:rowId xmlns:a16="http://schemas.microsoft.com/office/drawing/2014/main" val="2188031680"/>
+                  </a:ext>
+                </a:extLst>
+              </a:tr>
+              <a:tr h="361430">
+                <a:tc>
+                  <a:txBody>
+                    <a:bodyPr/>
+                    <a:lstStyle/>
+                    <a:p>
+                      <a:endParaRPr lang="en-US"/>
+                    </a:p>
+                  </a:txBody>
+                  <a:tcPr>
+                    <a:solidFill>
+                      <a:srgbClr val="0028D7"/>
+                    </a:solidFill>
+                  </a:tcPr>
+                </a:tc>
+                <a:tc>
+                  <a:txBody>
+                    <a:bodyPr/>
+                    <a:lstStyle/>
+                    <a:p>
+                      <a:endParaRPr lang="en-US"/>
+                    </a:p>
+                  </a:txBody>
+                  <a:tcPr>
+                    <a:solidFill>
+                      <a:srgbClr val="0028D7"/>
+                    </a:solidFill>
+                  </a:tcPr>
+                </a:tc>
+                <a:tc>
+                  <a:txBody>
+                    <a:bodyPr/>
+                    <a:lstStyle/>
+                    <a:p>
+                      <a:endParaRPr lang="en-US"/>
+                    </a:p>
+                  </a:txBody>
+                  <a:tcPr>
+                    <a:solidFill>
+                      <a:srgbClr val="0028D7"/>
+                    </a:solidFill>
+                  </a:tcPr>
+                </a:tc>
+                <a:tc>
+                  <a:txBody>
+                    <a:bodyPr/>
+                    <a:lstStyle/>
+                    <a:p>
+                      <a:endParaRPr lang="en-US"/>
+                    </a:p>
+                  </a:txBody>
+                  <a:tcPr>
+                    <a:solidFill>
+                      <a:srgbClr val="0028D7"/>
+                    </a:solidFill>
+                  </a:tcPr>
+                </a:tc>
+                <a:tc>
+                  <a:txBody>
+                    <a:bodyPr/>
+                    <a:lstStyle/>
+                    <a:p>
+                      <a:endParaRPr lang="en-US"/>
+                    </a:p>
+                  </a:txBody>
+                  <a:tcPr>
+                    <a:solidFill>
+                      <a:srgbClr val="0028D7"/>
+                    </a:solidFill>
+                  </a:tcPr>
+                </a:tc>
+                <a:tc>
+                  <a:txBody>
+                    <a:bodyPr/>
+                    <a:lstStyle/>
+                    <a:p>
+                      <a:endParaRPr lang="en-US"/>
+                    </a:p>
+                  </a:txBody>
+                  <a:tcPr>
+                    <a:solidFill>
+                      <a:srgbClr val="0028D7"/>
+                    </a:solidFill>
+                  </a:tcPr>
+                </a:tc>
+                <a:tc>
+                  <a:txBody>
+                    <a:bodyPr/>
+                    <a:lstStyle/>
+                    <a:p>
+                      <a:endParaRPr lang="en-US"/>
+                    </a:p>
+                  </a:txBody>
+                  <a:tcPr>
+                    <a:solidFill>
+                      <a:srgbClr val="0028D7"/>
+                    </a:solidFill>
+                  </a:tcPr>
+                </a:tc>
+                <a:tc>
+                  <a:txBody>
+                    <a:bodyPr/>
+                    <a:lstStyle/>
+                    <a:p>
+                      <a:endParaRPr lang="en-US"/>
+                    </a:p>
+                  </a:txBody>
+                  <a:tcPr>
+                    <a:solidFill>
+                      <a:srgbClr val="0028D7"/>
+                    </a:solidFill>
+                  </a:tcPr>
+                </a:tc>
+                <a:tc>
+                  <a:txBody>
+                    <a:bodyPr/>
+                    <a:lstStyle/>
+                    <a:p>
+                      <a:endParaRPr lang="en-US"/>
+                    </a:p>
+                  </a:txBody>
+                  <a:tcPr>
+                    <a:solidFill>
+                      <a:srgbClr val="0028D7"/>
+                    </a:solidFill>
+                  </a:tcPr>
+                </a:tc>
+                <a:tc>
+                  <a:txBody>
+                    <a:bodyPr/>
+                    <a:lstStyle/>
+                    <a:p>
+                      <a:endParaRPr lang="en-US"/>
+                    </a:p>
+                  </a:txBody>
+                  <a:tcPr>
+                    <a:solidFill>
+                      <a:srgbClr val="0028D7"/>
+                    </a:solidFill>
+                  </a:tcPr>
+                </a:tc>
+                <a:extLst>
+                  <a:ext uri="{0D108BD9-81ED-4DB2-BD59-A6C34878D82A}">
+                    <a16:rowId xmlns:a16="http://schemas.microsoft.com/office/drawing/2014/main" val="3036848856"/>
+                  </a:ext>
+                </a:extLst>
+              </a:tr>
+              <a:tr h="361430">
+                <a:tc>
+                  <a:txBody>
+                    <a:bodyPr/>
+                    <a:lstStyle/>
+                    <a:p>
+                      <a:endParaRPr lang="en-US"/>
+                    </a:p>
+                  </a:txBody>
+                  <a:tcPr>
+                    <a:solidFill>
+                      <a:srgbClr val="0028D7"/>
+                    </a:solidFill>
+                  </a:tcPr>
+                </a:tc>
+                <a:tc>
+                  <a:txBody>
+                    <a:bodyPr/>
+                    <a:lstStyle/>
+                    <a:p>
+                      <a:endParaRPr lang="en-US"/>
+                    </a:p>
+                  </a:txBody>
+                  <a:tcPr>
+                    <a:solidFill>
+                      <a:srgbClr val="0028D7"/>
+                    </a:solidFill>
+                  </a:tcPr>
+                </a:tc>
+                <a:tc>
+                  <a:txBody>
+                    <a:bodyPr/>
+                    <a:lstStyle/>
+                    <a:p>
+                      <a:endParaRPr lang="en-US"/>
+                    </a:p>
+                  </a:txBody>
+                  <a:tcPr>
+                    <a:solidFill>
+                      <a:srgbClr val="0028D7"/>
+                    </a:solidFill>
+                  </a:tcPr>
+                </a:tc>
+                <a:tc>
+                  <a:txBody>
+                    <a:bodyPr/>
+                    <a:lstStyle/>
+                    <a:p>
+                      <a:endParaRPr lang="en-US"/>
+                    </a:p>
+                  </a:txBody>
+                  <a:tcPr>
+                    <a:solidFill>
+                      <a:srgbClr val="0028D7"/>
+                    </a:solidFill>
+                  </a:tcPr>
+                </a:tc>
+                <a:tc>
+                  <a:txBody>
+                    <a:bodyPr/>
+                    <a:lstStyle/>
+                    <a:p>
+                      <a:endParaRPr lang="en-US"/>
+                    </a:p>
+                  </a:txBody>
+                  <a:tcPr>
+                    <a:solidFill>
+                      <a:srgbClr val="0028D7"/>
+                    </a:solidFill>
+                  </a:tcPr>
+                </a:tc>
+                <a:tc>
+                  <a:txBody>
+                    <a:bodyPr/>
+                    <a:lstStyle/>
+                    <a:p>
+                      <a:endParaRPr lang="en-US"/>
+                    </a:p>
+                  </a:txBody>
+                  <a:tcPr>
+                    <a:solidFill>
+                      <a:srgbClr val="0028D7"/>
+                    </a:solidFill>
+                  </a:tcPr>
+                </a:tc>
+                <a:tc>
+                  <a:txBody>
+                    <a:bodyPr/>
+                    <a:lstStyle/>
+                    <a:p>
+                      <a:endParaRPr lang="en-US"/>
+                    </a:p>
+                  </a:txBody>
+                  <a:tcPr>
+                    <a:solidFill>
+                      <a:srgbClr val="0028D7"/>
+                    </a:solidFill>
+                  </a:tcPr>
+                </a:tc>
+                <a:tc>
+                  <a:txBody>
+                    <a:bodyPr/>
+                    <a:lstStyle/>
+                    <a:p>
+                      <a:endParaRPr lang="en-US"/>
+                    </a:p>
+                  </a:txBody>
+                  <a:tcPr>
+                    <a:solidFill>
+                      <a:srgbClr val="0028D7"/>
+                    </a:solidFill>
+                  </a:tcPr>
+                </a:tc>
+                <a:tc>
+                  <a:txBody>
+                    <a:bodyPr/>
+                    <a:lstStyle/>
+                    <a:p>
+                      <a:endParaRPr lang="en-US"/>
+                    </a:p>
+                  </a:txBody>
+                  <a:tcPr>
+                    <a:solidFill>
+                      <a:srgbClr val="0028D7"/>
+                    </a:solidFill>
+                  </a:tcPr>
+                </a:tc>
+                <a:tc>
+                  <a:txBody>
+                    <a:bodyPr/>
+                    <a:lstStyle/>
+                    <a:p>
+                      <a:endParaRPr lang="en-US"/>
+                    </a:p>
+                  </a:txBody>
+                  <a:tcPr>
+                    <a:solidFill>
+                      <a:srgbClr val="0028D7"/>
+                    </a:solidFill>
+                  </a:tcPr>
+                </a:tc>
+                <a:extLst>
+                  <a:ext uri="{0D108BD9-81ED-4DB2-BD59-A6C34878D82A}">
+                    <a16:rowId xmlns:a16="http://schemas.microsoft.com/office/drawing/2014/main" val="1627398580"/>
+                  </a:ext>
+                </a:extLst>
+              </a:tr>
+              <a:tr h="361430">
+                <a:tc>
+                  <a:txBody>
+                    <a:bodyPr/>
+                    <a:lstStyle/>
+                    <a:p>
+                      <a:endParaRPr lang="en-US"/>
+                    </a:p>
+                  </a:txBody>
+                  <a:tcPr>
+                    <a:solidFill>
+                      <a:srgbClr val="0028D7"/>
+                    </a:solidFill>
+                  </a:tcPr>
+                </a:tc>
+                <a:tc>
+                  <a:txBody>
+                    <a:bodyPr/>
+                    <a:lstStyle/>
+                    <a:p>
+                      <a:endParaRPr lang="en-US"/>
+                    </a:p>
+                  </a:txBody>
+                  <a:tcPr>
+                    <a:solidFill>
+                      <a:srgbClr val="0028D7"/>
+                    </a:solidFill>
+                  </a:tcPr>
+                </a:tc>
+                <a:tc>
+                  <a:txBody>
+                    <a:bodyPr/>
+                    <a:lstStyle/>
+                    <a:p>
+                      <a:endParaRPr lang="en-US"/>
+                    </a:p>
+                  </a:txBody>
+                  <a:tcPr>
+                    <a:solidFill>
+                      <a:srgbClr val="0028D7"/>
+                    </a:solidFill>
+                  </a:tcPr>
+                </a:tc>
+                <a:tc>
+                  <a:txBody>
+                    <a:bodyPr/>
+                    <a:lstStyle/>
+                    <a:p>
+                      <a:endParaRPr lang="en-US"/>
+                    </a:p>
+                  </a:txBody>
+                  <a:tcPr>
+                    <a:solidFill>
+                      <a:srgbClr val="0028D7"/>
+                    </a:solidFill>
+                  </a:tcPr>
+                </a:tc>
+                <a:tc>
+                  <a:txBody>
+                    <a:bodyPr/>
+                    <a:lstStyle/>
+                    <a:p>
+                      <a:endParaRPr lang="en-US"/>
+                    </a:p>
+                  </a:txBody>
+                  <a:tcPr>
+                    <a:solidFill>
+                      <a:srgbClr val="0028D7"/>
+                    </a:solidFill>
+                  </a:tcPr>
+                </a:tc>
+                <a:tc>
+                  <a:txBody>
+                    <a:bodyPr/>
+                    <a:lstStyle/>
+                    <a:p>
+                      <a:endParaRPr lang="en-US"/>
+                    </a:p>
+                  </a:txBody>
+                  <a:tcPr>
+                    <a:solidFill>
+                      <a:srgbClr val="0028D7"/>
+                    </a:solidFill>
+                  </a:tcPr>
+                </a:tc>
+                <a:tc>
+                  <a:txBody>
+                    <a:bodyPr/>
+                    <a:lstStyle/>
+                    <a:p>
+                      <a:endParaRPr lang="en-US"/>
+                    </a:p>
+                  </a:txBody>
+                  <a:tcPr>
+                    <a:solidFill>
+                      <a:srgbClr val="0028D7"/>
+                    </a:solidFill>
+                  </a:tcPr>
+                </a:tc>
+                <a:tc>
+                  <a:txBody>
+                    <a:bodyPr/>
+                    <a:lstStyle/>
+                    <a:p>
+                      <a:endParaRPr lang="en-US"/>
+                    </a:p>
+                  </a:txBody>
+                  <a:tcPr>
+                    <a:solidFill>
+                      <a:srgbClr val="0028D7"/>
+                    </a:solidFill>
+                  </a:tcPr>
+                </a:tc>
+                <a:tc>
+                  <a:txBody>
+                    <a:bodyPr/>
+                    <a:lstStyle/>
+                    <a:p>
+                      <a:endParaRPr lang="en-US"/>
+                    </a:p>
+                  </a:txBody>
+                  <a:tcPr>
+                    <a:solidFill>
+                      <a:srgbClr val="0028D7"/>
+                    </a:solidFill>
+                  </a:tcPr>
+                </a:tc>
+                <a:tc>
+                  <a:txBody>
+                    <a:bodyPr/>
+                    <a:lstStyle/>
+                    <a:p>
+                      <a:endParaRPr lang="en-US"/>
+                    </a:p>
+                  </a:txBody>
+                  <a:tcPr>
+                    <a:solidFill>
+                      <a:srgbClr val="0028D7"/>
+                    </a:solidFill>
+                  </a:tcPr>
+                </a:tc>
+                <a:extLst>
+                  <a:ext uri="{0D108BD9-81ED-4DB2-BD59-A6C34878D82A}">
+                    <a16:rowId xmlns:a16="http://schemas.microsoft.com/office/drawing/2014/main" val="646982101"/>
+                  </a:ext>
+                </a:extLst>
+              </a:tr>
+              <a:tr h="361430">
+                <a:tc>
+                  <a:txBody>
+                    <a:bodyPr/>
+                    <a:lstStyle/>
+                    <a:p>
+                      <a:endParaRPr lang="en-US"/>
+                    </a:p>
+                  </a:txBody>
+                  <a:tcPr>
+                    <a:solidFill>
+                      <a:srgbClr val="0028D7"/>
+                    </a:solidFill>
+                  </a:tcPr>
+                </a:tc>
+                <a:tc>
+                  <a:txBody>
+                    <a:bodyPr/>
+                    <a:lstStyle/>
+                    <a:p>
+                      <a:endParaRPr lang="en-US"/>
+                    </a:p>
+                  </a:txBody>
+                  <a:tcPr>
+                    <a:solidFill>
+                      <a:srgbClr val="0028D7"/>
+                    </a:solidFill>
+                  </a:tcPr>
+                </a:tc>
+                <a:tc>
+                  <a:txBody>
+                    <a:bodyPr/>
+                    <a:lstStyle/>
+                    <a:p>
+                      <a:endParaRPr lang="en-US"/>
+                    </a:p>
+                  </a:txBody>
+                  <a:tcPr>
+                    <a:solidFill>
+                      <a:srgbClr val="0028D7"/>
+                    </a:solidFill>
+                  </a:tcPr>
+                </a:tc>
+                <a:tc>
+                  <a:txBody>
+                    <a:bodyPr/>
+                    <a:lstStyle/>
+                    <a:p>
+                      <a:endParaRPr lang="en-US"/>
+                    </a:p>
+                  </a:txBody>
+                  <a:tcPr>
+                    <a:solidFill>
+                      <a:srgbClr val="0028D7"/>
+                    </a:solidFill>
+                  </a:tcPr>
+                </a:tc>
+                <a:tc>
+                  <a:txBody>
+                    <a:bodyPr/>
+                    <a:lstStyle/>
+                    <a:p>
+                      <a:endParaRPr lang="en-US"/>
+                    </a:p>
+                  </a:txBody>
+                  <a:tcPr>
+                    <a:solidFill>
+                      <a:srgbClr val="0028D7"/>
+                    </a:solidFill>
+                  </a:tcPr>
+                </a:tc>
+                <a:tc>
+                  <a:txBody>
+                    <a:bodyPr/>
+                    <a:lstStyle/>
+                    <a:p>
+                      <a:endParaRPr lang="en-US"/>
+                    </a:p>
+                  </a:txBody>
+                  <a:tcPr>
+                    <a:solidFill>
+                      <a:srgbClr val="0028D7"/>
+                    </a:solidFill>
+                  </a:tcPr>
+                </a:tc>
+                <a:tc>
+                  <a:txBody>
+                    <a:bodyPr/>
+                    <a:lstStyle/>
+                    <a:p>
+                      <a:endParaRPr lang="en-US"/>
+                    </a:p>
+                  </a:txBody>
+                  <a:tcPr>
+                    <a:solidFill>
+                      <a:srgbClr val="0028D7"/>
+                    </a:solidFill>
+                  </a:tcPr>
+                </a:tc>
+                <a:tc>
+                  <a:txBody>
+                    <a:bodyPr/>
+                    <a:lstStyle/>
+                    <a:p>
+                      <a:endParaRPr lang="en-US"/>
+                    </a:p>
+                  </a:txBody>
+                  <a:tcPr>
+                    <a:solidFill>
+                      <a:srgbClr val="0028D7"/>
+                    </a:solidFill>
+                  </a:tcPr>
+                </a:tc>
+                <a:tc>
+                  <a:txBody>
+                    <a:bodyPr/>
+                    <a:lstStyle/>
+                    <a:p>
+                      <a:endParaRPr lang="en-US"/>
+                    </a:p>
+                  </a:txBody>
+                  <a:tcPr>
+                    <a:solidFill>
+                      <a:srgbClr val="0028D7"/>
+                    </a:solidFill>
+                  </a:tcPr>
+                </a:tc>
+                <a:tc>
+                  <a:txBody>
+                    <a:bodyPr/>
+                    <a:lstStyle/>
+                    <a:p>
+                      <a:endParaRPr lang="en-US"/>
+                    </a:p>
+                  </a:txBody>
+                  <a:tcPr>
+                    <a:solidFill>
+                      <a:srgbClr val="0028D7"/>
+                    </a:solidFill>
+                  </a:tcPr>
+                </a:tc>
+                <a:extLst>
+                  <a:ext uri="{0D108BD9-81ED-4DB2-BD59-A6C34878D82A}">
+                    <a16:rowId xmlns:a16="http://schemas.microsoft.com/office/drawing/2014/main" val="1572421587"/>
+                  </a:ext>
+                </a:extLst>
+              </a:tr>
+              <a:tr h="361430">
+                <a:tc>
+                  <a:txBody>
+                    <a:bodyPr/>
+                    <a:lstStyle/>
+                    <a:p>
+                      <a:endParaRPr lang="en-US" dirty="0"/>
+                    </a:p>
+                  </a:txBody>
+                  <a:tcPr>
+                    <a:solidFill>
+                      <a:srgbClr val="0028D7"/>
+                    </a:solidFill>
+                  </a:tcPr>
+                </a:tc>
+                <a:tc>
+                  <a:txBody>
+                    <a:bodyPr/>
+                    <a:lstStyle/>
+                    <a:p>
+                      <a:endParaRPr lang="en-US" dirty="0"/>
+                    </a:p>
+                  </a:txBody>
+                  <a:tcPr>
+                    <a:solidFill>
+                      <a:srgbClr val="0028D7"/>
+                    </a:solidFill>
+                  </a:tcPr>
+                </a:tc>
+                <a:tc>
+                  <a:txBody>
+                    <a:bodyPr/>
+                    <a:lstStyle/>
+                    <a:p>
+                      <a:endParaRPr lang="en-US" dirty="0"/>
+                    </a:p>
+                  </a:txBody>
+                  <a:tcPr>
+                    <a:solidFill>
+                      <a:srgbClr val="0028D7"/>
+                    </a:solidFill>
+                  </a:tcPr>
+                </a:tc>
+                <a:tc>
+                  <a:txBody>
+                    <a:bodyPr/>
+                    <a:lstStyle/>
+                    <a:p>
+                      <a:endParaRPr lang="en-US"/>
+                    </a:p>
+                  </a:txBody>
+                  <a:tcPr>
+                    <a:solidFill>
+                      <a:srgbClr val="0028D7"/>
+                    </a:solidFill>
+                  </a:tcPr>
+                </a:tc>
+                <a:tc>
+                  <a:txBody>
+                    <a:bodyPr/>
+                    <a:lstStyle/>
+                    <a:p>
+                      <a:endParaRPr lang="en-US"/>
+                    </a:p>
+                  </a:txBody>
+                  <a:tcPr>
+                    <a:solidFill>
+                      <a:srgbClr val="0028D7"/>
+                    </a:solidFill>
+                  </a:tcPr>
+                </a:tc>
+                <a:tc>
+                  <a:txBody>
+                    <a:bodyPr/>
+                    <a:lstStyle/>
+                    <a:p>
+                      <a:endParaRPr lang="en-US"/>
+                    </a:p>
+                  </a:txBody>
+                  <a:tcPr>
+                    <a:solidFill>
+                      <a:srgbClr val="0028D7"/>
+                    </a:solidFill>
+                  </a:tcPr>
+                </a:tc>
+                <a:tc>
+                  <a:txBody>
+                    <a:bodyPr/>
+                    <a:lstStyle/>
+                    <a:p>
+                      <a:endParaRPr lang="en-US"/>
+                    </a:p>
+                  </a:txBody>
+                  <a:tcPr>
+                    <a:solidFill>
+                      <a:srgbClr val="0028D7"/>
+                    </a:solidFill>
+                  </a:tcPr>
+                </a:tc>
+                <a:tc>
+                  <a:txBody>
+                    <a:bodyPr/>
+                    <a:lstStyle/>
+                    <a:p>
+                      <a:endParaRPr lang="en-US"/>
+                    </a:p>
+                  </a:txBody>
+                  <a:tcPr>
+                    <a:solidFill>
+                      <a:srgbClr val="0028D7"/>
+                    </a:solidFill>
+                  </a:tcPr>
+                </a:tc>
+                <a:tc>
+                  <a:txBody>
+                    <a:bodyPr/>
+                    <a:lstStyle/>
+                    <a:p>
+                      <a:endParaRPr lang="en-US"/>
+                    </a:p>
+                  </a:txBody>
+                  <a:tcPr>
+                    <a:solidFill>
+                      <a:srgbClr val="0028D7"/>
+                    </a:solidFill>
+                  </a:tcPr>
+                </a:tc>
+                <a:tc>
+                  <a:txBody>
+                    <a:bodyPr/>
+                    <a:lstStyle/>
+                    <a:p>
+                      <a:endParaRPr lang="en-US" dirty="0"/>
+                    </a:p>
+                  </a:txBody>
+                  <a:tcPr>
+                    <a:solidFill>
+                      <a:srgbClr val="0028D7"/>
+                    </a:solidFill>
+                  </a:tcPr>
+                </a:tc>
+                <a:extLst>
+                  <a:ext uri="{0D108BD9-81ED-4DB2-BD59-A6C34878D82A}">
+                    <a16:rowId xmlns:a16="http://schemas.microsoft.com/office/drawing/2014/main" val="2500378805"/>
+                  </a:ext>
+                </a:extLst>
               </a:tr>
             </a:tbl>
           </a:graphicData>
         </a:graphic>
       </p:graphicFrame>
-      <p:graphicFrame>
-        <p:nvGraphicFramePr>
-          <p:cNvPr id="13" name="Table 12"/>
-          <p:cNvGraphicFramePr>
-            <a:graphicFrameLocks noGrp="1"/>
-          </p:cNvGraphicFramePr>
-          <p:nvPr>
-            <p:extLst>
-              <p:ext uri="{D42A27DB-BD31-4B8C-83A1-F6EECF244321}">
-                <p14:modId xmlns:p14="http://schemas.microsoft.com/office/powerpoint/2010/main" val="243272951"/>
-              </p:ext>
-            </p:extLst>
-          </p:nvPr>
-        </p:nvGraphicFramePr>
-        <p:xfrm>
-          <a:off x="7948141" y="4840515"/>
-          <a:ext cx="2413686" cy="600165"/>
-        </p:xfrm>
-        <a:graphic>
-          <a:graphicData uri="http://schemas.openxmlformats.org/drawingml/2006/table">
-            <a:tbl>
-              <a:tblPr firstRow="1" bandRow="1">
-                <a:tableStyleId>{5940675A-B579-460E-94D1-54222C63F5DA}</a:tableStyleId>
-              </a:tblPr>
-              <a:tblGrid>
-                <a:gridCol w="1194486"/>
-                <a:gridCol w="1219200"/>
-              </a:tblGrid>
-              <a:tr h="600165">
-                <a:tc>
-                  <a:txBody>
-                    <a:bodyPr/>
-                    <a:lstStyle/>
-                    <a:p>
-                      <a:pPr algn="ctr"/>
-                      <a:r>
-                        <a:rPr lang="en-US" sz="2800" b="1" dirty="0" smtClean="0"/>
-                        <a:t>50</a:t>
-                      </a:r>
-                      <a:endParaRPr lang="en-US" sz="2800" b="1" dirty="0"/>
-                    </a:p>
-                  </a:txBody>
-                  <a:tcPr>
-                    <a:solidFill>
-                      <a:schemeClr val="accent2"/>
-                    </a:solidFill>
-                  </a:tcPr>
-                </a:tc>
-                <a:tc>
-                  <a:txBody>
-                    <a:bodyPr/>
-                    <a:lstStyle/>
-                    <a:p>
-                      <a:pPr algn="ctr"/>
-                      <a:r>
-                        <a:rPr lang="en-US" sz="2800" b="1" dirty="0" smtClean="0"/>
-                        <a:t>60</a:t>
-                      </a:r>
-                      <a:endParaRPr lang="en-US" sz="2800" b="1" dirty="0"/>
-                    </a:p>
-                  </a:txBody>
-                  <a:tcPr>
-                    <a:solidFill>
-                      <a:schemeClr val="accent2"/>
-                    </a:solidFill>
-                  </a:tcPr>
-                </a:tc>
-              </a:tr>
-            </a:tbl>
-          </a:graphicData>
-        </a:graphic>
-      </p:graphicFrame>
-      <p:graphicFrame>
-        <p:nvGraphicFramePr>
-          <p:cNvPr id="14" name="Table 13"/>
-          <p:cNvGraphicFramePr>
-            <a:graphicFrameLocks noGrp="1"/>
-          </p:cNvGraphicFramePr>
-          <p:nvPr>
-            <p:extLst>
-              <p:ext uri="{D42A27DB-BD31-4B8C-83A1-F6EECF244321}">
-                <p14:modId xmlns:p14="http://schemas.microsoft.com/office/powerpoint/2010/main" val="2373168552"/>
-              </p:ext>
-            </p:extLst>
-          </p:nvPr>
-        </p:nvGraphicFramePr>
-        <p:xfrm>
-          <a:off x="7885964" y="3345542"/>
-          <a:ext cx="2413686" cy="571718"/>
-        </p:xfrm>
-        <a:graphic>
-          <a:graphicData uri="http://schemas.openxmlformats.org/drawingml/2006/table">
-            <a:tbl>
-              <a:tblPr firstRow="1" bandRow="1">
-                <a:tableStyleId>{5940675A-B579-460E-94D1-54222C63F5DA}</a:tableStyleId>
-              </a:tblPr>
-              <a:tblGrid>
-                <a:gridCol w="1194486"/>
-                <a:gridCol w="1219200"/>
-              </a:tblGrid>
-              <a:tr h="571718">
-                <a:tc>
-                  <a:txBody>
-                    <a:bodyPr/>
-                    <a:lstStyle/>
-                    <a:p>
-                      <a:pPr algn="ctr"/>
-                      <a:r>
-                        <a:rPr lang="en-US" sz="2800" b="1" dirty="0" smtClean="0"/>
-                        <a:t>30</a:t>
-                      </a:r>
-                      <a:endParaRPr lang="en-US" sz="2800" b="1" dirty="0"/>
-                    </a:p>
-                  </a:txBody>
-                  <a:tcPr>
-                    <a:solidFill>
-                      <a:schemeClr val="accent6">
-                        <a:lumMod val="60000"/>
-                        <a:lumOff val="40000"/>
-                      </a:schemeClr>
-                    </a:solidFill>
-                  </a:tcPr>
-                </a:tc>
-                <a:tc>
-                  <a:txBody>
-                    <a:bodyPr/>
-                    <a:lstStyle/>
-                    <a:p>
-                      <a:pPr algn="ctr"/>
-                      <a:r>
-                        <a:rPr lang="en-US" sz="2800" b="1" dirty="0" smtClean="0"/>
-                        <a:t>40</a:t>
-                      </a:r>
-                      <a:endParaRPr lang="en-US" sz="2800" b="1" dirty="0"/>
-                    </a:p>
-                  </a:txBody>
-                  <a:tcPr>
-                    <a:solidFill>
-                      <a:schemeClr val="accent6">
-                        <a:lumMod val="60000"/>
-                        <a:lumOff val="40000"/>
-                      </a:schemeClr>
-                    </a:solidFill>
-                  </a:tcPr>
-                </a:tc>
-              </a:tr>
-            </a:tbl>
-          </a:graphicData>
-        </a:graphic>
-      </p:graphicFrame>
-      <p:graphicFrame>
-        <p:nvGraphicFramePr>
-          <p:cNvPr id="15" name="Table 14"/>
-          <p:cNvGraphicFramePr>
-            <a:graphicFrameLocks noGrp="1"/>
-          </p:cNvGraphicFramePr>
-          <p:nvPr>
-            <p:extLst>
-              <p:ext uri="{D42A27DB-BD31-4B8C-83A1-F6EECF244321}">
-                <p14:modId xmlns:p14="http://schemas.microsoft.com/office/powerpoint/2010/main" val="1504038992"/>
-              </p:ext>
-            </p:extLst>
-          </p:nvPr>
-        </p:nvGraphicFramePr>
-        <p:xfrm>
-          <a:off x="7793582" y="1865086"/>
-          <a:ext cx="2413686" cy="632719"/>
-        </p:xfrm>
-        <a:graphic>
-          <a:graphicData uri="http://schemas.openxmlformats.org/drawingml/2006/table">
-            <a:tbl>
-              <a:tblPr firstRow="1" bandRow="1">
-                <a:tableStyleId>{5940675A-B579-460E-94D1-54222C63F5DA}</a:tableStyleId>
-              </a:tblPr>
-              <a:tblGrid>
-                <a:gridCol w="1194486"/>
-                <a:gridCol w="1219200"/>
-              </a:tblGrid>
-              <a:tr h="632719">
-                <a:tc>
-                  <a:txBody>
-                    <a:bodyPr/>
-                    <a:lstStyle/>
-                    <a:p>
-                      <a:pPr algn="ctr"/>
-                      <a:r>
-                        <a:rPr lang="en-US" sz="2800" b="1" dirty="0" smtClean="0"/>
-                        <a:t>10</a:t>
-                      </a:r>
-                      <a:endParaRPr lang="en-US" sz="2800" b="1" dirty="0"/>
-                    </a:p>
-                  </a:txBody>
-                  <a:tcPr>
-                    <a:solidFill>
-                      <a:srgbClr val="7030A0"/>
-                    </a:solidFill>
-                  </a:tcPr>
-                </a:tc>
-                <a:tc>
-                  <a:txBody>
-                    <a:bodyPr/>
-                    <a:lstStyle/>
-                    <a:p>
-                      <a:pPr algn="ctr"/>
-                      <a:r>
-                        <a:rPr lang="en-US" sz="2800" b="1" dirty="0" smtClean="0"/>
-                        <a:t>20</a:t>
-                      </a:r>
-                      <a:endParaRPr lang="en-US" sz="2800" b="1" dirty="0"/>
-                    </a:p>
-                  </a:txBody>
-                  <a:tcPr>
-                    <a:solidFill>
-                      <a:srgbClr val="7030A0"/>
-                    </a:solidFill>
-                  </a:tcPr>
-                </a:tc>
-              </a:tr>
-            </a:tbl>
-          </a:graphicData>
-        </a:graphic>
-      </p:graphicFrame>
+      <p:cxnSp>
+        <p:nvCxnSpPr>
+          <p:cNvPr id="10" name="Straight Connector 9">
+            <a:extLst>
+              <a:ext uri="{FF2B5EF4-FFF2-40B4-BE49-F238E27FC236}">
+                <a16:creationId xmlns:a16="http://schemas.microsoft.com/office/drawing/2014/main" id="{4FE12E56-7847-3445-9EE4-9BC64125DF6F}"/>
+              </a:ext>
+            </a:extLst>
+          </p:cNvPr>
+          <p:cNvCxnSpPr/>
+          <p:nvPr/>
+        </p:nvCxnSpPr>
+        <p:spPr>
+          <a:xfrm>
+            <a:off x="6096000" y="449451"/>
+            <a:ext cx="1529166" cy="1242189"/>
+          </a:xfrm>
+          <a:prstGeom prst="line">
+            <a:avLst/>
+          </a:prstGeom>
+        </p:spPr>
+        <p:style>
+          <a:lnRef idx="1">
+            <a:schemeClr val="dk1"/>
+          </a:lnRef>
+          <a:fillRef idx="0">
+            <a:schemeClr val="dk1"/>
+          </a:fillRef>
+          <a:effectRef idx="0">
+            <a:schemeClr val="dk1"/>
+          </a:effectRef>
+          <a:fontRef idx="minor">
+            <a:schemeClr val="tx1"/>
+          </a:fontRef>
+        </p:style>
+      </p:cxnSp>
       <p:sp>
         <p:nvSpPr>
-          <p:cNvPr id="17" name="TextBox 16"/>
+          <p:cNvPr id="11" name="TextBox 10">
+            <a:extLst>
+              <a:ext uri="{FF2B5EF4-FFF2-40B4-BE49-F238E27FC236}">
+                <a16:creationId xmlns:a16="http://schemas.microsoft.com/office/drawing/2014/main" id="{987F20DA-D144-3644-86A6-11ED68669C96}"/>
+              </a:ext>
+            </a:extLst>
+          </p:cNvPr>
           <p:cNvSpPr txBox="1"/>
           <p:nvPr/>
         </p:nvSpPr>
         <p:spPr>
           <a:xfrm>
-            <a:off x="10842171" y="1309561"/>
-            <a:ext cx="841829" cy="523220"/>
+            <a:off x="6096000" y="5331417"/>
+            <a:ext cx="4334359" cy="923330"/>
           </a:xfrm>
           <a:prstGeom prst="rect">
             <a:avLst/>
@@ -3444,586 +7353,87 @@
           <a:lstStyle/>
           <a:p>
             <a:r>
-              <a:rPr lang="en-US" sz="2800" b="1" dirty="0" err="1" smtClean="0">
-                <a:solidFill>
-                  <a:srgbClr val="DC63FD"/>
-                </a:solidFill>
-              </a:rPr>
-              <a:t>ncol</a:t>
+              <a:rPr lang="en-US" dirty="0"/>
+              <a:t>Pixel of an RGB image are formed from the corresponding pixel of the Red, Green and Blue components.</a:t>
             </a:r>
-            <a:endParaRPr lang="en-US" sz="2800" b="1" dirty="0">
-              <a:solidFill>
-                <a:srgbClr val="DC63FD"/>
-              </a:solidFill>
-            </a:endParaRPr>
           </a:p>
         </p:txBody>
       </p:sp>
-      <p:cxnSp>
-        <p:nvCxnSpPr>
-          <p:cNvPr id="19" name="Straight Arrow Connector 18"/>
-          <p:cNvCxnSpPr/>
-          <p:nvPr/>
-        </p:nvCxnSpPr>
-        <p:spPr>
-          <a:xfrm flipH="1" flipV="1">
-            <a:off x="11045371" y="464457"/>
-            <a:ext cx="101602" cy="965905"/>
-          </a:xfrm>
-          <a:prstGeom prst="straightConnector1">
-            <a:avLst/>
-          </a:prstGeom>
-          <a:ln w="76200">
-            <a:solidFill>
-              <a:srgbClr val="FF0000"/>
-            </a:solidFill>
-            <a:tailEnd type="triangle"/>
-          </a:ln>
-        </p:spPr>
-        <p:style>
-          <a:lnRef idx="1">
-            <a:schemeClr val="accent1"/>
-          </a:lnRef>
-          <a:fillRef idx="0">
-            <a:schemeClr val="accent1"/>
-          </a:fillRef>
-          <a:effectRef idx="0">
-            <a:schemeClr val="accent1"/>
-          </a:effectRef>
-          <a:fontRef idx="minor">
-            <a:schemeClr val="tx1"/>
-          </a:fontRef>
-        </p:style>
-      </p:cxnSp>
-      <p:sp>
-        <p:nvSpPr>
-          <p:cNvPr id="20" name="TextBox 19"/>
-          <p:cNvSpPr txBox="1"/>
-          <p:nvPr/>
-        </p:nvSpPr>
-        <p:spPr>
-          <a:xfrm>
-            <a:off x="9768116" y="907142"/>
-            <a:ext cx="986970" cy="523220"/>
-          </a:xfrm>
-          <a:prstGeom prst="rect">
-            <a:avLst/>
-          </a:prstGeom>
-          <a:noFill/>
-        </p:spPr>
-        <p:txBody>
-          <a:bodyPr wrap="square" rtlCol="0">
-            <a:spAutoFit/>
-          </a:bodyPr>
-          <a:lstStyle/>
-          <a:p>
-            <a:r>
-              <a:rPr lang="en-US" sz="2800" b="1" dirty="0" err="1" smtClean="0">
-                <a:solidFill>
-                  <a:srgbClr val="00B0F0"/>
-                </a:solidFill>
-              </a:rPr>
-              <a:t>nrow</a:t>
-            </a:r>
-            <a:endParaRPr lang="en-US" sz="2800" b="1" dirty="0">
-              <a:solidFill>
-                <a:srgbClr val="00B0F0"/>
-              </a:solidFill>
-            </a:endParaRPr>
-          </a:p>
-        </p:txBody>
-      </p:sp>
-      <p:cxnSp>
-        <p:nvCxnSpPr>
-          <p:cNvPr id="22" name="Straight Arrow Connector 21"/>
-          <p:cNvCxnSpPr/>
-          <p:nvPr/>
-        </p:nvCxnSpPr>
-        <p:spPr>
-          <a:xfrm flipV="1">
-            <a:off x="10486570" y="464457"/>
-            <a:ext cx="174172" cy="566056"/>
-          </a:xfrm>
-          <a:prstGeom prst="straightConnector1">
-            <a:avLst/>
-          </a:prstGeom>
-          <a:ln w="76200">
-            <a:solidFill>
-              <a:srgbClr val="FF0000"/>
-            </a:solidFill>
-            <a:tailEnd type="triangle"/>
-          </a:ln>
-        </p:spPr>
-        <p:style>
-          <a:lnRef idx="1">
-            <a:schemeClr val="accent1"/>
-          </a:lnRef>
-          <a:fillRef idx="0">
-            <a:schemeClr val="accent1"/>
-          </a:fillRef>
-          <a:effectRef idx="0">
-            <a:schemeClr val="accent1"/>
-          </a:effectRef>
-          <a:fontRef idx="minor">
-            <a:schemeClr val="tx1"/>
-          </a:fontRef>
-        </p:style>
-      </p:cxnSp>
-      <p:sp>
-        <p:nvSpPr>
-          <p:cNvPr id="23" name="TextBox 22"/>
-          <p:cNvSpPr txBox="1"/>
-          <p:nvPr/>
-        </p:nvSpPr>
-        <p:spPr>
-          <a:xfrm>
-            <a:off x="11103429" y="2235200"/>
-            <a:ext cx="986971" cy="523220"/>
-          </a:xfrm>
-          <a:prstGeom prst="rect">
-            <a:avLst/>
-          </a:prstGeom>
-          <a:noFill/>
-        </p:spPr>
-        <p:txBody>
-          <a:bodyPr wrap="square" rtlCol="0">
-            <a:spAutoFit/>
-          </a:bodyPr>
-          <a:lstStyle/>
-          <a:p>
-            <a:r>
-              <a:rPr lang="en-US" sz="2800" b="1" dirty="0" err="1" smtClean="0"/>
-              <a:t>ndim</a:t>
-            </a:r>
-            <a:endParaRPr lang="en-US" sz="2800" b="1" dirty="0"/>
-          </a:p>
-        </p:txBody>
-      </p:sp>
-      <p:cxnSp>
-        <p:nvCxnSpPr>
-          <p:cNvPr id="25" name="Straight Arrow Connector 24"/>
-          <p:cNvCxnSpPr/>
-          <p:nvPr/>
-        </p:nvCxnSpPr>
-        <p:spPr>
-          <a:xfrm flipH="1" flipV="1">
-            <a:off x="11437257" y="464457"/>
-            <a:ext cx="493486" cy="1727200"/>
-          </a:xfrm>
-          <a:prstGeom prst="straightConnector1">
-            <a:avLst/>
-          </a:prstGeom>
-          <a:ln w="76200">
-            <a:solidFill>
-              <a:srgbClr val="FF0000"/>
-            </a:solidFill>
-            <a:tailEnd type="triangle"/>
-          </a:ln>
-        </p:spPr>
-        <p:style>
-          <a:lnRef idx="1">
-            <a:schemeClr val="accent1"/>
-          </a:lnRef>
-          <a:fillRef idx="0">
-            <a:schemeClr val="accent1"/>
-          </a:fillRef>
-          <a:effectRef idx="0">
-            <a:schemeClr val="accent1"/>
-          </a:effectRef>
-          <a:fontRef idx="minor">
-            <a:schemeClr val="tx1"/>
-          </a:fontRef>
-        </p:style>
-      </p:cxnSp>
-      <p:sp>
-        <p:nvSpPr>
-          <p:cNvPr id="30" name="Left Brace 29"/>
-          <p:cNvSpPr/>
-          <p:nvPr/>
-        </p:nvSpPr>
-        <p:spPr>
-          <a:xfrm rot="19011626">
-            <a:off x="803793" y="1013768"/>
-            <a:ext cx="508000" cy="1161144"/>
-          </a:xfrm>
-          <a:prstGeom prst="leftBrace">
-            <a:avLst/>
-          </a:prstGeom>
-          <a:ln w="38100">
-            <a:solidFill>
-              <a:srgbClr val="FF0000"/>
-            </a:solidFill>
-          </a:ln>
-        </p:spPr>
-        <p:style>
-          <a:lnRef idx="1">
-            <a:schemeClr val="accent1"/>
-          </a:lnRef>
-          <a:fillRef idx="0">
-            <a:schemeClr val="accent1"/>
-          </a:fillRef>
-          <a:effectRef idx="0">
-            <a:schemeClr val="accent1"/>
-          </a:effectRef>
-          <a:fontRef idx="minor">
-            <a:schemeClr val="tx1"/>
-          </a:fontRef>
-        </p:style>
-        <p:txBody>
-          <a:bodyPr rtlCol="0" anchor="ctr"/>
-          <a:lstStyle/>
-          <a:p>
-            <a:pPr algn="ctr"/>
-            <a:endParaRPr lang="en-US"/>
-          </a:p>
-        </p:txBody>
-      </p:sp>
-      <p:sp>
-        <p:nvSpPr>
-          <p:cNvPr id="31" name="TextBox 30"/>
-          <p:cNvSpPr txBox="1"/>
-          <p:nvPr/>
-        </p:nvSpPr>
-        <p:spPr>
-          <a:xfrm>
-            <a:off x="25526" y="1930047"/>
-            <a:ext cx="1672646" cy="523220"/>
-          </a:xfrm>
-          <a:prstGeom prst="rect">
-            <a:avLst/>
-          </a:prstGeom>
-          <a:noFill/>
-        </p:spPr>
-        <p:txBody>
-          <a:bodyPr wrap="square" rtlCol="0">
-            <a:spAutoFit/>
-          </a:bodyPr>
-          <a:lstStyle/>
-          <a:p>
-            <a:r>
-              <a:rPr lang="en-US" sz="2800" b="1" dirty="0" err="1"/>
-              <a:t>n</a:t>
-            </a:r>
-            <a:r>
-              <a:rPr lang="en-US" sz="2800" b="1" dirty="0" err="1" smtClean="0"/>
-              <a:t>dim</a:t>
-            </a:r>
-            <a:r>
-              <a:rPr lang="en-US" sz="2800" b="1" dirty="0" smtClean="0"/>
-              <a:t> = 3</a:t>
-            </a:r>
-            <a:endParaRPr lang="en-US" sz="2800" b="1" dirty="0"/>
-          </a:p>
-        </p:txBody>
-      </p:sp>
-      <p:graphicFrame>
-        <p:nvGraphicFramePr>
-          <p:cNvPr id="32" name="Table 31"/>
-          <p:cNvGraphicFramePr>
-            <a:graphicFrameLocks noGrp="1"/>
-          </p:cNvGraphicFramePr>
-          <p:nvPr>
-            <p:extLst>
-              <p:ext uri="{D42A27DB-BD31-4B8C-83A1-F6EECF244321}">
-                <p14:modId xmlns:p14="http://schemas.microsoft.com/office/powerpoint/2010/main" val="2545094385"/>
-              </p:ext>
-            </p:extLst>
-          </p:nvPr>
-        </p:nvGraphicFramePr>
-        <p:xfrm>
-          <a:off x="883217" y="4288972"/>
-          <a:ext cx="2413686" cy="600165"/>
-        </p:xfrm>
-        <a:graphic>
-          <a:graphicData uri="http://schemas.openxmlformats.org/drawingml/2006/table">
-            <a:tbl>
-              <a:tblPr firstRow="1" bandRow="1">
-                <a:tableStyleId>{5940675A-B579-460E-94D1-54222C63F5DA}</a:tableStyleId>
-              </a:tblPr>
-              <a:tblGrid>
-                <a:gridCol w="1194486"/>
-                <a:gridCol w="1219200"/>
-              </a:tblGrid>
-              <a:tr h="600165">
-                <a:tc>
-                  <a:txBody>
-                    <a:bodyPr/>
-                    <a:lstStyle/>
-                    <a:p>
-                      <a:pPr algn="ctr"/>
-                      <a:r>
-                        <a:rPr lang="en-US" sz="2800" b="1" dirty="0" smtClean="0"/>
-                        <a:t>50</a:t>
-                      </a:r>
-                      <a:endParaRPr lang="en-US" sz="2800" b="1" dirty="0"/>
-                    </a:p>
-                  </a:txBody>
-                  <a:tcPr>
-                    <a:solidFill>
-                      <a:schemeClr val="accent2"/>
-                    </a:solidFill>
-                  </a:tcPr>
-                </a:tc>
-                <a:tc>
-                  <a:txBody>
-                    <a:bodyPr/>
-                    <a:lstStyle/>
-                    <a:p>
-                      <a:pPr algn="ctr"/>
-                      <a:r>
-                        <a:rPr lang="en-US" sz="2800" b="1" dirty="0" smtClean="0"/>
-                        <a:t>60</a:t>
-                      </a:r>
-                      <a:endParaRPr lang="en-US" sz="2800" b="1" dirty="0"/>
-                    </a:p>
-                  </a:txBody>
-                  <a:tcPr>
-                    <a:solidFill>
-                      <a:schemeClr val="accent2"/>
-                    </a:solidFill>
-                  </a:tcPr>
-                </a:tc>
-              </a:tr>
-            </a:tbl>
-          </a:graphicData>
-        </a:graphic>
-      </p:graphicFrame>
-      <p:cxnSp>
-        <p:nvCxnSpPr>
-          <p:cNvPr id="35" name="Straight Arrow Connector 34"/>
-          <p:cNvCxnSpPr/>
-          <p:nvPr/>
-        </p:nvCxnSpPr>
-        <p:spPr>
-          <a:xfrm>
-            <a:off x="319314" y="4615543"/>
-            <a:ext cx="3497942" cy="0"/>
-          </a:xfrm>
-          <a:prstGeom prst="straightConnector1">
-            <a:avLst/>
-          </a:prstGeom>
-          <a:ln w="76200">
-            <a:solidFill>
-              <a:srgbClr val="00B0F0"/>
-            </a:solidFill>
-            <a:tailEnd type="triangle"/>
-          </a:ln>
-        </p:spPr>
-        <p:style>
-          <a:lnRef idx="1">
-            <a:schemeClr val="accent1"/>
-          </a:lnRef>
-          <a:fillRef idx="0">
-            <a:schemeClr val="accent1"/>
-          </a:fillRef>
-          <a:effectRef idx="0">
-            <a:schemeClr val="accent1"/>
-          </a:effectRef>
-          <a:fontRef idx="minor">
-            <a:schemeClr val="tx1"/>
-          </a:fontRef>
-        </p:style>
-      </p:cxnSp>
-      <p:sp>
-        <p:nvSpPr>
-          <p:cNvPr id="36" name="TextBox 35"/>
-          <p:cNvSpPr txBox="1"/>
-          <p:nvPr/>
-        </p:nvSpPr>
-        <p:spPr>
-          <a:xfrm>
-            <a:off x="3868058" y="4281361"/>
-            <a:ext cx="986970" cy="523220"/>
-          </a:xfrm>
-          <a:prstGeom prst="rect">
-            <a:avLst/>
-          </a:prstGeom>
-          <a:noFill/>
-        </p:spPr>
-        <p:txBody>
-          <a:bodyPr wrap="square" rtlCol="0">
-            <a:spAutoFit/>
-          </a:bodyPr>
-          <a:lstStyle/>
-          <a:p>
-            <a:r>
-              <a:rPr lang="en-US" sz="2800" b="1" dirty="0" err="1" smtClean="0">
-                <a:solidFill>
-                  <a:srgbClr val="00B0F0"/>
-                </a:solidFill>
-              </a:rPr>
-              <a:t>nrow</a:t>
-            </a:r>
-            <a:endParaRPr lang="en-US" sz="2800" b="1" dirty="0">
-              <a:solidFill>
-                <a:srgbClr val="00B0F0"/>
-              </a:solidFill>
-            </a:endParaRPr>
-          </a:p>
-        </p:txBody>
-      </p:sp>
-      <p:cxnSp>
-        <p:nvCxnSpPr>
-          <p:cNvPr id="38" name="Straight Arrow Connector 37"/>
-          <p:cNvCxnSpPr/>
-          <p:nvPr/>
-        </p:nvCxnSpPr>
-        <p:spPr>
-          <a:xfrm flipH="1">
-            <a:off x="1393371" y="3657600"/>
-            <a:ext cx="14515" cy="1915886"/>
-          </a:xfrm>
-          <a:prstGeom prst="straightConnector1">
-            <a:avLst/>
-          </a:prstGeom>
-          <a:ln w="76200">
-            <a:solidFill>
-              <a:srgbClr val="F23ED0"/>
-            </a:solidFill>
-            <a:tailEnd type="triangle"/>
-          </a:ln>
-        </p:spPr>
-        <p:style>
-          <a:lnRef idx="1">
-            <a:schemeClr val="accent1"/>
-          </a:lnRef>
-          <a:fillRef idx="0">
-            <a:schemeClr val="accent1"/>
-          </a:fillRef>
-          <a:effectRef idx="0">
-            <a:schemeClr val="accent1"/>
-          </a:effectRef>
-          <a:fontRef idx="minor">
-            <a:schemeClr val="tx1"/>
-          </a:fontRef>
-        </p:style>
-      </p:cxnSp>
-      <p:cxnSp>
-        <p:nvCxnSpPr>
-          <p:cNvPr id="39" name="Straight Arrow Connector 38"/>
-          <p:cNvCxnSpPr/>
-          <p:nvPr/>
-        </p:nvCxnSpPr>
-        <p:spPr>
-          <a:xfrm flipH="1">
-            <a:off x="2674260" y="3657600"/>
-            <a:ext cx="14515" cy="1915886"/>
-          </a:xfrm>
-          <a:prstGeom prst="straightConnector1">
-            <a:avLst/>
-          </a:prstGeom>
-          <a:ln w="76200">
-            <a:solidFill>
-              <a:srgbClr val="F23ED0"/>
-            </a:solidFill>
-            <a:tailEnd type="triangle"/>
-          </a:ln>
-        </p:spPr>
-        <p:style>
-          <a:lnRef idx="1">
-            <a:schemeClr val="accent1"/>
-          </a:lnRef>
-          <a:fillRef idx="0">
-            <a:schemeClr val="accent1"/>
-          </a:fillRef>
-          <a:effectRef idx="0">
-            <a:schemeClr val="accent1"/>
-          </a:effectRef>
-          <a:fontRef idx="minor">
-            <a:schemeClr val="tx1"/>
-          </a:fontRef>
-        </p:style>
-      </p:cxnSp>
-      <p:sp>
-        <p:nvSpPr>
-          <p:cNvPr id="40" name="TextBox 39"/>
-          <p:cNvSpPr txBox="1"/>
-          <p:nvPr/>
-        </p:nvSpPr>
-        <p:spPr>
-          <a:xfrm>
-            <a:off x="1545778" y="5463922"/>
-            <a:ext cx="841829" cy="523220"/>
-          </a:xfrm>
-          <a:prstGeom prst="rect">
-            <a:avLst/>
-          </a:prstGeom>
-          <a:noFill/>
-        </p:spPr>
-        <p:txBody>
-          <a:bodyPr wrap="square" rtlCol="0">
-            <a:spAutoFit/>
-          </a:bodyPr>
-          <a:lstStyle/>
-          <a:p>
-            <a:r>
-              <a:rPr lang="en-US" sz="2800" b="1" dirty="0" err="1" smtClean="0">
-                <a:solidFill>
-                  <a:srgbClr val="DC63FD"/>
-                </a:solidFill>
-              </a:rPr>
-              <a:t>ncol</a:t>
-            </a:r>
-            <a:endParaRPr lang="en-US" sz="2800" b="1" dirty="0">
-              <a:solidFill>
-                <a:srgbClr val="DC63FD"/>
-              </a:solidFill>
-            </a:endParaRPr>
-          </a:p>
-        </p:txBody>
-      </p:sp>
-      <p:cxnSp>
-        <p:nvCxnSpPr>
-          <p:cNvPr id="43" name="Straight Connector 42"/>
-          <p:cNvCxnSpPr/>
-          <p:nvPr/>
-        </p:nvCxnSpPr>
-        <p:spPr>
-          <a:xfrm>
-            <a:off x="4855028" y="0"/>
-            <a:ext cx="50802" cy="6858000"/>
-          </a:xfrm>
-          <a:prstGeom prst="line">
-            <a:avLst/>
-          </a:prstGeom>
-          <a:ln w="12700">
-            <a:solidFill>
-              <a:schemeClr val="tx2"/>
-            </a:solidFill>
-          </a:ln>
-        </p:spPr>
-        <p:style>
-          <a:lnRef idx="1">
-            <a:schemeClr val="accent1"/>
-          </a:lnRef>
-          <a:fillRef idx="0">
-            <a:schemeClr val="accent1"/>
-          </a:fillRef>
-          <a:effectRef idx="0">
-            <a:schemeClr val="accent1"/>
-          </a:effectRef>
-          <a:fontRef idx="minor">
-            <a:schemeClr val="tx1"/>
-          </a:fontRef>
-        </p:style>
-      </p:cxnSp>
     </p:spTree>
     <p:extLst>
       <p:ext uri="{BB962C8B-B14F-4D97-AF65-F5344CB8AC3E}">
-        <p14:creationId xmlns:p14="http://schemas.microsoft.com/office/powerpoint/2010/main" val="1415291539"/>
+        <p14:creationId xmlns:p14="http://schemas.microsoft.com/office/powerpoint/2010/main" val="4193918765"/>
       </p:ext>
     </p:extLst>
   </p:cSld>
   <p:clrMapOvr>
     <a:masterClrMapping/>
   </p:clrMapOvr>
-  <p:timing>
-    <p:tnLst>
-      <p:par>
-        <p:cTn id="1" dur="indefinite" restart="never" nodeType="tmRoot"/>
-      </p:par>
-    </p:tnLst>
-  </p:timing>
+</p:sld>
+</file>
+
+<file path=ppt/slides/slide3.xml><?xml version="1.0" encoding="utf-8"?>
+<p:sld xmlns:a="http://schemas.openxmlformats.org/drawingml/2006/main" xmlns:r="http://schemas.openxmlformats.org/officeDocument/2006/relationships" xmlns:p="http://schemas.openxmlformats.org/presentationml/2006/main">
+  <p:cSld>
+    <p:spTree>
+      <p:nvGrpSpPr>
+        <p:cNvPr id="1" name=""/>
+        <p:cNvGrpSpPr/>
+        <p:nvPr/>
+      </p:nvGrpSpPr>
+      <p:grpSpPr>
+        <a:xfrm>
+          <a:off x="0" y="0"/>
+          <a:ext cx="0" cy="0"/>
+          <a:chOff x="0" y="0"/>
+          <a:chExt cx="0" cy="0"/>
+        </a:xfrm>
+      </p:grpSpPr>
+      <p:sp>
+        <p:nvSpPr>
+          <p:cNvPr id="3" name="Content Placeholder 2">
+            <a:extLst>
+              <a:ext uri="{FF2B5EF4-FFF2-40B4-BE49-F238E27FC236}">
+                <a16:creationId xmlns:a16="http://schemas.microsoft.com/office/drawing/2014/main" id="{B29180A8-7074-AF4C-9094-B807FD6FC500}"/>
+              </a:ext>
+            </a:extLst>
+          </p:cNvPr>
+          <p:cNvSpPr>
+            <a:spLocks noGrp="1"/>
+          </p:cNvSpPr>
+          <p:nvPr>
+            <p:ph idx="1"/>
+          </p:nvPr>
+        </p:nvSpPr>
+        <p:spPr/>
+        <p:txBody>
+          <a:bodyPr/>
+          <a:lstStyle/>
+          <a:p>
+            <a:pPr marL="0" indent="0">
+              <a:buNone/>
+            </a:pPr>
+            <a:r>
+              <a:rPr lang="en-US"/>
+              <a:t>ame</a:t>
+            </a:r>
+            <a:r>
+              <a:rPr lang="en-US" dirty="0"/>
+              <a:t>(</a:t>
+            </a:r>
+          </a:p>
+        </p:txBody>
+      </p:sp>
+    </p:spTree>
+    <p:extLst>
+      <p:ext uri="{BB962C8B-B14F-4D97-AF65-F5344CB8AC3E}">
+        <p14:creationId xmlns:p14="http://schemas.microsoft.com/office/powerpoint/2010/main" val="3953728277"/>
+      </p:ext>
+    </p:extLst>
+  </p:cSld>
+  <p:clrMapOvr>
+    <a:masterClrMapping/>
+  </p:clrMapOvr>
 </p:sld>
 </file>
 
@@ -4044,7 +7454,7 @@
         <a:srgbClr val="E7E6E6"/>
       </a:lt2>
       <a:accent1>
-        <a:srgbClr val="5B9BD5"/>
+        <a:srgbClr val="4472C4"/>
       </a:accent1>
       <a:accent2>
         <a:srgbClr val="ED7D31"/>
@@ -4056,7 +7466,7 @@
         <a:srgbClr val="FFC000"/>
       </a:accent4>
       <a:accent5>
-        <a:srgbClr val="4472C4"/>
+        <a:srgbClr val="5B9BD5"/>
       </a:accent5>
       <a:accent6>
         <a:srgbClr val="70AD47"/>
@@ -4073,9 +7483,9 @@
         <a:latin typeface="Calibri Light" panose="020F0302020204030204"/>
         <a:ea typeface=""/>
         <a:cs typeface=""/>
-        <a:font script="Jpan" typeface="ＭＳ Ｐゴシック"/>
+        <a:font script="Jpan" typeface="游ゴシック Light"/>
         <a:font script="Hang" typeface="맑은 고딕"/>
-        <a:font script="Hans" typeface="宋体"/>
+        <a:font script="Hans" typeface="等线 Light"/>
         <a:font script="Hant" typeface="新細明體"/>
         <a:font script="Arab" typeface="Times New Roman"/>
         <a:font script="Hebr" typeface="Times New Roman"/>
@@ -4103,14 +7513,31 @@
         <a:font script="Viet" typeface="Times New Roman"/>
         <a:font script="Uigh" typeface="Microsoft Uighur"/>
         <a:font script="Geor" typeface="Sylfaen"/>
+        <a:font script="Armn" typeface="Arial"/>
+        <a:font script="Bugi" typeface="Leelawadee UI"/>
+        <a:font script="Bopo" typeface="Microsoft JhengHei"/>
+        <a:font script="Java" typeface="Javanese Text"/>
+        <a:font script="Lisu" typeface="Segoe UI"/>
+        <a:font script="Mymr" typeface="Myanmar Text"/>
+        <a:font script="Nkoo" typeface="Ebrima"/>
+        <a:font script="Olck" typeface="Nirmala UI"/>
+        <a:font script="Osma" typeface="Ebrima"/>
+        <a:font script="Phag" typeface="Phagspa"/>
+        <a:font script="Syrn" typeface="Estrangelo Edessa"/>
+        <a:font script="Syrj" typeface="Estrangelo Edessa"/>
+        <a:font script="Syre" typeface="Estrangelo Edessa"/>
+        <a:font script="Sora" typeface="Nirmala UI"/>
+        <a:font script="Tale" typeface="Microsoft Tai Le"/>
+        <a:font script="Talu" typeface="Microsoft New Tai Lue"/>
+        <a:font script="Tfng" typeface="Ebrima"/>
       </a:majorFont>
       <a:minorFont>
         <a:latin typeface="Calibri" panose="020F0502020204030204"/>
         <a:ea typeface=""/>
         <a:cs typeface=""/>
-        <a:font script="Jpan" typeface="ＭＳ Ｐゴシック"/>
+        <a:font script="Jpan" typeface="游ゴシック"/>
         <a:font script="Hang" typeface="맑은 고딕"/>
-        <a:font script="Hans" typeface="宋体"/>
+        <a:font script="Hans" typeface="等线"/>
         <a:font script="Hant" typeface="新細明體"/>
         <a:font script="Arab" typeface="Arial"/>
         <a:font script="Hebr" typeface="Arial"/>
@@ -4138,6 +7565,23 @@
         <a:font script="Viet" typeface="Arial"/>
         <a:font script="Uigh" typeface="Microsoft Uighur"/>
         <a:font script="Geor" typeface="Sylfaen"/>
+        <a:font script="Armn" typeface="Arial"/>
+        <a:font script="Bugi" typeface="Leelawadee UI"/>
+        <a:font script="Bopo" typeface="Microsoft JhengHei"/>
+        <a:font script="Java" typeface="Javanese Text"/>
+        <a:font script="Lisu" typeface="Segoe UI"/>
+        <a:font script="Mymr" typeface="Myanmar Text"/>
+        <a:font script="Nkoo" typeface="Ebrima"/>
+        <a:font script="Olck" typeface="Nirmala UI"/>
+        <a:font script="Osma" typeface="Ebrima"/>
+        <a:font script="Phag" typeface="Phagspa"/>
+        <a:font script="Syrn" typeface="Estrangelo Edessa"/>
+        <a:font script="Syrj" typeface="Estrangelo Edessa"/>
+        <a:font script="Syre" typeface="Estrangelo Edessa"/>
+        <a:font script="Sora" typeface="Nirmala UI"/>
+        <a:font script="Tale" typeface="Microsoft Tai Le"/>
+        <a:font script="Talu" typeface="Microsoft New Tai Lue"/>
+        <a:font script="Tfng" typeface="Ebrima"/>
       </a:minorFont>
     </a:fontScheme>
     <a:fmtScheme name="Office">
